--- a/FinalProject/presentation_v0.pptx
+++ b/FinalProject/presentation_v0.pptx
@@ -5,17 +5,20 @@
     <p:sldMasterId id="2147483648" r:id="rId1"/>
   </p:sldMasterIdLst>
   <p:notesMasterIdLst>
-    <p:notesMasterId r:id="rId10"/>
+    <p:notesMasterId r:id="rId13"/>
   </p:notesMasterIdLst>
   <p:sldIdLst>
     <p:sldId id="256" r:id="rId2"/>
-    <p:sldId id="257" r:id="rId3"/>
-    <p:sldId id="258" r:id="rId4"/>
-    <p:sldId id="259" r:id="rId5"/>
-    <p:sldId id="265" r:id="rId6"/>
-    <p:sldId id="272" r:id="rId7"/>
-    <p:sldId id="270" r:id="rId8"/>
-    <p:sldId id="271" r:id="rId9"/>
+    <p:sldId id="273" r:id="rId3"/>
+    <p:sldId id="276" r:id="rId4"/>
+    <p:sldId id="275" r:id="rId5"/>
+    <p:sldId id="274" r:id="rId6"/>
+    <p:sldId id="277" r:id="rId7"/>
+    <p:sldId id="278" r:id="rId8"/>
+    <p:sldId id="279" r:id="rId9"/>
+    <p:sldId id="280" r:id="rId10"/>
+    <p:sldId id="270" r:id="rId11"/>
+    <p:sldId id="271" r:id="rId12"/>
   </p:sldIdLst>
   <p:sldSz cx="21855113" cy="12293600"/>
   <p:notesSz cx="6858000" cy="9144000"/>
@@ -264,7 +267,7 @@
       </p15:sldGuideLst>
     </p:ext>
     <p:ext uri="GoogleSlidesCustomDataVersion2">
-      <go:slidesCustomData xmlns="" xmlns:mc="http://schemas.openxmlformats.org/markup-compatibility/2006" xmlns:mv="urn:schemas-microsoft-com:mac:vml" xmlns:c="http://schemas.openxmlformats.org/drawingml/2006/chart" xmlns:dgm="http://schemas.openxmlformats.org/drawingml/2006/diagram" xmlns:o="urn:schemas-microsoft-com:office:office" xmlns:v="urn:schemas-microsoft-com:vml" xmlns:pvml="urn:schemas-microsoft-com:office:powerpoint" xmlns:com="http://schemas.openxmlformats.org/drawingml/2006/compatibility" xmlns:p14="http://schemas.microsoft.com/office/powerpoint/2010/main" xmlns:p15="http://schemas.microsoft.com/office/powerpoint/2012/main" xmlns:ahyp="http://schemas.microsoft.com/office/drawing/2018/hyperlinkcolor" xmlns:go="http://customooxmlschemas.google.com/" r:id="rId22" roundtripDataSignature="AMtx7mheR65iXZkTWghIeOHxbNGZhnw3mg=="/>
+      <go:slidesCustomData xmlns:go="http://customooxmlschemas.google.com/" xmlns:ahyp="http://schemas.microsoft.com/office/drawing/2018/hyperlinkcolor" xmlns:p15="http://schemas.microsoft.com/office/powerpoint/2012/main" xmlns:p14="http://schemas.microsoft.com/office/powerpoint/2010/main" xmlns:com="http://schemas.openxmlformats.org/drawingml/2006/compatibility" xmlns:pvml="urn:schemas-microsoft-com:office:powerpoint" xmlns:v="urn:schemas-microsoft-com:vml" xmlns:o="urn:schemas-microsoft-com:office:office" xmlns:dgm="http://schemas.openxmlformats.org/drawingml/2006/diagram" xmlns:c="http://schemas.openxmlformats.org/drawingml/2006/chart" xmlns:mv="urn:schemas-microsoft-com:mac:vml" xmlns:mc="http://schemas.openxmlformats.org/markup-compatibility/2006" xmlns="" r:id="rId22" roundtripDataSignature="AMtx7mheR65iXZkTWghIeOHxbNGZhnw3mg=="/>
     </p:ext>
   </p:extLst>
 </p:presentation>
@@ -1567,12 +1570,12 @@
 </p:notes>
 </file>
 
-<file path=ppt/notesSlides/notesSlide2.xml><?xml version="1.0" encoding="utf-8"?>
+<file path=ppt/notesSlides/notesSlide10.xml><?xml version="1.0" encoding="utf-8"?>
 <p:notes xmlns:a="http://schemas.openxmlformats.org/drawingml/2006/main" xmlns:r="http://schemas.openxmlformats.org/officeDocument/2006/relationships" xmlns:p="http://schemas.openxmlformats.org/presentationml/2006/main" showMasterSp="0" showMasterPhAnim="0">
   <p:cSld>
     <p:spTree>
       <p:nvGrpSpPr>
-        <p:cNvPr id="1" name="Shape 90"/>
+        <p:cNvPr id="1" name="Shape 298"/>
         <p:cNvGrpSpPr/>
         <p:nvPr/>
       </p:nvGrpSpPr>
@@ -1586,7 +1589,7 @@
       </p:grpSpPr>
       <p:sp>
         <p:nvSpPr>
-          <p:cNvPr id="91" name="Google Shape;91;p2:notes"/>
+          <p:cNvPr id="299" name="Google Shape;299;p15:notes"/>
           <p:cNvSpPr>
             <a:spLocks noGrp="1" noRot="1" noChangeAspect="1"/>
           </p:cNvSpPr>
@@ -1637,7 +1640,7 @@
       </p:sp>
       <p:sp>
         <p:nvSpPr>
-          <p:cNvPr id="92" name="Google Shape;92;p2:notes"/>
+          <p:cNvPr id="300" name="Google Shape;300;p15:notes"/>
           <p:cNvSpPr txBox="1">
             <a:spLocks noGrp="1"/>
           </p:cNvSpPr>
@@ -1679,7 +1682,7 @@
       </p:sp>
       <p:sp>
         <p:nvSpPr>
-          <p:cNvPr id="93" name="Google Shape;93;p2:notes"/>
+          <p:cNvPr id="301" name="Google Shape;301;p15:notes"/>
           <p:cNvSpPr txBox="1">
             <a:spLocks noGrp="1"/>
           </p:cNvSpPr>
@@ -1717,7 +1720,7 @@
             </a:pPr>
             <a:fld id="{00000000-1234-1234-1234-123412341234}" type="slidenum">
               <a:rPr lang="en-US"/>
-              <a:t>2</a:t>
+              <a:t>10</a:t>
             </a:fld>
             <a:endParaRPr/>
           </a:p>
@@ -1731,12 +1734,12 @@
 </p:notes>
 </file>
 
-<file path=ppt/notesSlides/notesSlide3.xml><?xml version="1.0" encoding="utf-8"?>
+<file path=ppt/notesSlides/notesSlide11.xml><?xml version="1.0" encoding="utf-8"?>
 <p:notes xmlns:a="http://schemas.openxmlformats.org/drawingml/2006/main" xmlns:r="http://schemas.openxmlformats.org/officeDocument/2006/relationships" xmlns:p="http://schemas.openxmlformats.org/presentationml/2006/main" showMasterSp="0" showMasterPhAnim="0">
   <p:cSld>
     <p:spTree>
       <p:nvGrpSpPr>
-        <p:cNvPr id="1" name="Shape 105"/>
+        <p:cNvPr id="1" name="Shape 310"/>
         <p:cNvGrpSpPr/>
         <p:nvPr/>
       </p:nvGrpSpPr>
@@ -1750,7 +1753,111 @@
       </p:grpSpPr>
       <p:sp>
         <p:nvSpPr>
-          <p:cNvPr id="106" name="Google Shape;106;p3:notes"/>
+          <p:cNvPr id="311" name="Google Shape;311;p16:notes"/>
+          <p:cNvSpPr txBox="1">
+            <a:spLocks noGrp="1"/>
+          </p:cNvSpPr>
+          <p:nvPr>
+            <p:ph type="body" idx="1"/>
+          </p:nvPr>
+        </p:nvSpPr>
+        <p:spPr>
+          <a:xfrm>
+            <a:off x="685800" y="4400550"/>
+            <a:ext cx="5486400" cy="3600450"/>
+          </a:xfrm>
+          <a:prstGeom prst="rect">
+            <a:avLst/>
+          </a:prstGeom>
+        </p:spPr>
+        <p:txBody>
+          <a:bodyPr spcFirstLastPara="1" wrap="square" lIns="91425" tIns="45700" rIns="91425" bIns="45700" anchor="t" anchorCtr="0">
+            <a:noAutofit/>
+          </a:bodyPr>
+          <a:lstStyle/>
+          <a:p>
+            <a:pPr marL="0" lvl="0" indent="0" algn="l" rtl="0">
+              <a:spcBef>
+                <a:spcPts val="0"/>
+              </a:spcBef>
+              <a:spcAft>
+                <a:spcPts val="0"/>
+              </a:spcAft>
+              <a:buNone/>
+            </a:pPr>
+            <a:endParaRPr/>
+          </a:p>
+        </p:txBody>
+      </p:sp>
+      <p:sp>
+        <p:nvSpPr>
+          <p:cNvPr id="312" name="Google Shape;312;p16:notes"/>
+          <p:cNvSpPr>
+            <a:spLocks noGrp="1" noRot="1" noChangeAspect="1"/>
+          </p:cNvSpPr>
+          <p:nvPr>
+            <p:ph type="sldImg" idx="2"/>
+          </p:nvPr>
+        </p:nvSpPr>
+        <p:spPr>
+          <a:xfrm>
+            <a:off x="687388" y="1143000"/>
+            <a:ext cx="5483225" cy="3086100"/>
+          </a:xfrm>
+          <a:custGeom>
+            <a:avLst/>
+            <a:gdLst/>
+            <a:ahLst/>
+            <a:cxnLst/>
+            <a:rect l="l" t="t" r="r" b="b"/>
+            <a:pathLst>
+              <a:path w="120000" h="120000" extrusionOk="0">
+                <a:moveTo>
+                  <a:pt x="0" y="0"/>
+                </a:moveTo>
+                <a:lnTo>
+                  <a:pt x="120000" y="0"/>
+                </a:lnTo>
+                <a:lnTo>
+                  <a:pt x="120000" y="120000"/>
+                </a:lnTo>
+                <a:lnTo>
+                  <a:pt x="0" y="120000"/>
+                </a:lnTo>
+                <a:close/>
+              </a:path>
+            </a:pathLst>
+          </a:custGeom>
+        </p:spPr>
+      </p:sp>
+    </p:spTree>
+  </p:cSld>
+  <p:clrMapOvr>
+    <a:masterClrMapping/>
+  </p:clrMapOvr>
+</p:notes>
+</file>
+
+<file path=ppt/notesSlides/notesSlide2.xml><?xml version="1.0" encoding="utf-8"?>
+<p:notes xmlns:a="http://schemas.openxmlformats.org/drawingml/2006/main" xmlns:r="http://schemas.openxmlformats.org/officeDocument/2006/relationships" xmlns:p="http://schemas.openxmlformats.org/presentationml/2006/main" showMasterSp="0" showMasterPhAnim="0">
+  <p:cSld>
+    <p:spTree>
+      <p:nvGrpSpPr>
+        <p:cNvPr id="1" name="Shape 206"/>
+        <p:cNvGrpSpPr/>
+        <p:nvPr/>
+      </p:nvGrpSpPr>
+      <p:grpSpPr>
+        <a:xfrm>
+          <a:off x="0" y="0"/>
+          <a:ext cx="0" cy="0"/>
+          <a:chOff x="0" y="0"/>
+          <a:chExt cx="0" cy="0"/>
+        </a:xfrm>
+      </p:grpSpPr>
+      <p:sp>
+        <p:nvSpPr>
+          <p:cNvPr id="207" name="Google Shape;207;p10:notes"/>
           <p:cNvSpPr>
             <a:spLocks noGrp="1" noRot="1" noChangeAspect="1"/>
           </p:cNvSpPr>
@@ -1801,7 +1908,7 @@
       </p:sp>
       <p:sp>
         <p:nvSpPr>
-          <p:cNvPr id="107" name="Google Shape;107;p3:notes"/>
+          <p:cNvPr id="208" name="Google Shape;208;p10:notes"/>
           <p:cNvSpPr txBox="1">
             <a:spLocks noGrp="1"/>
           </p:cNvSpPr>
@@ -1843,7 +1950,7 @@
       </p:sp>
       <p:sp>
         <p:nvSpPr>
-          <p:cNvPr id="108" name="Google Shape;108;p3:notes"/>
+          <p:cNvPr id="209" name="Google Shape;209;p10:notes"/>
           <p:cNvSpPr txBox="1">
             <a:spLocks noGrp="1"/>
           </p:cNvSpPr>
@@ -1881,6 +1988,175 @@
             </a:pPr>
             <a:fld id="{00000000-1234-1234-1234-123412341234}" type="slidenum">
               <a:rPr lang="en-US"/>
+              <a:t>2</a:t>
+            </a:fld>
+            <a:endParaRPr/>
+          </a:p>
+        </p:txBody>
+      </p:sp>
+    </p:spTree>
+    <p:extLst>
+      <p:ext uri="{BB962C8B-B14F-4D97-AF65-F5344CB8AC3E}">
+        <p14:creationId xmlns:p14="http://schemas.microsoft.com/office/powerpoint/2010/main" val="3035596300"/>
+      </p:ext>
+    </p:extLst>
+  </p:cSld>
+  <p:clrMapOvr>
+    <a:masterClrMapping/>
+  </p:clrMapOvr>
+</p:notes>
+</file>
+
+<file path=ppt/notesSlides/notesSlide3.xml><?xml version="1.0" encoding="utf-8"?>
+<p:notes xmlns:a="http://schemas.openxmlformats.org/drawingml/2006/main" xmlns:r="http://schemas.openxmlformats.org/officeDocument/2006/relationships" xmlns:p="http://schemas.openxmlformats.org/presentationml/2006/main" showMasterSp="0" showMasterPhAnim="0">
+  <p:cSld>
+    <p:spTree>
+      <p:nvGrpSpPr>
+        <p:cNvPr id="1" name="Shape 206"/>
+        <p:cNvGrpSpPr/>
+        <p:nvPr/>
+      </p:nvGrpSpPr>
+      <p:grpSpPr>
+        <a:xfrm>
+          <a:off x="0" y="0"/>
+          <a:ext cx="0" cy="0"/>
+          <a:chOff x="0" y="0"/>
+          <a:chExt cx="0" cy="0"/>
+        </a:xfrm>
+      </p:grpSpPr>
+      <p:sp>
+        <p:nvSpPr>
+          <p:cNvPr id="207" name="Google Shape;207;p10:notes"/>
+          <p:cNvSpPr>
+            <a:spLocks noGrp="1" noRot="1" noChangeAspect="1"/>
+          </p:cNvSpPr>
+          <p:nvPr>
+            <p:ph type="sldImg" idx="2"/>
+          </p:nvPr>
+        </p:nvSpPr>
+        <p:spPr>
+          <a:xfrm>
+            <a:off x="687388" y="1143000"/>
+            <a:ext cx="5483225" cy="3086100"/>
+          </a:xfrm>
+          <a:custGeom>
+            <a:avLst/>
+            <a:gdLst/>
+            <a:ahLst/>
+            <a:cxnLst/>
+            <a:rect l="l" t="t" r="r" b="b"/>
+            <a:pathLst>
+              <a:path w="120000" h="120000" extrusionOk="0">
+                <a:moveTo>
+                  <a:pt x="0" y="0"/>
+                </a:moveTo>
+                <a:lnTo>
+                  <a:pt x="120000" y="0"/>
+                </a:lnTo>
+                <a:lnTo>
+                  <a:pt x="120000" y="120000"/>
+                </a:lnTo>
+                <a:lnTo>
+                  <a:pt x="0" y="120000"/>
+                </a:lnTo>
+                <a:close/>
+              </a:path>
+            </a:pathLst>
+          </a:custGeom>
+          <a:noFill/>
+          <a:ln w="12700" cap="flat" cmpd="sng">
+            <a:solidFill>
+              <a:srgbClr val="000000"/>
+            </a:solidFill>
+            <a:prstDash val="solid"/>
+            <a:round/>
+            <a:headEnd type="none" w="sm" len="sm"/>
+            <a:tailEnd type="none" w="sm" len="sm"/>
+          </a:ln>
+        </p:spPr>
+      </p:sp>
+      <p:sp>
+        <p:nvSpPr>
+          <p:cNvPr id="208" name="Google Shape;208;p10:notes"/>
+          <p:cNvSpPr txBox="1">
+            <a:spLocks noGrp="1"/>
+          </p:cNvSpPr>
+          <p:nvPr>
+            <p:ph type="body" idx="1"/>
+          </p:nvPr>
+        </p:nvSpPr>
+        <p:spPr>
+          <a:xfrm>
+            <a:off x="685800" y="4400550"/>
+            <a:ext cx="5486400" cy="3600450"/>
+          </a:xfrm>
+          <a:prstGeom prst="rect">
+            <a:avLst/>
+          </a:prstGeom>
+          <a:noFill/>
+          <a:ln>
+            <a:noFill/>
+          </a:ln>
+        </p:spPr>
+        <p:txBody>
+          <a:bodyPr spcFirstLastPara="1" wrap="square" lIns="91425" tIns="45700" rIns="91425" bIns="45700" anchor="t" anchorCtr="0">
+            <a:noAutofit/>
+          </a:bodyPr>
+          <a:lstStyle/>
+          <a:p>
+            <a:pPr marL="0" lvl="0" indent="0" algn="l" rtl="0">
+              <a:spcBef>
+                <a:spcPts val="0"/>
+              </a:spcBef>
+              <a:spcAft>
+                <a:spcPts val="0"/>
+              </a:spcAft>
+              <a:buNone/>
+            </a:pPr>
+            <a:endParaRPr/>
+          </a:p>
+        </p:txBody>
+      </p:sp>
+      <p:sp>
+        <p:nvSpPr>
+          <p:cNvPr id="209" name="Google Shape;209;p10:notes"/>
+          <p:cNvSpPr txBox="1">
+            <a:spLocks noGrp="1"/>
+          </p:cNvSpPr>
+          <p:nvPr>
+            <p:ph type="sldNum" idx="12"/>
+          </p:nvPr>
+        </p:nvSpPr>
+        <p:spPr>
+          <a:xfrm>
+            <a:off x="3884613" y="8685213"/>
+            <a:ext cx="2971800" cy="458787"/>
+          </a:xfrm>
+          <a:prstGeom prst="rect">
+            <a:avLst/>
+          </a:prstGeom>
+          <a:noFill/>
+          <a:ln>
+            <a:noFill/>
+          </a:ln>
+        </p:spPr>
+        <p:txBody>
+          <a:bodyPr spcFirstLastPara="1" wrap="square" lIns="91425" tIns="45700" rIns="91425" bIns="45700" anchor="b" anchorCtr="0">
+            <a:noAutofit/>
+          </a:bodyPr>
+          <a:lstStyle/>
+          <a:p>
+            <a:pPr marL="0" lvl="0" indent="0" algn="r" rtl="0">
+              <a:spcBef>
+                <a:spcPts val="0"/>
+              </a:spcBef>
+              <a:spcAft>
+                <a:spcPts val="0"/>
+              </a:spcAft>
+              <a:buNone/>
+            </a:pPr>
+            <a:fld id="{00000000-1234-1234-1234-123412341234}" type="slidenum">
+              <a:rPr lang="en-US"/>
               <a:t>3</a:t>
             </a:fld>
             <a:endParaRPr/>
@@ -1888,6 +2164,11 @@
         </p:txBody>
       </p:sp>
     </p:spTree>
+    <p:extLst>
+      <p:ext uri="{BB962C8B-B14F-4D97-AF65-F5344CB8AC3E}">
+        <p14:creationId xmlns:p14="http://schemas.microsoft.com/office/powerpoint/2010/main" val="2319699937"/>
+      </p:ext>
+    </p:extLst>
   </p:cSld>
   <p:clrMapOvr>
     <a:masterClrMapping/>
@@ -1896,6 +2177,175 @@
 </file>
 
 <file path=ppt/notesSlides/notesSlide4.xml><?xml version="1.0" encoding="utf-8"?>
+<p:notes xmlns:a="http://schemas.openxmlformats.org/drawingml/2006/main" xmlns:r="http://schemas.openxmlformats.org/officeDocument/2006/relationships" xmlns:p="http://schemas.openxmlformats.org/presentationml/2006/main" showMasterSp="0" showMasterPhAnim="0">
+  <p:cSld>
+    <p:spTree>
+      <p:nvGrpSpPr>
+        <p:cNvPr id="1" name="Shape 206"/>
+        <p:cNvGrpSpPr/>
+        <p:nvPr/>
+      </p:nvGrpSpPr>
+      <p:grpSpPr>
+        <a:xfrm>
+          <a:off x="0" y="0"/>
+          <a:ext cx="0" cy="0"/>
+          <a:chOff x="0" y="0"/>
+          <a:chExt cx="0" cy="0"/>
+        </a:xfrm>
+      </p:grpSpPr>
+      <p:sp>
+        <p:nvSpPr>
+          <p:cNvPr id="207" name="Google Shape;207;p10:notes"/>
+          <p:cNvSpPr>
+            <a:spLocks noGrp="1" noRot="1" noChangeAspect="1"/>
+          </p:cNvSpPr>
+          <p:nvPr>
+            <p:ph type="sldImg" idx="2"/>
+          </p:nvPr>
+        </p:nvSpPr>
+        <p:spPr>
+          <a:xfrm>
+            <a:off x="687388" y="1143000"/>
+            <a:ext cx="5483225" cy="3086100"/>
+          </a:xfrm>
+          <a:custGeom>
+            <a:avLst/>
+            <a:gdLst/>
+            <a:ahLst/>
+            <a:cxnLst/>
+            <a:rect l="l" t="t" r="r" b="b"/>
+            <a:pathLst>
+              <a:path w="120000" h="120000" extrusionOk="0">
+                <a:moveTo>
+                  <a:pt x="0" y="0"/>
+                </a:moveTo>
+                <a:lnTo>
+                  <a:pt x="120000" y="0"/>
+                </a:lnTo>
+                <a:lnTo>
+                  <a:pt x="120000" y="120000"/>
+                </a:lnTo>
+                <a:lnTo>
+                  <a:pt x="0" y="120000"/>
+                </a:lnTo>
+                <a:close/>
+              </a:path>
+            </a:pathLst>
+          </a:custGeom>
+          <a:noFill/>
+          <a:ln w="12700" cap="flat" cmpd="sng">
+            <a:solidFill>
+              <a:srgbClr val="000000"/>
+            </a:solidFill>
+            <a:prstDash val="solid"/>
+            <a:round/>
+            <a:headEnd type="none" w="sm" len="sm"/>
+            <a:tailEnd type="none" w="sm" len="sm"/>
+          </a:ln>
+        </p:spPr>
+      </p:sp>
+      <p:sp>
+        <p:nvSpPr>
+          <p:cNvPr id="208" name="Google Shape;208;p10:notes"/>
+          <p:cNvSpPr txBox="1">
+            <a:spLocks noGrp="1"/>
+          </p:cNvSpPr>
+          <p:nvPr>
+            <p:ph type="body" idx="1"/>
+          </p:nvPr>
+        </p:nvSpPr>
+        <p:spPr>
+          <a:xfrm>
+            <a:off x="685800" y="4400550"/>
+            <a:ext cx="5486400" cy="3600450"/>
+          </a:xfrm>
+          <a:prstGeom prst="rect">
+            <a:avLst/>
+          </a:prstGeom>
+          <a:noFill/>
+          <a:ln>
+            <a:noFill/>
+          </a:ln>
+        </p:spPr>
+        <p:txBody>
+          <a:bodyPr spcFirstLastPara="1" wrap="square" lIns="91425" tIns="45700" rIns="91425" bIns="45700" anchor="t" anchorCtr="0">
+            <a:noAutofit/>
+          </a:bodyPr>
+          <a:lstStyle/>
+          <a:p>
+            <a:pPr marL="0" lvl="0" indent="0" algn="l" rtl="0">
+              <a:spcBef>
+                <a:spcPts val="0"/>
+              </a:spcBef>
+              <a:spcAft>
+                <a:spcPts val="0"/>
+              </a:spcAft>
+              <a:buNone/>
+            </a:pPr>
+            <a:endParaRPr/>
+          </a:p>
+        </p:txBody>
+      </p:sp>
+      <p:sp>
+        <p:nvSpPr>
+          <p:cNvPr id="209" name="Google Shape;209;p10:notes"/>
+          <p:cNvSpPr txBox="1">
+            <a:spLocks noGrp="1"/>
+          </p:cNvSpPr>
+          <p:nvPr>
+            <p:ph type="sldNum" idx="12"/>
+          </p:nvPr>
+        </p:nvSpPr>
+        <p:spPr>
+          <a:xfrm>
+            <a:off x="3884613" y="8685213"/>
+            <a:ext cx="2971800" cy="458787"/>
+          </a:xfrm>
+          <a:prstGeom prst="rect">
+            <a:avLst/>
+          </a:prstGeom>
+          <a:noFill/>
+          <a:ln>
+            <a:noFill/>
+          </a:ln>
+        </p:spPr>
+        <p:txBody>
+          <a:bodyPr spcFirstLastPara="1" wrap="square" lIns="91425" tIns="45700" rIns="91425" bIns="45700" anchor="b" anchorCtr="0">
+            <a:noAutofit/>
+          </a:bodyPr>
+          <a:lstStyle/>
+          <a:p>
+            <a:pPr marL="0" lvl="0" indent="0" algn="r" rtl="0">
+              <a:spcBef>
+                <a:spcPts val="0"/>
+              </a:spcBef>
+              <a:spcAft>
+                <a:spcPts val="0"/>
+              </a:spcAft>
+              <a:buNone/>
+            </a:pPr>
+            <a:fld id="{00000000-1234-1234-1234-123412341234}" type="slidenum">
+              <a:rPr lang="en-US"/>
+              <a:t>4</a:t>
+            </a:fld>
+            <a:endParaRPr/>
+          </a:p>
+        </p:txBody>
+      </p:sp>
+    </p:spTree>
+    <p:extLst>
+      <p:ext uri="{BB962C8B-B14F-4D97-AF65-F5344CB8AC3E}">
+        <p14:creationId xmlns:p14="http://schemas.microsoft.com/office/powerpoint/2010/main" val="3416409183"/>
+      </p:ext>
+    </p:extLst>
+  </p:cSld>
+  <p:clrMapOvr>
+    <a:masterClrMapping/>
+  </p:clrMapOvr>
+</p:notes>
+</file>
+
+<file path=ppt/notesSlides/notesSlide5.xml><?xml version="1.0" encoding="utf-8"?>
 <p:notes xmlns:a="http://schemas.openxmlformats.org/drawingml/2006/main" xmlns:r="http://schemas.openxmlformats.org/officeDocument/2006/relationships" xmlns:p="http://schemas.openxmlformats.org/presentationml/2006/main" showMasterSp="0" showMasterPhAnim="0">
   <p:cSld>
     <p:spTree>
@@ -2045,13 +2495,18 @@
             </a:pPr>
             <a:fld id="{00000000-1234-1234-1234-123412341234}" type="slidenum">
               <a:rPr lang="en-US"/>
-              <a:t>4</a:t>
+              <a:t>5</a:t>
             </a:fld>
             <a:endParaRPr/>
           </a:p>
         </p:txBody>
       </p:sp>
     </p:spTree>
+    <p:extLst>
+      <p:ext uri="{BB962C8B-B14F-4D97-AF65-F5344CB8AC3E}">
+        <p14:creationId xmlns:p14="http://schemas.microsoft.com/office/powerpoint/2010/main" val="870652141"/>
+      </p:ext>
+    </p:extLst>
   </p:cSld>
   <p:clrMapOvr>
     <a:masterClrMapping/>
@@ -2059,7 +2514,176 @@
 </p:notes>
 </file>
 
-<file path=ppt/notesSlides/notesSlide5.xml><?xml version="1.0" encoding="utf-8"?>
+<file path=ppt/notesSlides/notesSlide6.xml><?xml version="1.0" encoding="utf-8"?>
+<p:notes xmlns:a="http://schemas.openxmlformats.org/drawingml/2006/main" xmlns:r="http://schemas.openxmlformats.org/officeDocument/2006/relationships" xmlns:p="http://schemas.openxmlformats.org/presentationml/2006/main" showMasterSp="0" showMasterPhAnim="0">
+  <p:cSld>
+    <p:spTree>
+      <p:nvGrpSpPr>
+        <p:cNvPr id="1" name="Shape 121"/>
+        <p:cNvGrpSpPr/>
+        <p:nvPr/>
+      </p:nvGrpSpPr>
+      <p:grpSpPr>
+        <a:xfrm>
+          <a:off x="0" y="0"/>
+          <a:ext cx="0" cy="0"/>
+          <a:chOff x="0" y="0"/>
+          <a:chExt cx="0" cy="0"/>
+        </a:xfrm>
+      </p:grpSpPr>
+      <p:sp>
+        <p:nvSpPr>
+          <p:cNvPr id="122" name="Google Shape;122;p4:notes"/>
+          <p:cNvSpPr>
+            <a:spLocks noGrp="1" noRot="1" noChangeAspect="1"/>
+          </p:cNvSpPr>
+          <p:nvPr>
+            <p:ph type="sldImg" idx="2"/>
+          </p:nvPr>
+        </p:nvSpPr>
+        <p:spPr>
+          <a:xfrm>
+            <a:off x="687388" y="1143000"/>
+            <a:ext cx="5483225" cy="3086100"/>
+          </a:xfrm>
+          <a:custGeom>
+            <a:avLst/>
+            <a:gdLst/>
+            <a:ahLst/>
+            <a:cxnLst/>
+            <a:rect l="l" t="t" r="r" b="b"/>
+            <a:pathLst>
+              <a:path w="120000" h="120000" extrusionOk="0">
+                <a:moveTo>
+                  <a:pt x="0" y="0"/>
+                </a:moveTo>
+                <a:lnTo>
+                  <a:pt x="120000" y="0"/>
+                </a:lnTo>
+                <a:lnTo>
+                  <a:pt x="120000" y="120000"/>
+                </a:lnTo>
+                <a:lnTo>
+                  <a:pt x="0" y="120000"/>
+                </a:lnTo>
+                <a:close/>
+              </a:path>
+            </a:pathLst>
+          </a:custGeom>
+          <a:noFill/>
+          <a:ln w="12700" cap="flat" cmpd="sng">
+            <a:solidFill>
+              <a:srgbClr val="000000"/>
+            </a:solidFill>
+            <a:prstDash val="solid"/>
+            <a:round/>
+            <a:headEnd type="none" w="sm" len="sm"/>
+            <a:tailEnd type="none" w="sm" len="sm"/>
+          </a:ln>
+        </p:spPr>
+      </p:sp>
+      <p:sp>
+        <p:nvSpPr>
+          <p:cNvPr id="123" name="Google Shape;123;p4:notes"/>
+          <p:cNvSpPr txBox="1">
+            <a:spLocks noGrp="1"/>
+          </p:cNvSpPr>
+          <p:nvPr>
+            <p:ph type="body" idx="1"/>
+          </p:nvPr>
+        </p:nvSpPr>
+        <p:spPr>
+          <a:xfrm>
+            <a:off x="685800" y="4400550"/>
+            <a:ext cx="5486400" cy="3600450"/>
+          </a:xfrm>
+          <a:prstGeom prst="rect">
+            <a:avLst/>
+          </a:prstGeom>
+          <a:noFill/>
+          <a:ln>
+            <a:noFill/>
+          </a:ln>
+        </p:spPr>
+        <p:txBody>
+          <a:bodyPr spcFirstLastPara="1" wrap="square" lIns="91425" tIns="45700" rIns="91425" bIns="45700" anchor="t" anchorCtr="0">
+            <a:noAutofit/>
+          </a:bodyPr>
+          <a:lstStyle/>
+          <a:p>
+            <a:pPr marL="0" lvl="0" indent="0" algn="l" rtl="0">
+              <a:spcBef>
+                <a:spcPts val="0"/>
+              </a:spcBef>
+              <a:spcAft>
+                <a:spcPts val="0"/>
+              </a:spcAft>
+              <a:buNone/>
+            </a:pPr>
+            <a:endParaRPr/>
+          </a:p>
+        </p:txBody>
+      </p:sp>
+      <p:sp>
+        <p:nvSpPr>
+          <p:cNvPr id="124" name="Google Shape;124;p4:notes"/>
+          <p:cNvSpPr txBox="1">
+            <a:spLocks noGrp="1"/>
+          </p:cNvSpPr>
+          <p:nvPr>
+            <p:ph type="sldNum" idx="12"/>
+          </p:nvPr>
+        </p:nvSpPr>
+        <p:spPr>
+          <a:xfrm>
+            <a:off x="3884613" y="8685213"/>
+            <a:ext cx="2971800" cy="458787"/>
+          </a:xfrm>
+          <a:prstGeom prst="rect">
+            <a:avLst/>
+          </a:prstGeom>
+          <a:noFill/>
+          <a:ln>
+            <a:noFill/>
+          </a:ln>
+        </p:spPr>
+        <p:txBody>
+          <a:bodyPr spcFirstLastPara="1" wrap="square" lIns="91425" tIns="45700" rIns="91425" bIns="45700" anchor="b" anchorCtr="0">
+            <a:noAutofit/>
+          </a:bodyPr>
+          <a:lstStyle/>
+          <a:p>
+            <a:pPr marL="0" lvl="0" indent="0" algn="r" rtl="0">
+              <a:spcBef>
+                <a:spcPts val="0"/>
+              </a:spcBef>
+              <a:spcAft>
+                <a:spcPts val="0"/>
+              </a:spcAft>
+              <a:buNone/>
+            </a:pPr>
+            <a:fld id="{00000000-1234-1234-1234-123412341234}" type="slidenum">
+              <a:rPr lang="en-US"/>
+              <a:t>6</a:t>
+            </a:fld>
+            <a:endParaRPr/>
+          </a:p>
+        </p:txBody>
+      </p:sp>
+    </p:spTree>
+    <p:extLst>
+      <p:ext uri="{BB962C8B-B14F-4D97-AF65-F5344CB8AC3E}">
+        <p14:creationId xmlns:p14="http://schemas.microsoft.com/office/powerpoint/2010/main" val="789217784"/>
+      </p:ext>
+    </p:extLst>
+  </p:cSld>
+  <p:clrMapOvr>
+    <a:masterClrMapping/>
+  </p:clrMapOvr>
+</p:notes>
+</file>
+
+<file path=ppt/notesSlides/notesSlide7.xml><?xml version="1.0" encoding="utf-8"?>
 <p:notes xmlns:a="http://schemas.openxmlformats.org/drawingml/2006/main" xmlns:r="http://schemas.openxmlformats.org/officeDocument/2006/relationships" xmlns:p="http://schemas.openxmlformats.org/presentationml/2006/main" showMasterSp="0" showMasterPhAnim="0">
   <p:cSld>
     <p:spTree>
@@ -2209,13 +2833,18 @@
             </a:pPr>
             <a:fld id="{00000000-1234-1234-1234-123412341234}" type="slidenum">
               <a:rPr lang="en-US"/>
-              <a:t>5</a:t>
+              <a:t>7</a:t>
             </a:fld>
             <a:endParaRPr/>
           </a:p>
         </p:txBody>
       </p:sp>
     </p:spTree>
+    <p:extLst>
+      <p:ext uri="{BB962C8B-B14F-4D97-AF65-F5344CB8AC3E}">
+        <p14:creationId xmlns:p14="http://schemas.microsoft.com/office/powerpoint/2010/main" val="600397311"/>
+      </p:ext>
+    </p:extLst>
   </p:cSld>
   <p:clrMapOvr>
     <a:masterClrMapping/>
@@ -2223,18 +2852,12 @@
 </p:notes>
 </file>
 
-<file path=ppt/notesSlides/notesSlide6.xml><?xml version="1.0" encoding="utf-8"?>
-<p:notes xmlns:a="http://schemas.openxmlformats.org/drawingml/2006/main" xmlns:r="http://schemas.openxmlformats.org/officeDocument/2006/relationships" xmlns:p="http://schemas.openxmlformats.org/presentationml/2006/main">
+<file path=ppt/notesSlides/notesSlide8.xml><?xml version="1.0" encoding="utf-8"?>
+<p:notes xmlns:a="http://schemas.openxmlformats.org/drawingml/2006/main" xmlns:r="http://schemas.openxmlformats.org/officeDocument/2006/relationships" xmlns:p="http://schemas.openxmlformats.org/presentationml/2006/main" showMasterSp="0" showMasterPhAnim="0">
   <p:cSld>
     <p:spTree>
       <p:nvGrpSpPr>
-        <p:cNvPr id="1" name="">
-          <a:extLst>
-            <a:ext uri="{FF2B5EF4-FFF2-40B4-BE49-F238E27FC236}">
-              <a16:creationId xmlns:a16="http://schemas.microsoft.com/office/drawing/2014/main" id="{EFC70A08-279C-F9EC-AE8C-956D65EB8222}"/>
-            </a:ext>
-          </a:extLst>
-        </p:cNvPr>
+        <p:cNvPr id="1" name="Shape 206"/>
         <p:cNvGrpSpPr/>
         <p:nvPr/>
       </p:nvGrpSpPr>
@@ -2248,114 +2871,7 @@
       </p:grpSpPr>
       <p:sp>
         <p:nvSpPr>
-          <p:cNvPr id="2" name="Slide Image Placeholder 1">
-            <a:extLst>
-              <a:ext uri="{FF2B5EF4-FFF2-40B4-BE49-F238E27FC236}">
-                <a16:creationId xmlns:a16="http://schemas.microsoft.com/office/drawing/2014/main" id="{DD6741ED-D7F6-0494-B520-666AB1B64F19}"/>
-              </a:ext>
-            </a:extLst>
-          </p:cNvPr>
-          <p:cNvSpPr>
-            <a:spLocks noGrp="1" noRot="1" noChangeAspect="1"/>
-          </p:cNvSpPr>
-          <p:nvPr>
-            <p:ph type="sldImg"/>
-          </p:nvPr>
-        </p:nvSpPr>
-        <p:spPr>
-          <a:xfrm>
-            <a:off x="687388" y="1143000"/>
-            <a:ext cx="5483225" cy="3086100"/>
-          </a:xfrm>
-        </p:spPr>
-      </p:sp>
-      <p:sp>
-        <p:nvSpPr>
-          <p:cNvPr id="3" name="Notes Placeholder 2">
-            <a:extLst>
-              <a:ext uri="{FF2B5EF4-FFF2-40B4-BE49-F238E27FC236}">
-                <a16:creationId xmlns:a16="http://schemas.microsoft.com/office/drawing/2014/main" id="{5DAB09E8-847B-ED53-CD57-06AB169574A3}"/>
-              </a:ext>
-            </a:extLst>
-          </p:cNvPr>
-          <p:cNvSpPr>
-            <a:spLocks noGrp="1"/>
-          </p:cNvSpPr>
-          <p:nvPr>
-            <p:ph type="body" idx="1"/>
-          </p:nvPr>
-        </p:nvSpPr>
-        <p:spPr/>
-        <p:txBody>
-          <a:bodyPr/>
-          <a:lstStyle/>
-          <a:p>
-            <a:endParaRPr lang="tr-TR" dirty="0"/>
-          </a:p>
-        </p:txBody>
-      </p:sp>
-      <p:sp>
-        <p:nvSpPr>
-          <p:cNvPr id="4" name="Slide Number Placeholder 3">
-            <a:extLst>
-              <a:ext uri="{FF2B5EF4-FFF2-40B4-BE49-F238E27FC236}">
-                <a16:creationId xmlns:a16="http://schemas.microsoft.com/office/drawing/2014/main" id="{63652CCA-E3F2-EBFD-9CAF-9F2C417CE18C}"/>
-              </a:ext>
-            </a:extLst>
-          </p:cNvPr>
-          <p:cNvSpPr>
-            <a:spLocks noGrp="1"/>
-          </p:cNvSpPr>
-          <p:nvPr>
-            <p:ph type="sldNum" sz="quarter" idx="5"/>
-          </p:nvPr>
-        </p:nvSpPr>
-        <p:spPr/>
-        <p:txBody>
-          <a:bodyPr/>
-          <a:lstStyle/>
-          <a:p>
-            <a:fld id="{749A691B-61CC-4BE4-AE7E-A966C5B1D842}" type="slidenum">
-              <a:rPr lang="tr-TR" smtClean="0"/>
-              <a:t>6</a:t>
-            </a:fld>
-            <a:endParaRPr lang="tr-TR"/>
-          </a:p>
-        </p:txBody>
-      </p:sp>
-    </p:spTree>
-    <p:extLst>
-      <p:ext uri="{BB962C8B-B14F-4D97-AF65-F5344CB8AC3E}">
-        <p14:creationId xmlns:p14="http://schemas.microsoft.com/office/powerpoint/2010/main" val="3118833064"/>
-      </p:ext>
-    </p:extLst>
-  </p:cSld>
-  <p:clrMapOvr>
-    <a:masterClrMapping/>
-  </p:clrMapOvr>
-</p:notes>
-</file>
-
-<file path=ppt/notesSlides/notesSlide7.xml><?xml version="1.0" encoding="utf-8"?>
-<p:notes xmlns:a="http://schemas.openxmlformats.org/drawingml/2006/main" xmlns:r="http://schemas.openxmlformats.org/officeDocument/2006/relationships" xmlns:p="http://schemas.openxmlformats.org/presentationml/2006/main" showMasterSp="0" showMasterPhAnim="0">
-  <p:cSld>
-    <p:spTree>
-      <p:nvGrpSpPr>
-        <p:cNvPr id="1" name="Shape 298"/>
-        <p:cNvGrpSpPr/>
-        <p:nvPr/>
-      </p:nvGrpSpPr>
-      <p:grpSpPr>
-        <a:xfrm>
-          <a:off x="0" y="0"/>
-          <a:ext cx="0" cy="0"/>
-          <a:chOff x="0" y="0"/>
-          <a:chExt cx="0" cy="0"/>
-        </a:xfrm>
-      </p:grpSpPr>
-      <p:sp>
-        <p:nvSpPr>
-          <p:cNvPr id="299" name="Google Shape;299;p15:notes"/>
+          <p:cNvPr id="207" name="Google Shape;207;p10:notes"/>
           <p:cNvSpPr>
             <a:spLocks noGrp="1" noRot="1" noChangeAspect="1"/>
           </p:cNvSpPr>
@@ -2406,7 +2922,7 @@
       </p:sp>
       <p:sp>
         <p:nvSpPr>
-          <p:cNvPr id="300" name="Google Shape;300;p15:notes"/>
+          <p:cNvPr id="208" name="Google Shape;208;p10:notes"/>
           <p:cNvSpPr txBox="1">
             <a:spLocks noGrp="1"/>
           </p:cNvSpPr>
@@ -2448,7 +2964,7 @@
       </p:sp>
       <p:sp>
         <p:nvSpPr>
-          <p:cNvPr id="301" name="Google Shape;301;p15:notes"/>
+          <p:cNvPr id="209" name="Google Shape;209;p10:notes"/>
           <p:cNvSpPr txBox="1">
             <a:spLocks noGrp="1"/>
           </p:cNvSpPr>
@@ -2486,13 +3002,18 @@
             </a:pPr>
             <a:fld id="{00000000-1234-1234-1234-123412341234}" type="slidenum">
               <a:rPr lang="en-US"/>
-              <a:t>7</a:t>
+              <a:t>8</a:t>
             </a:fld>
             <a:endParaRPr/>
           </a:p>
         </p:txBody>
       </p:sp>
     </p:spTree>
+    <p:extLst>
+      <p:ext uri="{BB962C8B-B14F-4D97-AF65-F5344CB8AC3E}">
+        <p14:creationId xmlns:p14="http://schemas.microsoft.com/office/powerpoint/2010/main" val="2165456697"/>
+      </p:ext>
+    </p:extLst>
   </p:cSld>
   <p:clrMapOvr>
     <a:masterClrMapping/>
@@ -2500,12 +3021,12 @@
 </p:notes>
 </file>
 
-<file path=ppt/notesSlides/notesSlide8.xml><?xml version="1.0" encoding="utf-8"?>
+<file path=ppt/notesSlides/notesSlide9.xml><?xml version="1.0" encoding="utf-8"?>
 <p:notes xmlns:a="http://schemas.openxmlformats.org/drawingml/2006/main" xmlns:r="http://schemas.openxmlformats.org/officeDocument/2006/relationships" xmlns:p="http://schemas.openxmlformats.org/presentationml/2006/main" showMasterSp="0" showMasterPhAnim="0">
   <p:cSld>
     <p:spTree>
       <p:nvGrpSpPr>
-        <p:cNvPr id="1" name="Shape 310"/>
+        <p:cNvPr id="1" name="Shape 206"/>
         <p:cNvGrpSpPr/>
         <p:nvPr/>
       </p:nvGrpSpPr>
@@ -2519,45 +3040,7 @@
       </p:grpSpPr>
       <p:sp>
         <p:nvSpPr>
-          <p:cNvPr id="311" name="Google Shape;311;p16:notes"/>
-          <p:cNvSpPr txBox="1">
-            <a:spLocks noGrp="1"/>
-          </p:cNvSpPr>
-          <p:nvPr>
-            <p:ph type="body" idx="1"/>
-          </p:nvPr>
-        </p:nvSpPr>
-        <p:spPr>
-          <a:xfrm>
-            <a:off x="685800" y="4400550"/>
-            <a:ext cx="5486400" cy="3600450"/>
-          </a:xfrm>
-          <a:prstGeom prst="rect">
-            <a:avLst/>
-          </a:prstGeom>
-        </p:spPr>
-        <p:txBody>
-          <a:bodyPr spcFirstLastPara="1" wrap="square" lIns="91425" tIns="45700" rIns="91425" bIns="45700" anchor="t" anchorCtr="0">
-            <a:noAutofit/>
-          </a:bodyPr>
-          <a:lstStyle/>
-          <a:p>
-            <a:pPr marL="0" lvl="0" indent="0" algn="l" rtl="0">
-              <a:spcBef>
-                <a:spcPts val="0"/>
-              </a:spcBef>
-              <a:spcAft>
-                <a:spcPts val="0"/>
-              </a:spcAft>
-              <a:buNone/>
-            </a:pPr>
-            <a:endParaRPr/>
-          </a:p>
-        </p:txBody>
-      </p:sp>
-      <p:sp>
-        <p:nvSpPr>
-          <p:cNvPr id="312" name="Google Shape;312;p16:notes"/>
+          <p:cNvPr id="207" name="Google Shape;207;p10:notes"/>
           <p:cNvSpPr>
             <a:spLocks noGrp="1" noRot="1" noChangeAspect="1"/>
           </p:cNvSpPr>
@@ -2594,9 +3077,112 @@
               </a:path>
             </a:pathLst>
           </a:custGeom>
+          <a:noFill/>
+          <a:ln w="12700" cap="flat" cmpd="sng">
+            <a:solidFill>
+              <a:srgbClr val="000000"/>
+            </a:solidFill>
+            <a:prstDash val="solid"/>
+            <a:round/>
+            <a:headEnd type="none" w="sm" len="sm"/>
+            <a:tailEnd type="none" w="sm" len="sm"/>
+          </a:ln>
         </p:spPr>
       </p:sp>
+      <p:sp>
+        <p:nvSpPr>
+          <p:cNvPr id="208" name="Google Shape;208;p10:notes"/>
+          <p:cNvSpPr txBox="1">
+            <a:spLocks noGrp="1"/>
+          </p:cNvSpPr>
+          <p:nvPr>
+            <p:ph type="body" idx="1"/>
+          </p:nvPr>
+        </p:nvSpPr>
+        <p:spPr>
+          <a:xfrm>
+            <a:off x="685800" y="4400550"/>
+            <a:ext cx="5486400" cy="3600450"/>
+          </a:xfrm>
+          <a:prstGeom prst="rect">
+            <a:avLst/>
+          </a:prstGeom>
+          <a:noFill/>
+          <a:ln>
+            <a:noFill/>
+          </a:ln>
+        </p:spPr>
+        <p:txBody>
+          <a:bodyPr spcFirstLastPara="1" wrap="square" lIns="91425" tIns="45700" rIns="91425" bIns="45700" anchor="t" anchorCtr="0">
+            <a:noAutofit/>
+          </a:bodyPr>
+          <a:lstStyle/>
+          <a:p>
+            <a:pPr marL="0" lvl="0" indent="0" algn="l" rtl="0">
+              <a:spcBef>
+                <a:spcPts val="0"/>
+              </a:spcBef>
+              <a:spcAft>
+                <a:spcPts val="0"/>
+              </a:spcAft>
+              <a:buNone/>
+            </a:pPr>
+            <a:endParaRPr/>
+          </a:p>
+        </p:txBody>
+      </p:sp>
+      <p:sp>
+        <p:nvSpPr>
+          <p:cNvPr id="209" name="Google Shape;209;p10:notes"/>
+          <p:cNvSpPr txBox="1">
+            <a:spLocks noGrp="1"/>
+          </p:cNvSpPr>
+          <p:nvPr>
+            <p:ph type="sldNum" idx="12"/>
+          </p:nvPr>
+        </p:nvSpPr>
+        <p:spPr>
+          <a:xfrm>
+            <a:off x="3884613" y="8685213"/>
+            <a:ext cx="2971800" cy="458787"/>
+          </a:xfrm>
+          <a:prstGeom prst="rect">
+            <a:avLst/>
+          </a:prstGeom>
+          <a:noFill/>
+          <a:ln>
+            <a:noFill/>
+          </a:ln>
+        </p:spPr>
+        <p:txBody>
+          <a:bodyPr spcFirstLastPara="1" wrap="square" lIns="91425" tIns="45700" rIns="91425" bIns="45700" anchor="b" anchorCtr="0">
+            <a:noAutofit/>
+          </a:bodyPr>
+          <a:lstStyle/>
+          <a:p>
+            <a:pPr marL="0" lvl="0" indent="0" algn="r" rtl="0">
+              <a:spcBef>
+                <a:spcPts val="0"/>
+              </a:spcBef>
+              <a:spcAft>
+                <a:spcPts val="0"/>
+              </a:spcAft>
+              <a:buNone/>
+            </a:pPr>
+            <a:fld id="{00000000-1234-1234-1234-123412341234}" type="slidenum">
+              <a:rPr lang="en-US"/>
+              <a:t>9</a:t>
+            </a:fld>
+            <a:endParaRPr/>
+          </a:p>
+        </p:txBody>
+      </p:sp>
     </p:spTree>
+    <p:extLst>
+      <p:ext uri="{BB962C8B-B14F-4D97-AF65-F5344CB8AC3E}">
+        <p14:creationId xmlns:p14="http://schemas.microsoft.com/office/powerpoint/2010/main" val="3907174123"/>
+      </p:ext>
+    </p:extLst>
   </p:cSld>
   <p:clrMapOvr>
     <a:masterClrMapping/>
@@ -13077,7 +13663,7 @@
               <a:buNone/>
             </a:pPr>
             <a:r>
-              <a:rPr lang="en-US" sz="4500" b="1" i="0" u="none" strike="noStrike" cap="none" dirty="0">
+              <a:rPr lang="tr-TR" sz="4500" b="1" i="0" u="none" strike="noStrike" cap="none" dirty="0" smtClean="0">
                 <a:solidFill>
                   <a:schemeClr val="lt1"/>
                 </a:solidFill>
@@ -13086,7 +13672,31 @@
                 <a:cs typeface="Times New Roman"/>
                 <a:sym typeface="Times New Roman"/>
               </a:rPr>
-              <a:t>Instructor: 	Prof. Dr. </a:t>
+              <a:t>Koordinatör</a:t>
+            </a:r>
+            <a:r>
+              <a:rPr lang="en-US" sz="4500" b="1" i="0" u="none" strike="noStrike" cap="none" dirty="0" smtClean="0">
+                <a:solidFill>
+                  <a:schemeClr val="lt1"/>
+                </a:solidFill>
+                <a:latin typeface="Times New Roman"/>
+                <a:ea typeface="Times New Roman"/>
+                <a:cs typeface="Times New Roman"/>
+                <a:sym typeface="Times New Roman"/>
+              </a:rPr>
+              <a:t>: </a:t>
+            </a:r>
+            <a:r>
+              <a:rPr lang="en-US" sz="4500" b="1" i="0" u="none" strike="noStrike" cap="none" dirty="0">
+                <a:solidFill>
+                  <a:schemeClr val="lt1"/>
+                </a:solidFill>
+                <a:latin typeface="Times New Roman"/>
+                <a:ea typeface="Times New Roman"/>
+                <a:cs typeface="Times New Roman"/>
+                <a:sym typeface="Times New Roman"/>
+              </a:rPr>
+              <a:t>	Prof. Dr. </a:t>
             </a:r>
             <a:r>
               <a:rPr lang="tr-TR" sz="4500" b="1" dirty="0" smtClean="0">
@@ -13141,7 +13751,7 @@
               <a:buNone/>
             </a:pPr>
             <a:r>
-              <a:rPr lang="en-US" sz="4500" b="1" i="0" u="none" strike="noStrike" cap="none" dirty="0">
+              <a:rPr lang="en-US" sz="4500" b="1" i="0" u="none" strike="noStrike" cap="none" dirty="0" smtClean="0">
                 <a:solidFill>
                   <a:schemeClr val="lt1"/>
                 </a:solidFill>
@@ -13150,7 +13760,43 @@
                 <a:cs typeface="Times New Roman"/>
                 <a:sym typeface="Times New Roman"/>
               </a:rPr>
-              <a:t>Presentation for Final Project</a:t>
+              <a:t>Final </a:t>
+            </a:r>
+            <a:r>
+              <a:rPr lang="en-US" sz="4500" b="1" i="0" u="none" strike="noStrike" cap="none" dirty="0" err="1" smtClean="0">
+                <a:solidFill>
+                  <a:schemeClr val="lt1"/>
+                </a:solidFill>
+                <a:latin typeface="Times New Roman"/>
+                <a:ea typeface="Times New Roman"/>
+                <a:cs typeface="Times New Roman"/>
+                <a:sym typeface="Times New Roman"/>
+              </a:rPr>
+              <a:t>Proje</a:t>
+            </a:r>
+            <a:r>
+              <a:rPr lang="tr-TR" sz="4500" b="1" dirty="0" smtClean="0">
+                <a:solidFill>
+                  <a:schemeClr val="lt1"/>
+                </a:solidFill>
+                <a:latin typeface="Times New Roman"/>
+                <a:ea typeface="Times New Roman"/>
+                <a:cs typeface="Times New Roman"/>
+                <a:sym typeface="Times New Roman"/>
+              </a:rPr>
+              <a:t>si </a:t>
+            </a:r>
+            <a:r>
+              <a:rPr lang="tr-TR" sz="4500" b="1" i="0" u="none" strike="noStrike" cap="none" dirty="0" smtClean="0">
+                <a:solidFill>
+                  <a:schemeClr val="lt1"/>
+                </a:solidFill>
+                <a:latin typeface="Times New Roman"/>
+                <a:ea typeface="Times New Roman"/>
+                <a:cs typeface="Times New Roman"/>
+                <a:sym typeface="Times New Roman"/>
+              </a:rPr>
+              <a:t>Sunumu</a:t>
             </a:r>
             <a:endParaRPr dirty="0"/>
           </a:p>
@@ -13392,12 +14038,12 @@
 </p:sld>
 </file>
 
-<file path=ppt/slides/slide2.xml><?xml version="1.0" encoding="utf-8"?>
+<file path=ppt/slides/slide10.xml><?xml version="1.0" encoding="utf-8"?>
 <p:sld xmlns:a="http://schemas.openxmlformats.org/drawingml/2006/main" xmlns:r="http://schemas.openxmlformats.org/officeDocument/2006/relationships" xmlns:p="http://schemas.openxmlformats.org/presentationml/2006/main">
   <p:cSld>
     <p:spTree>
       <p:nvGrpSpPr>
-        <p:cNvPr id="1" name="Shape 94"/>
+        <p:cNvPr id="1" name="Shape 302"/>
         <p:cNvGrpSpPr/>
         <p:nvPr/>
       </p:nvGrpSpPr>
@@ -13411,7 +14057,7 @@
       </p:grpSpPr>
       <p:pic>
         <p:nvPicPr>
-          <p:cNvPr id="95" name="Google Shape;95;p2"/>
+          <p:cNvPr id="303" name="Google Shape;303;p15"/>
           <p:cNvPicPr preferRelativeResize="0">
             <a:picLocks noGrp="1"/>
           </p:cNvPicPr>
@@ -13428,8 +14074,8 @@
         </p:blipFill>
         <p:spPr>
           <a:xfrm>
-            <a:off x="-1" y="11129429"/>
-            <a:ext cx="21855113" cy="1173177"/>
+            <a:off x="0" y="11196656"/>
+            <a:ext cx="21943420" cy="1173177"/>
           </a:xfrm>
           <a:prstGeom prst="rect">
             <a:avLst/>
@@ -13442,7 +14088,7 @@
       </p:pic>
       <p:pic>
         <p:nvPicPr>
-          <p:cNvPr id="96" name="Google Shape;96;p2" descr="İstanbul Teknik Üniversitesi | İTÜ | İTÜ 1773"/>
+          <p:cNvPr id="304" name="Google Shape;304;p15" descr="İstanbul Teknik Üniversitesi | İTÜ | İTÜ 1773"/>
           <p:cNvPicPr preferRelativeResize="0"/>
           <p:nvPr/>
         </p:nvPicPr>
@@ -13455,8 +14101,35 @@
         </p:blipFill>
         <p:spPr>
           <a:xfrm>
-            <a:off x="0" y="11185232"/>
+            <a:off x="-22615" y="11196656"/>
             <a:ext cx="1605279" cy="978828"/>
+          </a:xfrm>
+          <a:prstGeom prst="rect">
+            <a:avLst/>
+          </a:prstGeom>
+          <a:noFill/>
+          <a:ln>
+            <a:noFill/>
+          </a:ln>
+        </p:spPr>
+      </p:pic>
+      <p:pic>
+        <p:nvPicPr>
+          <p:cNvPr id="305" name="Google Shape;305;p15"/>
+          <p:cNvPicPr preferRelativeResize="0"/>
+          <p:nvPr/>
+        </p:nvPicPr>
+        <p:blipFill rotWithShape="1">
+          <a:blip r:embed="rId3">
+            <a:alphaModFix/>
+          </a:blip>
+          <a:srcRect b="89146"/>
+          <a:stretch/>
+        </p:blipFill>
+        <p:spPr>
+          <a:xfrm>
+            <a:off x="-1" y="-80212"/>
+            <a:ext cx="21855113" cy="1334531"/>
           </a:xfrm>
           <a:prstGeom prst="rect">
             <a:avLst/>
@@ -13469,14 +14142,14 @@
       </p:pic>
       <p:sp>
         <p:nvSpPr>
-          <p:cNvPr id="97" name="Google Shape;97;p2"/>
+          <p:cNvPr id="308" name="Google Shape;308;p15"/>
           <p:cNvSpPr txBox="1"/>
           <p:nvPr/>
         </p:nvSpPr>
         <p:spPr>
           <a:xfrm>
-            <a:off x="0" y="1829843"/>
-            <a:ext cx="21183600" cy="5632311"/>
+            <a:off x="321087" y="1906373"/>
+            <a:ext cx="20975359" cy="6247864"/>
           </a:xfrm>
           <a:prstGeom prst="rect">
             <a:avLst/>
@@ -13492,7 +14165,7 @@
           </a:bodyPr>
           <a:lstStyle/>
           <a:p>
-            <a:pPr marL="457200" marR="0" lvl="1" indent="0" algn="l" rtl="0">
+            <a:pPr marL="0" marR="0" lvl="0" indent="0" algn="l" rtl="0">
               <a:spcBef>
                 <a:spcPts val="0"/>
               </a:spcBef>
@@ -13502,21 +14175,147 @@
               <a:buNone/>
             </a:pPr>
             <a:r>
-              <a:rPr lang="en-US" sz="4000" b="0" i="0" u="none" strike="noStrike" cap="none">
-                <a:solidFill>
-                  <a:srgbClr val="002060"/>
-                </a:solidFill>
-                <a:latin typeface="Times New Roman"/>
-                <a:ea typeface="Times New Roman"/>
-                <a:cs typeface="Times New Roman"/>
-                <a:sym typeface="Times New Roman"/>
+              <a:rPr lang="en-US" sz="3200" dirty="0">
+                <a:solidFill>
+                  <a:schemeClr val="dk1"/>
+                </a:solidFill>
+                <a:latin typeface="Calibri"/>
+                <a:ea typeface="Calibri"/>
+                <a:cs typeface="Calibri"/>
+                <a:sym typeface="Calibri"/>
               </a:rPr>
-              <a:t>Floating base Robot Control Tasks:</a:t>
+              <a:t>[1] S. </a:t>
             </a:r>
-            <a:endParaRPr/>
+            <a:r>
+              <a:rPr lang="en-US" sz="3200" dirty="0" err="1">
+                <a:solidFill>
+                  <a:schemeClr val="dk1"/>
+                </a:solidFill>
+                <a:latin typeface="Calibri"/>
+                <a:ea typeface="Calibri"/>
+                <a:cs typeface="Calibri"/>
+                <a:sym typeface="Calibri"/>
+              </a:rPr>
+              <a:t>Kalaycioglu</a:t>
+            </a:r>
+            <a:r>
+              <a:rPr lang="en-US" sz="3200" dirty="0">
+                <a:solidFill>
+                  <a:schemeClr val="dk1"/>
+                </a:solidFill>
+                <a:latin typeface="Calibri"/>
+                <a:ea typeface="Calibri"/>
+                <a:cs typeface="Calibri"/>
+                <a:sym typeface="Calibri"/>
+              </a:rPr>
+              <a:t> and A. De </a:t>
+            </a:r>
+            <a:r>
+              <a:rPr lang="en-US" sz="3200" dirty="0" err="1">
+                <a:solidFill>
+                  <a:schemeClr val="dk1"/>
+                </a:solidFill>
+                <a:latin typeface="Calibri"/>
+                <a:ea typeface="Calibri"/>
+                <a:cs typeface="Calibri"/>
+                <a:sym typeface="Calibri"/>
+              </a:rPr>
+              <a:t>Ruiter</a:t>
+            </a:r>
+            <a:r>
+              <a:rPr lang="en-US" sz="3200" dirty="0">
+                <a:solidFill>
+                  <a:schemeClr val="dk1"/>
+                </a:solidFill>
+                <a:latin typeface="Calibri"/>
+                <a:ea typeface="Calibri"/>
+                <a:cs typeface="Calibri"/>
+                <a:sym typeface="Calibri"/>
+              </a:rPr>
+              <a:t>, "Passivity based nonlinear model predictive control (PNMPC) of multi-robot systems for space applications," </a:t>
+            </a:r>
+            <a:r>
+              <a:rPr lang="en-US" sz="3200" i="1" dirty="0">
+                <a:solidFill>
+                  <a:schemeClr val="dk1"/>
+                </a:solidFill>
+                <a:latin typeface="Calibri"/>
+                <a:ea typeface="Calibri"/>
+                <a:cs typeface="Calibri"/>
+                <a:sym typeface="Calibri"/>
+              </a:rPr>
+              <a:t>Frontiers in Robotics and AI</a:t>
+            </a:r>
+            <a:r>
+              <a:rPr lang="en-US" sz="3200" dirty="0">
+                <a:solidFill>
+                  <a:schemeClr val="dk1"/>
+                </a:solidFill>
+                <a:latin typeface="Calibri"/>
+                <a:ea typeface="Calibri"/>
+                <a:cs typeface="Calibri"/>
+                <a:sym typeface="Calibri"/>
+              </a:rPr>
+              <a:t>, vol. 10, Jun. 2023, </a:t>
+            </a:r>
+            <a:r>
+              <a:rPr lang="en-US" sz="3200" dirty="0" err="1">
+                <a:solidFill>
+                  <a:schemeClr val="dk1"/>
+                </a:solidFill>
+                <a:latin typeface="Calibri"/>
+                <a:ea typeface="Calibri"/>
+                <a:cs typeface="Calibri"/>
+                <a:sym typeface="Calibri"/>
+              </a:rPr>
+              <a:t>doi</a:t>
+            </a:r>
+            <a:r>
+              <a:rPr lang="en-US" sz="3200" dirty="0">
+                <a:solidFill>
+                  <a:schemeClr val="dk1"/>
+                </a:solidFill>
+                <a:latin typeface="Calibri"/>
+                <a:ea typeface="Calibri"/>
+                <a:cs typeface="Calibri"/>
+                <a:sym typeface="Calibri"/>
+              </a:rPr>
+              <a:t>: 10.3389/frobt.2023.1181128. </a:t>
+            </a:r>
+            <a:r>
+              <a:rPr lang="en-US" sz="3200" u="sng" dirty="0">
+                <a:solidFill>
+                  <a:schemeClr val="dk1"/>
+                </a:solidFill>
+                <a:latin typeface="Calibri"/>
+                <a:ea typeface="Calibri"/>
+                <a:cs typeface="Calibri"/>
+                <a:sym typeface="Calibri"/>
+                <a:hlinkClick r:id="rId5">
+                  <a:extLst>
+                    <a:ext uri="{A12FA001-AC4F-418D-AE19-62706E023703}">
+                      <ahyp:hlinkClr xmlns:ahyp="http://schemas.microsoft.com/office/drawing/2018/hyperlinkcolor" xmlns:p15="http://schemas.microsoft.com/office/powerpoint/2012/main" xmlns:p14="http://schemas.microsoft.com/office/powerpoint/2010/main" xmlns:com="http://schemas.openxmlformats.org/drawingml/2006/compatibility" xmlns:pvml="urn:schemas-microsoft-com:office:powerpoint" xmlns:v="urn:schemas-microsoft-com:vml" xmlns:o="urn:schemas-microsoft-com:office:office" xmlns:dgm="http://schemas.openxmlformats.org/drawingml/2006/diagram" xmlns:c="http://schemas.openxmlformats.org/drawingml/2006/chart" xmlns:mv="urn:schemas-microsoft-com:mac:vml" xmlns:mc="http://schemas.openxmlformats.org/markup-compatibility/2006" xmlns="" val="tx"/>
+                    </a:ext>
+                  </a:extLst>
+                </a:hlinkClick>
+              </a:rPr>
+              <a:t>Frontiers</a:t>
+            </a:r>
+            <a:endParaRPr sz="3200" dirty="0">
+              <a:solidFill>
+                <a:schemeClr val="dk1"/>
+              </a:solidFill>
+              <a:latin typeface="Calibri"/>
+              <a:ea typeface="Calibri"/>
+              <a:cs typeface="Calibri"/>
+              <a:sym typeface="Calibri"/>
+            </a:endParaRPr>
           </a:p>
           <a:p>
             <a:pPr marL="457200" marR="0" lvl="1" indent="0" algn="l" rtl="0">
+              <a:lnSpc>
+                <a:spcPct val="457142"/>
+              </a:lnSpc>
               <a:spcBef>
                 <a:spcPts val="0"/>
               </a:spcBef>
@@ -13525,90 +14324,358 @@
               </a:spcAft>
               <a:buNone/>
             </a:pPr>
-            <a:endParaRPr sz="4000" b="0" i="0" u="none" strike="noStrike" cap="none">
+            <a:endParaRPr sz="1050" b="0" i="0" u="none" strike="noStrike" cap="none" dirty="0">
               <a:solidFill>
-                <a:srgbClr val="002060"/>
+                <a:schemeClr val="dk1"/>
               </a:solidFill>
-              <a:latin typeface="Times New Roman"/>
-              <a:ea typeface="Times New Roman"/>
-              <a:cs typeface="Times New Roman"/>
-              <a:sym typeface="Times New Roman"/>
+              <a:latin typeface="Calibri"/>
+              <a:ea typeface="Calibri"/>
+              <a:cs typeface="Calibri"/>
+              <a:sym typeface="Calibri"/>
             </a:endParaRPr>
           </a:p>
           <a:p>
-            <a:pPr marL="1028700" marR="0" lvl="1" indent="-571500" algn="l" rtl="0">
-              <a:spcBef>
-                <a:spcPts val="0"/>
-              </a:spcBef>
-              <a:spcAft>
-                <a:spcPts val="0"/>
-              </a:spcAft>
-              <a:buClr>
-                <a:schemeClr val="dk1"/>
-              </a:buClr>
-              <a:buSzPts val="4000"/>
-              <a:buFont typeface="Arial"/>
-              <a:buChar char="•"/>
+            <a:pPr marL="0" marR="0" lvl="0" indent="0" algn="l" rtl="0">
+              <a:spcBef>
+                <a:spcPts val="0"/>
+              </a:spcBef>
+              <a:spcAft>
+                <a:spcPts val="0"/>
+              </a:spcAft>
+              <a:buNone/>
             </a:pPr>
             <a:r>
-              <a:rPr lang="en-US" sz="4000" b="0" i="0" u="none" strike="noStrike" cap="none">
+              <a:rPr lang="en-US" sz="3200" b="0" i="0" u="none" strike="noStrike" dirty="0">
                 <a:solidFill>
                   <a:schemeClr val="dk1"/>
                 </a:solidFill>
-                <a:latin typeface="Times New Roman"/>
-                <a:ea typeface="Times New Roman"/>
-                <a:cs typeface="Times New Roman"/>
-                <a:sym typeface="Times New Roman"/>
+                <a:latin typeface="Calibri"/>
+                <a:ea typeface="Calibri"/>
+                <a:cs typeface="Calibri"/>
+                <a:sym typeface="Calibri"/>
               </a:rPr>
-              <a:t>Control the attitude of the base satellite according to certain purpose, e.g., sun panels face the sun</a:t>
+              <a:t>[2] J. </a:t>
             </a:r>
-            <a:endParaRPr/>
+            <a:r>
+              <a:rPr lang="en-US" sz="3200" b="0" i="0" u="none" strike="noStrike" dirty="0" err="1">
+                <a:solidFill>
+                  <a:schemeClr val="dk1"/>
+                </a:solidFill>
+                <a:latin typeface="Calibri"/>
+                <a:ea typeface="Calibri"/>
+                <a:cs typeface="Calibri"/>
+                <a:sym typeface="Calibri"/>
+              </a:rPr>
+              <a:t>Virgili-Llop</a:t>
+            </a:r>
+            <a:r>
+              <a:rPr lang="en-US" sz="3200" b="0" i="0" u="none" strike="noStrike" dirty="0">
+                <a:solidFill>
+                  <a:schemeClr val="dk1"/>
+                </a:solidFill>
+                <a:latin typeface="Calibri"/>
+                <a:ea typeface="Calibri"/>
+                <a:cs typeface="Calibri"/>
+                <a:sym typeface="Calibri"/>
+              </a:rPr>
+              <a:t> et al., “SPART: an open-source modeling and </a:t>
+            </a:r>
+            <a:r>
+              <a:rPr lang="en-US" sz="3200" b="0" i="0" u="none" strike="noStrike" dirty="0" err="1">
+                <a:solidFill>
+                  <a:schemeClr val="dk1"/>
+                </a:solidFill>
+                <a:latin typeface="Calibri"/>
+                <a:ea typeface="Calibri"/>
+                <a:cs typeface="Calibri"/>
+                <a:sym typeface="Calibri"/>
+              </a:rPr>
+              <a:t>controltoolkit</a:t>
+            </a:r>
+            <a:r>
+              <a:rPr lang="en-US" sz="3200" b="0" i="0" u="none" strike="noStrike" dirty="0">
+                <a:solidFill>
+                  <a:schemeClr val="dk1"/>
+                </a:solidFill>
+                <a:latin typeface="Calibri"/>
+                <a:ea typeface="Calibri"/>
+                <a:cs typeface="Calibri"/>
+                <a:sym typeface="Calibri"/>
+              </a:rPr>
+              <a:t> for mobile-base robotic multibody systems with kinematic tree topologies,” https://github.com/NPS-SRL/SPART, accessed: 2024-12-23.</a:t>
+            </a:r>
+            <a:endParaRPr dirty="0"/>
           </a:p>
           <a:p>
-            <a:pPr marL="1028700" marR="0" lvl="1" indent="-571500" algn="l" rtl="0">
-              <a:spcBef>
-                <a:spcPts val="0"/>
-              </a:spcBef>
-              <a:spcAft>
-                <a:spcPts val="0"/>
-              </a:spcAft>
-              <a:buClr>
+            <a:pPr marL="0" marR="0" lvl="0" indent="0" algn="l" rtl="0">
+              <a:spcBef>
+                <a:spcPts val="0"/>
+              </a:spcBef>
+              <a:spcAft>
+                <a:spcPts val="0"/>
+              </a:spcAft>
+              <a:buNone/>
+            </a:pPr>
+            <a:endParaRPr sz="3200" b="0" i="0" u="none" strike="noStrike" dirty="0">
+              <a:solidFill>
                 <a:schemeClr val="dk1"/>
-              </a:buClr>
-              <a:buSzPts val="4000"/>
-              <a:buFont typeface="Arial"/>
-              <a:buChar char="•"/>
+              </a:solidFill>
+              <a:latin typeface="Calibri"/>
+              <a:ea typeface="Calibri"/>
+              <a:cs typeface="Calibri"/>
+              <a:sym typeface="Calibri"/>
+            </a:endParaRPr>
+          </a:p>
+          <a:p>
+            <a:pPr marL="0" marR="0" lvl="0" indent="0" algn="l" rtl="0">
+              <a:spcBef>
+                <a:spcPts val="0"/>
+              </a:spcBef>
+              <a:spcAft>
+                <a:spcPts val="0"/>
+              </a:spcAft>
+              <a:buNone/>
             </a:pPr>
             <a:r>
-              <a:rPr lang="en-US" sz="4000" b="0" i="0" u="none" strike="noStrike" cap="none">
+              <a:rPr lang="en-US" sz="3200" b="0" i="0" u="none" strike="noStrike" dirty="0">
                 <a:solidFill>
                   <a:schemeClr val="dk1"/>
                 </a:solidFill>
-                <a:latin typeface="Times New Roman"/>
-                <a:ea typeface="Times New Roman"/>
-                <a:cs typeface="Times New Roman"/>
-                <a:sym typeface="Times New Roman"/>
+                <a:latin typeface="Calibri"/>
+                <a:ea typeface="Calibri"/>
+                <a:cs typeface="Calibri"/>
+                <a:sym typeface="Calibri"/>
               </a:rPr>
-              <a:t>Control a payload located at the end effector of a manipulator chain, e.g., direction of an antenna</a:t>
+              <a:t>[3] Particle swarm optimization algorithm. </a:t>
             </a:r>
-            <a:endParaRPr/>
+            <a:r>
+              <a:rPr lang="en-US" sz="3200" b="0" i="0" u="none" strike="noStrike" dirty="0" err="1">
+                <a:solidFill>
+                  <a:schemeClr val="dk1"/>
+                </a:solidFill>
+                <a:latin typeface="Calibri"/>
+                <a:ea typeface="Calibri"/>
+                <a:cs typeface="Calibri"/>
+                <a:sym typeface="Calibri"/>
+              </a:rPr>
+              <a:t>MathWorks</a:t>
+            </a:r>
+            <a:r>
+              <a:rPr lang="en-US" sz="3200" b="0" i="0" u="none" strike="noStrike" dirty="0">
+                <a:solidFill>
+                  <a:schemeClr val="dk1"/>
+                </a:solidFill>
+                <a:latin typeface="Calibri"/>
+                <a:ea typeface="Calibri"/>
+                <a:cs typeface="Calibri"/>
+                <a:sym typeface="Calibri"/>
+              </a:rPr>
+              <a:t>. Accessed: 2024-12-22. [Online]. Available: https://www.mathworks.</a:t>
+            </a:r>
+            <a:endParaRPr dirty="0"/>
           </a:p>
           <a:p>
-            <a:pPr marL="1028700" marR="0" lvl="1" indent="-317500" algn="l" rtl="0">
-              <a:spcBef>
-                <a:spcPts val="0"/>
-              </a:spcBef>
-              <a:spcAft>
-                <a:spcPts val="0"/>
-              </a:spcAft>
-              <a:buClr>
+            <a:pPr marL="0" marR="0" lvl="0" indent="0" algn="l" rtl="0">
+              <a:spcBef>
+                <a:spcPts val="0"/>
+              </a:spcBef>
+              <a:spcAft>
+                <a:spcPts val="0"/>
+              </a:spcAft>
+              <a:buNone/>
+            </a:pPr>
+            <a:r>
+              <a:rPr lang="en-US" sz="3200" b="0" i="0" u="none" strike="noStrike" dirty="0">
+                <a:solidFill>
+                  <a:schemeClr val="dk1"/>
+                </a:solidFill>
+                <a:latin typeface="Calibri"/>
+                <a:ea typeface="Calibri"/>
+                <a:cs typeface="Calibri"/>
+                <a:sym typeface="Calibri"/>
+              </a:rPr>
+              <a:t>com/help/gads/particle-swarm-optimization-algorithm.html#mw2863346e-1472-40fc-96d8-af5b3085962b</a:t>
+            </a:r>
+            <a:r>
+              <a:rPr lang="en-US" sz="3200" dirty="0">
+                <a:solidFill>
+                  <a:schemeClr val="dk1"/>
+                </a:solidFill>
+                <a:latin typeface="Calibri"/>
+                <a:ea typeface="Calibri"/>
+                <a:cs typeface="Calibri"/>
+                <a:sym typeface="Calibri"/>
+              </a:rPr>
+              <a:t> </a:t>
+            </a:r>
+            <a:endParaRPr dirty="0"/>
+          </a:p>
+          <a:p>
+            <a:pPr marL="0" marR="0" lvl="0" indent="0" algn="l" rtl="0">
+              <a:spcBef>
+                <a:spcPts val="0"/>
+              </a:spcBef>
+              <a:spcAft>
+                <a:spcPts val="0"/>
+              </a:spcAft>
+              <a:buNone/>
+            </a:pPr>
+            <a:endParaRPr sz="3200" dirty="0">
+              <a:solidFill>
                 <a:schemeClr val="dk1"/>
-              </a:buClr>
-              <a:buSzPts val="4000"/>
-              <a:buFont typeface="Arial"/>
+              </a:solidFill>
+              <a:latin typeface="Calibri"/>
+              <a:ea typeface="Calibri"/>
+              <a:cs typeface="Calibri"/>
+              <a:sym typeface="Calibri"/>
+            </a:endParaRPr>
+          </a:p>
+          <a:p>
+            <a:pPr marL="0" marR="0" lvl="0" indent="0" algn="l" rtl="0">
+              <a:spcBef>
+                <a:spcPts val="0"/>
+              </a:spcBef>
+              <a:spcAft>
+                <a:spcPts val="0"/>
+              </a:spcAft>
               <a:buNone/>
             </a:pPr>
-            <a:endParaRPr sz="4000" b="0" i="0" u="none" strike="noStrike" cap="none">
+            <a:r>
+              <a:rPr lang="en-US" sz="3200" dirty="0">
+                <a:solidFill>
+                  <a:schemeClr val="dk1"/>
+                </a:solidFill>
+                <a:latin typeface="Calibri"/>
+                <a:ea typeface="Calibri"/>
+                <a:cs typeface="Calibri"/>
+                <a:sym typeface="Calibri"/>
+              </a:rPr>
+              <a:t>[4] </a:t>
+            </a:r>
+            <a:r>
+              <a:rPr lang="en-US" sz="3200" b="0" i="0" u="none" strike="noStrike" dirty="0">
+                <a:solidFill>
+                  <a:schemeClr val="dk1"/>
+                </a:solidFill>
+                <a:latin typeface="Calibri"/>
+                <a:ea typeface="Calibri"/>
+                <a:cs typeface="Calibri"/>
+                <a:sym typeface="Calibri"/>
+              </a:rPr>
+              <a:t>Y. Liu, Z. </a:t>
+            </a:r>
+            <a:r>
+              <a:rPr lang="en-US" sz="3200" b="0" i="0" u="none" strike="noStrike" dirty="0" err="1">
+                <a:solidFill>
+                  <a:schemeClr val="dk1"/>
+                </a:solidFill>
+                <a:latin typeface="Calibri"/>
+                <a:ea typeface="Calibri"/>
+                <a:cs typeface="Calibri"/>
+                <a:sym typeface="Calibri"/>
+              </a:rPr>
+              <a:t>Jin</a:t>
+            </a:r>
+            <a:r>
+              <a:rPr lang="en-US" sz="3200" b="0" i="0" u="none" strike="noStrike" dirty="0">
+                <a:solidFill>
+                  <a:schemeClr val="dk1"/>
+                </a:solidFill>
+                <a:latin typeface="Calibri"/>
+                <a:ea typeface="Calibri"/>
+                <a:cs typeface="Calibri"/>
+                <a:sym typeface="Calibri"/>
+              </a:rPr>
+              <a:t>, and L. </a:t>
+            </a:r>
+            <a:r>
+              <a:rPr lang="en-US" sz="3200" b="0" i="0" u="none" strike="noStrike" dirty="0" err="1">
+                <a:solidFill>
+                  <a:schemeClr val="dk1"/>
+                </a:solidFill>
+                <a:latin typeface="Calibri"/>
+                <a:ea typeface="Calibri"/>
+                <a:cs typeface="Calibri"/>
+                <a:sym typeface="Calibri"/>
+              </a:rPr>
+              <a:t>Teng</a:t>
+            </a:r>
+            <a:r>
+              <a:rPr lang="en-US" sz="3200" b="0" i="0" u="none" strike="noStrike" dirty="0">
+                <a:solidFill>
+                  <a:schemeClr val="dk1"/>
+                </a:solidFill>
+                <a:latin typeface="Calibri"/>
+                <a:ea typeface="Calibri"/>
+                <a:cs typeface="Calibri"/>
+                <a:sym typeface="Calibri"/>
+              </a:rPr>
+              <a:t>, “</a:t>
+            </a:r>
+            <a:r>
+              <a:rPr lang="en-US" sz="3200" b="0" i="0" u="none" strike="noStrike" dirty="0" err="1">
+                <a:solidFill>
+                  <a:schemeClr val="dk1"/>
+                </a:solidFill>
+                <a:latin typeface="Calibri"/>
+                <a:ea typeface="Calibri"/>
+                <a:cs typeface="Calibri"/>
+                <a:sym typeface="Calibri"/>
+              </a:rPr>
+              <a:t>Pso</a:t>
+            </a:r>
+            <a:r>
+              <a:rPr lang="en-US" sz="3200" b="0" i="0" u="none" strike="noStrike" dirty="0">
+                <a:solidFill>
+                  <a:schemeClr val="dk1"/>
+                </a:solidFill>
+                <a:latin typeface="Calibri"/>
+                <a:ea typeface="Calibri"/>
+                <a:cs typeface="Calibri"/>
+                <a:sym typeface="Calibri"/>
+              </a:rPr>
+              <a:t>-based time optimal rapid orientation for </a:t>
+            </a:r>
+            <a:r>
+              <a:rPr lang="en-US" sz="3200" b="0" i="0" u="none" strike="noStrike" dirty="0" err="1">
+                <a:solidFill>
+                  <a:schemeClr val="dk1"/>
+                </a:solidFill>
+                <a:latin typeface="Calibri"/>
+                <a:ea typeface="Calibri"/>
+                <a:cs typeface="Calibri"/>
+                <a:sym typeface="Calibri"/>
+              </a:rPr>
+              <a:t>micronano</a:t>
+            </a:r>
+            <a:r>
+              <a:rPr lang="en-US" sz="3200" b="0" i="0" u="none" strike="noStrike" dirty="0">
+                <a:solidFill>
+                  <a:schemeClr val="dk1"/>
+                </a:solidFill>
+                <a:latin typeface="Calibri"/>
+                <a:ea typeface="Calibri"/>
+                <a:cs typeface="Calibri"/>
+                <a:sym typeface="Calibri"/>
+              </a:rPr>
+              <a:t> space robot,” IEEE Transactions on Aerospace and Electronic Systems, vol. 59, no. 2, pp. 1921–1934, 2023.</a:t>
+            </a:r>
+            <a:endParaRPr dirty="0"/>
+          </a:p>
+          <a:p>
+            <a:pPr marL="685239" marR="0" lvl="1" indent="0" algn="l" rtl="0">
+              <a:lnSpc>
+                <a:spcPct val="457142"/>
+              </a:lnSpc>
+              <a:spcBef>
+                <a:spcPts val="0"/>
+              </a:spcBef>
+              <a:spcAft>
+                <a:spcPts val="0"/>
+              </a:spcAft>
+              <a:buNone/>
+            </a:pPr>
+            <a:endParaRPr sz="1050" b="0" i="0" u="none" strike="noStrike" cap="none" dirty="0">
               <a:solidFill>
                 <a:schemeClr val="dk1"/>
               </a:solidFill>
@@ -13618,98 +14685,18 @@
               <a:sym typeface="Times New Roman"/>
             </a:endParaRPr>
           </a:p>
-          <a:p>
-            <a:pPr marL="1028700" marR="0" lvl="1" indent="-571500" algn="l" rtl="0">
-              <a:spcBef>
-                <a:spcPts val="0"/>
-              </a:spcBef>
-              <a:spcAft>
-                <a:spcPts val="0"/>
-              </a:spcAft>
-              <a:buClr>
-                <a:schemeClr val="dk1"/>
-              </a:buClr>
-              <a:buSzPts val="4000"/>
-              <a:buFont typeface="Arial"/>
-              <a:buChar char="•"/>
-            </a:pPr>
-            <a:r>
-              <a:rPr lang="en-US" sz="4000" b="0" i="0" u="none" strike="noStrike" cap="none">
-                <a:solidFill>
-                  <a:schemeClr val="dk1"/>
-                </a:solidFill>
-                <a:latin typeface="Times New Roman"/>
-                <a:ea typeface="Times New Roman"/>
-                <a:cs typeface="Times New Roman"/>
-                <a:sym typeface="Times New Roman"/>
-              </a:rPr>
-              <a:t>Challenge is in dynamic coupling between the two tasks, so Global Optimization Method is to solve this problem while minimizing certain costs</a:t>
-            </a:r>
-            <a:endParaRPr/>
-          </a:p>
-          <a:p>
-            <a:pPr marL="457200" marR="0" lvl="1" indent="0" algn="l" rtl="0">
-              <a:spcBef>
-                <a:spcPts val="0"/>
-              </a:spcBef>
-              <a:spcAft>
-                <a:spcPts val="0"/>
-              </a:spcAft>
-              <a:buNone/>
-            </a:pPr>
-            <a:r>
-              <a:rPr lang="en-US" sz="4000" b="0" i="0" u="none" strike="noStrike" cap="none">
-                <a:solidFill>
-                  <a:srgbClr val="002060"/>
-                </a:solidFill>
-                <a:latin typeface="Times New Roman"/>
-                <a:ea typeface="Times New Roman"/>
-                <a:cs typeface="Times New Roman"/>
-                <a:sym typeface="Times New Roman"/>
-              </a:rPr>
-              <a:t> </a:t>
-            </a:r>
-            <a:endParaRPr/>
-          </a:p>
-          <a:p>
-            <a:pPr marL="457200" marR="0" lvl="1" indent="0" algn="l" rtl="0">
-              <a:spcBef>
-                <a:spcPts val="0"/>
-              </a:spcBef>
-              <a:spcAft>
-                <a:spcPts val="0"/>
-              </a:spcAft>
-              <a:buNone/>
-            </a:pPr>
-            <a:endParaRPr sz="4000" b="0" i="0" u="none" strike="noStrike" cap="none">
-              <a:solidFill>
-                <a:srgbClr val="002060"/>
-              </a:solidFill>
-              <a:latin typeface="Calibri"/>
-              <a:ea typeface="Calibri"/>
-              <a:cs typeface="Calibri"/>
-              <a:sym typeface="Calibri"/>
-            </a:endParaRPr>
-          </a:p>
         </p:txBody>
       </p:sp>
-      <p:pic>
-        <p:nvPicPr>
-          <p:cNvPr id="98" name="Google Shape;98;p2"/>
-          <p:cNvPicPr preferRelativeResize="0"/>
+      <p:sp>
+        <p:nvSpPr>
+          <p:cNvPr id="9" name="Google Shape;101;p2"/>
+          <p:cNvSpPr txBox="1"/>
           <p:nvPr/>
-        </p:nvPicPr>
-        <p:blipFill rotWithShape="1">
-          <a:blip r:embed="rId3">
-            <a:alphaModFix/>
-          </a:blip>
-          <a:srcRect b="89146"/>
-          <a:stretch/>
-        </p:blipFill>
+        </p:nvSpPr>
         <p:spPr>
           <a:xfrm>
-            <a:off x="1" y="-80212"/>
-            <a:ext cx="21855112" cy="1334531"/>
+            <a:off x="8536191" y="11579286"/>
+            <a:ext cx="4146151" cy="584775"/>
           </a:xfrm>
           <a:prstGeom prst="rect">
             <a:avLst/>
@@ -13719,10 +14706,52 @@
             <a:noFill/>
           </a:ln>
         </p:spPr>
-      </p:pic>
+        <p:txBody>
+          <a:bodyPr spcFirstLastPara="1" wrap="square" lIns="91425" tIns="45700" rIns="91425" bIns="45700" anchor="t" anchorCtr="0">
+            <a:spAutoFit/>
+          </a:bodyPr>
+          <a:lstStyle/>
+          <a:p>
+            <a:pPr marL="0" marR="0" lvl="0" indent="0" algn="l" rtl="0">
+              <a:spcBef>
+                <a:spcPts val="0"/>
+              </a:spcBef>
+              <a:spcAft>
+                <a:spcPts val="0"/>
+              </a:spcAft>
+              <a:buNone/>
+            </a:pPr>
+            <a:r>
+              <a:rPr lang="en-US" sz="3200" b="0" i="0" u="none" strike="noStrike" cap="none" dirty="0">
+                <a:solidFill>
+                  <a:schemeClr val="lt1"/>
+                </a:solidFill>
+                <a:latin typeface="Times New Roman"/>
+                <a:ea typeface="Times New Roman"/>
+                <a:cs typeface="Times New Roman"/>
+                <a:sym typeface="Times New Roman"/>
+              </a:rPr>
+              <a:t>Presenter: </a:t>
+            </a:r>
+            <a:r>
+              <a:rPr lang="tr-TR" sz="3200" b="0" i="0" u="none" strike="noStrike" cap="none" dirty="0" smtClean="0">
+                <a:solidFill>
+                  <a:schemeClr val="lt1"/>
+                </a:solidFill>
+                <a:latin typeface="Times New Roman"/>
+                <a:ea typeface="Times New Roman"/>
+                <a:cs typeface="Times New Roman"/>
+                <a:sym typeface="Times New Roman"/>
+              </a:rPr>
+              <a:t>Lorem Ipsum</a:t>
+            </a:r>
+            <a:endParaRPr dirty="0"/>
+          </a:p>
+        </p:txBody>
+      </p:sp>
       <p:sp>
         <p:nvSpPr>
-          <p:cNvPr id="99" name="Google Shape;99;p2"/>
+          <p:cNvPr id="10" name="Google Shape;99;p2"/>
           <p:cNvSpPr txBox="1"/>
           <p:nvPr/>
         </p:nvSpPr>
@@ -13828,7 +14857,7 @@
       </p:sp>
       <p:sp>
         <p:nvSpPr>
-          <p:cNvPr id="100" name="Google Shape;100;p2"/>
+          <p:cNvPr id="11" name="Google Shape;100;p2"/>
           <p:cNvSpPr/>
           <p:nvPr/>
         </p:nvSpPr>
@@ -13861,7 +14890,7 @@
               <a:buNone/>
             </a:pPr>
             <a:r>
-              <a:rPr lang="en-US" sz="4500" b="0" i="0" u="none" strike="noStrike" cap="none">
+              <a:rPr lang="tr-TR" sz="4500" b="0" i="0" u="none" strike="noStrike" cap="none" dirty="0" smtClean="0">
                 <a:solidFill>
                   <a:schemeClr val="lt1"/>
                 </a:solidFill>
@@ -13870,82 +14899,58 @@
                 <a:cs typeface="Times New Roman"/>
                 <a:sym typeface="Times New Roman"/>
               </a:rPr>
-              <a:t>Project Overview </a:t>
-            </a:r>
-            <a:endParaRPr/>
-          </a:p>
-        </p:txBody>
-      </p:sp>
-      <p:sp>
-        <p:nvSpPr>
-          <p:cNvPr id="101" name="Google Shape;101;p2"/>
-          <p:cNvSpPr txBox="1"/>
-          <p:nvPr/>
-        </p:nvSpPr>
-        <p:spPr>
-          <a:xfrm>
-            <a:off x="8536191" y="11579286"/>
-            <a:ext cx="4146151" cy="584775"/>
-          </a:xfrm>
-          <a:prstGeom prst="rect">
-            <a:avLst/>
-          </a:prstGeom>
-          <a:noFill/>
-          <a:ln>
-            <a:noFill/>
-          </a:ln>
-        </p:spPr>
-        <p:txBody>
-          <a:bodyPr spcFirstLastPara="1" wrap="square" lIns="91425" tIns="45700" rIns="91425" bIns="45700" anchor="t" anchorCtr="0">
-            <a:spAutoFit/>
-          </a:bodyPr>
-          <a:lstStyle/>
-          <a:p>
-            <a:pPr marL="0" marR="0" lvl="0" indent="0" algn="l" rtl="0">
-              <a:spcBef>
-                <a:spcPts val="0"/>
-              </a:spcBef>
-              <a:spcAft>
-                <a:spcPts val="0"/>
-              </a:spcAft>
-              <a:buNone/>
-            </a:pPr>
-            <a:r>
-              <a:rPr lang="en-US" sz="3200" b="0" i="0" u="none" strike="noStrike" cap="none" dirty="0">
-                <a:solidFill>
-                  <a:schemeClr val="lt1"/>
-                </a:solidFill>
-                <a:latin typeface="Times New Roman"/>
-                <a:ea typeface="Times New Roman"/>
-                <a:cs typeface="Times New Roman"/>
-                <a:sym typeface="Times New Roman"/>
-              </a:rPr>
-              <a:t>Presenter: </a:t>
-            </a:r>
-            <a:r>
-              <a:rPr lang="tr-TR" sz="3200" b="0" i="0" u="none" strike="noStrike" cap="none" dirty="0" smtClean="0">
-                <a:solidFill>
-                  <a:schemeClr val="lt1"/>
-                </a:solidFill>
-                <a:latin typeface="Times New Roman"/>
-                <a:ea typeface="Times New Roman"/>
-                <a:cs typeface="Times New Roman"/>
-                <a:sym typeface="Times New Roman"/>
-              </a:rPr>
-              <a:t>Lorem Ipsum</a:t>
+              <a:t>References</a:t>
             </a:r>
             <a:endParaRPr dirty="0"/>
           </a:p>
         </p:txBody>
       </p:sp>
+    </p:spTree>
+  </p:cSld>
+  <p:clrMapOvr>
+    <a:masterClrMapping/>
+  </p:clrMapOvr>
+</p:sld>
+</file>
+
+<file path=ppt/slides/slide11.xml><?xml version="1.0" encoding="utf-8"?>
+<p:sld xmlns:a="http://schemas.openxmlformats.org/drawingml/2006/main" xmlns:r="http://schemas.openxmlformats.org/officeDocument/2006/relationships" xmlns:p="http://schemas.openxmlformats.org/presentationml/2006/main">
+  <p:cSld>
+    <p:bg>
+      <p:bgPr>
+        <a:blipFill>
+          <a:blip r:embed="rId3">
+            <a:alphaModFix/>
+          </a:blip>
+          <a:stretch>
+            <a:fillRect/>
+          </a:stretch>
+        </a:blipFill>
+        <a:effectLst/>
+      </p:bgPr>
+    </p:bg>
+    <p:spTree>
+      <p:nvGrpSpPr>
+        <p:cNvPr id="1" name="Shape 313"/>
+        <p:cNvGrpSpPr/>
+        <p:nvPr/>
+      </p:nvGrpSpPr>
+      <p:grpSpPr>
+        <a:xfrm>
+          <a:off x="0" y="0"/>
+          <a:ext cx="0" cy="0"/>
+          <a:chOff x="0" y="0"/>
+          <a:chExt cx="0" cy="0"/>
+        </a:xfrm>
+      </p:grpSpPr>
       <p:pic>
         <p:nvPicPr>
-          <p:cNvPr id="102" name="Google Shape;102;p2" descr="Frontiers | On the Dynamics and Control of Free-floating Space Manipulator  Systems in the Presence of Angular Momentum"/>
+          <p:cNvPr id="314" name="Google Shape;314;p16" descr="İstanbul Teknik Üniversitesi | İTÜ | İTÜ 1773"/>
           <p:cNvPicPr preferRelativeResize="0"/>
           <p:nvPr/>
         </p:nvPicPr>
         <p:blipFill rotWithShape="1">
-          <a:blip r:embed="rId5">
+          <a:blip r:embed="rId4">
             <a:alphaModFix/>
           </a:blip>
           <a:srcRect/>
@@ -13953,35 +14958,8 @@
         </p:blipFill>
         <p:spPr>
           <a:xfrm>
-            <a:off x="485977" y="7204133"/>
-            <a:ext cx="11353800" cy="3352800"/>
-          </a:xfrm>
-          <a:prstGeom prst="rect">
-            <a:avLst/>
-          </a:prstGeom>
-          <a:noFill/>
-          <a:ln>
-            <a:noFill/>
-          </a:ln>
-        </p:spPr>
-      </p:pic>
-      <p:pic>
-        <p:nvPicPr>
-          <p:cNvPr id="103" name="Google Shape;103;p2" descr="A close-up of a machine&#10;&#10;Description automatically generated"/>
-          <p:cNvPicPr preferRelativeResize="0"/>
-          <p:nvPr/>
-        </p:nvPicPr>
-        <p:blipFill rotWithShape="1">
-          <a:blip r:embed="rId6">
-            <a:alphaModFix/>
-          </a:blip>
-          <a:srcRect/>
-          <a:stretch/>
-        </p:blipFill>
-        <p:spPr>
-          <a:xfrm>
-            <a:off x="12682342" y="7542764"/>
-            <a:ext cx="8593622" cy="2736944"/>
+            <a:off x="9028282" y="479248"/>
+            <a:ext cx="4823497" cy="2941157"/>
           </a:xfrm>
           <a:prstGeom prst="rect">
             <a:avLst/>
@@ -13994,14 +14972,14 @@
       </p:pic>
       <p:sp>
         <p:nvSpPr>
-          <p:cNvPr id="104" name="Google Shape;104;p2"/>
+          <p:cNvPr id="315" name="Google Shape;315;p16"/>
           <p:cNvSpPr txBox="1"/>
           <p:nvPr/>
         </p:nvSpPr>
         <p:spPr>
           <a:xfrm>
-            <a:off x="485977" y="10556933"/>
-            <a:ext cx="20789987" cy="461665"/>
+            <a:off x="3385511" y="5952683"/>
+            <a:ext cx="15001103" cy="1092566"/>
           </a:xfrm>
           <a:prstGeom prst="rect">
             <a:avLst/>
@@ -14027,32 +15005,32 @@
               <a:buNone/>
             </a:pPr>
             <a:r>
-              <a:rPr lang="en-US" sz="2400" b="0" i="0" u="none" strike="noStrike">
-                <a:solidFill>
-                  <a:schemeClr val="dk1"/>
+              <a:rPr lang="en-US" sz="6500" dirty="0" smtClean="0">
+                <a:solidFill>
+                  <a:schemeClr val="lt1"/>
                 </a:solidFill>
                 <a:latin typeface="Times New Roman"/>
                 <a:ea typeface="Times New Roman"/>
                 <a:cs typeface="Times New Roman"/>
                 <a:sym typeface="Times New Roman"/>
               </a:rPr>
-              <a:t>Fig. 1. </a:t>
+              <a:t>Thank</a:t>
             </a:r>
             <a:r>
-              <a:rPr lang="en-US" sz="2400">
-                <a:solidFill>
-                  <a:schemeClr val="dk1"/>
+              <a:rPr lang="tr-TR" sz="6500" dirty="0" smtClean="0">
+                <a:solidFill>
+                  <a:schemeClr val="lt1"/>
                 </a:solidFill>
                 <a:latin typeface="Times New Roman"/>
                 <a:ea typeface="Times New Roman"/>
                 <a:cs typeface="Times New Roman"/>
                 <a:sym typeface="Times New Roman"/>
               </a:rPr>
-              <a:t>Schematic diagram of joint installation position and rotation</a:t>
+              <a:t> You for Listening!</a:t>
             </a:r>
-            <a:endParaRPr sz="2400">
+            <a:endParaRPr sz="4800" b="1" dirty="0">
               <a:solidFill>
-                <a:schemeClr val="dk1"/>
+                <a:schemeClr val="lt1"/>
               </a:solidFill>
               <a:latin typeface="Times New Roman"/>
               <a:ea typeface="Times New Roman"/>
@@ -14070,12 +15048,12 @@
 </p:sld>
 </file>
 
-<file path=ppt/slides/slide3.xml><?xml version="1.0" encoding="utf-8"?>
+<file path=ppt/slides/slide2.xml><?xml version="1.0" encoding="utf-8"?>
 <p:sld xmlns:a="http://schemas.openxmlformats.org/drawingml/2006/main" xmlns:r="http://schemas.openxmlformats.org/officeDocument/2006/relationships" xmlns:p="http://schemas.openxmlformats.org/presentationml/2006/main">
   <p:cSld>
     <p:spTree>
       <p:nvGrpSpPr>
-        <p:cNvPr id="1" name="Shape 109"/>
+        <p:cNvPr id="1" name="Shape 210"/>
         <p:cNvGrpSpPr/>
         <p:nvPr/>
       </p:nvGrpSpPr>
@@ -14089,7 +15067,7 @@
       </p:grpSpPr>
       <p:pic>
         <p:nvPicPr>
-          <p:cNvPr id="110" name="Google Shape;110;p3"/>
+          <p:cNvPr id="211" name="Google Shape;211;p10"/>
           <p:cNvPicPr preferRelativeResize="0">
             <a:picLocks noGrp="1"/>
           </p:cNvPicPr>
@@ -14120,7 +15098,7 @@
       </p:pic>
       <p:pic>
         <p:nvPicPr>
-          <p:cNvPr id="111" name="Google Shape;111;p3" descr="İstanbul Teknik Üniversitesi | İTÜ | İTÜ 1773"/>
+          <p:cNvPr id="212" name="Google Shape;212;p10" descr="İstanbul Teknik Üniversitesi | İTÜ | İTÜ 1773"/>
           <p:cNvPicPr preferRelativeResize="0"/>
           <p:nvPr/>
         </p:nvPicPr>
@@ -14147,7 +15125,7 @@
       </p:pic>
       <p:pic>
         <p:nvPicPr>
-          <p:cNvPr id="112" name="Google Shape;112;p3"/>
+          <p:cNvPr id="213" name="Google Shape;213;p10"/>
           <p:cNvPicPr preferRelativeResize="0"/>
           <p:nvPr/>
         </p:nvPicPr>
@@ -14172,23 +15150,16 @@
           </a:ln>
         </p:spPr>
       </p:pic>
-      <p:pic>
-        <p:nvPicPr>
-          <p:cNvPr id="114" name="Google Shape;114;p3"/>
-          <p:cNvPicPr preferRelativeResize="0"/>
+      <p:sp>
+        <p:nvSpPr>
+          <p:cNvPr id="10" name="Google Shape;101;p2"/>
+          <p:cNvSpPr txBox="1"/>
           <p:nvPr/>
-        </p:nvPicPr>
-        <p:blipFill rotWithShape="1">
-          <a:blip r:embed="rId5">
-            <a:alphaModFix/>
-          </a:blip>
-          <a:srcRect t="2600"/>
-          <a:stretch/>
-        </p:blipFill>
+        </p:nvSpPr>
         <p:spPr>
           <a:xfrm>
-            <a:off x="11925327" y="1613953"/>
-            <a:ext cx="9534766" cy="9515476"/>
+            <a:off x="8536191" y="11579286"/>
+            <a:ext cx="4146151" cy="584775"/>
           </a:xfrm>
           <a:prstGeom prst="rect">
             <a:avLst/>
@@ -14198,10 +15169,457 @@
             <a:noFill/>
           </a:ln>
         </p:spPr>
-      </p:pic>
+        <p:txBody>
+          <a:bodyPr spcFirstLastPara="1" wrap="square" lIns="91425" tIns="45700" rIns="91425" bIns="45700" anchor="t" anchorCtr="0">
+            <a:spAutoFit/>
+          </a:bodyPr>
+          <a:lstStyle/>
+          <a:p>
+            <a:pPr marL="0" marR="0" lvl="0" indent="0" algn="l" rtl="0">
+              <a:spcBef>
+                <a:spcPts val="0"/>
+              </a:spcBef>
+              <a:spcAft>
+                <a:spcPts val="0"/>
+              </a:spcAft>
+              <a:buNone/>
+            </a:pPr>
+            <a:r>
+              <a:rPr lang="en-US" sz="3200" b="0" i="0" u="none" strike="noStrike" cap="none" dirty="0">
+                <a:solidFill>
+                  <a:schemeClr val="lt1"/>
+                </a:solidFill>
+                <a:latin typeface="Times New Roman"/>
+                <a:ea typeface="Times New Roman"/>
+                <a:cs typeface="Times New Roman"/>
+                <a:sym typeface="Times New Roman"/>
+              </a:rPr>
+              <a:t>Presenter: </a:t>
+            </a:r>
+            <a:r>
+              <a:rPr lang="tr-TR" sz="3200" b="0" i="0" u="none" strike="noStrike" cap="none" dirty="0" smtClean="0">
+                <a:solidFill>
+                  <a:schemeClr val="lt1"/>
+                </a:solidFill>
+                <a:latin typeface="Times New Roman"/>
+                <a:ea typeface="Times New Roman"/>
+                <a:cs typeface="Times New Roman"/>
+                <a:sym typeface="Times New Roman"/>
+              </a:rPr>
+              <a:t>Lorem Ipsum</a:t>
+            </a:r>
+            <a:endParaRPr dirty="0"/>
+          </a:p>
+        </p:txBody>
+      </p:sp>
       <p:sp>
         <p:nvSpPr>
-          <p:cNvPr id="115" name="Google Shape;115;p3"/>
+          <p:cNvPr id="11" name="Google Shape;99;p2"/>
+          <p:cNvSpPr txBox="1"/>
+          <p:nvPr/>
+        </p:nvSpPr>
+        <p:spPr>
+          <a:xfrm>
+            <a:off x="15801870" y="11579285"/>
+            <a:ext cx="3264136" cy="584775"/>
+          </a:xfrm>
+          <a:prstGeom prst="rect">
+            <a:avLst/>
+          </a:prstGeom>
+          <a:noFill/>
+          <a:ln>
+            <a:noFill/>
+          </a:ln>
+        </p:spPr>
+        <p:txBody>
+          <a:bodyPr spcFirstLastPara="1" wrap="square" lIns="91425" tIns="45700" rIns="91425" bIns="45700" anchor="t" anchorCtr="0">
+            <a:spAutoFit/>
+          </a:bodyPr>
+          <a:lstStyle/>
+          <a:p>
+            <a:pPr marL="0" marR="0" lvl="0" indent="0" algn="r" rtl="0">
+              <a:spcBef>
+                <a:spcPts val="0"/>
+              </a:spcBef>
+              <a:spcAft>
+                <a:spcPts val="0"/>
+              </a:spcAft>
+              <a:buNone/>
+            </a:pPr>
+            <a:r>
+              <a:rPr lang="tr-TR" sz="3200" b="0" i="0" u="none" strike="noStrike" cap="none" dirty="0" smtClean="0">
+                <a:solidFill>
+                  <a:schemeClr val="lt1"/>
+                </a:solidFill>
+                <a:latin typeface="Times New Roman"/>
+                <a:ea typeface="Times New Roman"/>
+                <a:cs typeface="Times New Roman"/>
+                <a:sym typeface="Times New Roman"/>
+              </a:rPr>
+              <a:t>XX</a:t>
+            </a:r>
+            <a:r>
+              <a:rPr lang="en-US" sz="3200" b="0" i="0" u="none" strike="noStrike" cap="none" dirty="0" smtClean="0">
+                <a:solidFill>
+                  <a:schemeClr val="lt1"/>
+                </a:solidFill>
+                <a:latin typeface="Times New Roman"/>
+                <a:ea typeface="Times New Roman"/>
+                <a:cs typeface="Times New Roman"/>
+                <a:sym typeface="Times New Roman"/>
+              </a:rPr>
+              <a:t>/</a:t>
+            </a:r>
+            <a:r>
+              <a:rPr lang="tr-TR" sz="3200" b="0" i="0" u="none" strike="noStrike" cap="none" dirty="0" smtClean="0">
+                <a:solidFill>
+                  <a:schemeClr val="lt1"/>
+                </a:solidFill>
+                <a:latin typeface="Times New Roman"/>
+                <a:ea typeface="Times New Roman"/>
+                <a:cs typeface="Times New Roman"/>
+                <a:sym typeface="Times New Roman"/>
+              </a:rPr>
+              <a:t>06</a:t>
+            </a:r>
+            <a:r>
+              <a:rPr lang="en-US" sz="3200" b="0" i="0" u="none" strike="noStrike" cap="none" dirty="0" smtClean="0">
+                <a:solidFill>
+                  <a:schemeClr val="lt1"/>
+                </a:solidFill>
+                <a:latin typeface="Times New Roman"/>
+                <a:ea typeface="Times New Roman"/>
+                <a:cs typeface="Times New Roman"/>
+                <a:sym typeface="Times New Roman"/>
+              </a:rPr>
+              <a:t>/202</a:t>
+            </a:r>
+            <a:r>
+              <a:rPr lang="tr-TR" sz="3200" b="0" i="0" u="none" strike="noStrike" cap="none" dirty="0" smtClean="0">
+                <a:solidFill>
+                  <a:schemeClr val="lt1"/>
+                </a:solidFill>
+                <a:latin typeface="Times New Roman"/>
+                <a:ea typeface="Times New Roman"/>
+                <a:cs typeface="Times New Roman"/>
+                <a:sym typeface="Times New Roman"/>
+              </a:rPr>
+              <a:t>5</a:t>
+            </a:r>
+            <a:endParaRPr sz="3200" b="0" i="0" u="none" strike="noStrike" cap="none" dirty="0">
+              <a:solidFill>
+                <a:schemeClr val="lt1"/>
+              </a:solidFill>
+              <a:latin typeface="Times New Roman"/>
+              <a:ea typeface="Times New Roman"/>
+              <a:cs typeface="Times New Roman"/>
+              <a:sym typeface="Times New Roman"/>
+            </a:endParaRPr>
+          </a:p>
+        </p:txBody>
+      </p:sp>
+      <p:sp>
+        <p:nvSpPr>
+          <p:cNvPr id="8" name="Google Shape;97;p2"/>
+          <p:cNvSpPr txBox="1"/>
+          <p:nvPr/>
+        </p:nvSpPr>
+        <p:spPr>
+          <a:xfrm>
+            <a:off x="0" y="1829843"/>
+            <a:ext cx="21183600" cy="8710036"/>
+          </a:xfrm>
+          <a:prstGeom prst="rect">
+            <a:avLst/>
+          </a:prstGeom>
+          <a:noFill/>
+          <a:ln>
+            <a:noFill/>
+          </a:ln>
+        </p:spPr>
+        <p:txBody>
+          <a:bodyPr spcFirstLastPara="1" wrap="square" lIns="91425" tIns="45700" rIns="91425" bIns="45700" anchor="t" anchorCtr="0">
+            <a:spAutoFit/>
+          </a:bodyPr>
+          <a:lstStyle/>
+          <a:p>
+            <a:pPr marL="1200150" lvl="1" indent="-742950">
+              <a:lnSpc>
+                <a:spcPct val="150000"/>
+              </a:lnSpc>
+              <a:buFont typeface="+mj-lt"/>
+              <a:buAutoNum type="arabicPeriod"/>
+            </a:pPr>
+            <a:r>
+              <a:rPr lang="tr-TR" sz="4000" dirty="0" smtClean="0">
+                <a:solidFill>
+                  <a:schemeClr val="tx1"/>
+                </a:solidFill>
+                <a:latin typeface="Times New Roman"/>
+                <a:ea typeface="Times New Roman"/>
+                <a:cs typeface="Times New Roman"/>
+                <a:sym typeface="Times New Roman"/>
+              </a:rPr>
+              <a:t>Giriş</a:t>
+            </a:r>
+            <a:endParaRPr lang="en-US" sz="4000" dirty="0">
+              <a:solidFill>
+                <a:schemeClr val="tx1"/>
+              </a:solidFill>
+              <a:latin typeface="Times New Roman"/>
+              <a:ea typeface="Times New Roman"/>
+              <a:cs typeface="Times New Roman"/>
+              <a:sym typeface="Times New Roman"/>
+            </a:endParaRPr>
+          </a:p>
+          <a:p>
+            <a:pPr marL="1200150" lvl="1" indent="-742950">
+              <a:lnSpc>
+                <a:spcPct val="150000"/>
+              </a:lnSpc>
+              <a:buFont typeface="+mj-lt"/>
+              <a:buAutoNum type="arabicPeriod"/>
+            </a:pPr>
+            <a:r>
+              <a:rPr lang="tr-TR" sz="4000" dirty="0" smtClean="0">
+                <a:solidFill>
+                  <a:schemeClr val="tx1"/>
+                </a:solidFill>
+                <a:latin typeface="Times New Roman"/>
+                <a:ea typeface="Times New Roman"/>
+                <a:cs typeface="Times New Roman"/>
+                <a:sym typeface="Times New Roman"/>
+              </a:rPr>
+              <a:t>Sistem Tanımı</a:t>
+            </a:r>
+            <a:br>
+              <a:rPr lang="tr-TR" sz="4000" dirty="0" smtClean="0">
+                <a:solidFill>
+                  <a:schemeClr val="tx1"/>
+                </a:solidFill>
+                <a:latin typeface="Times New Roman"/>
+                <a:ea typeface="Times New Roman"/>
+                <a:cs typeface="Times New Roman"/>
+                <a:sym typeface="Times New Roman"/>
+              </a:rPr>
+            </a:br>
+            <a:r>
+              <a:rPr lang="tr-TR" sz="4000" dirty="0" smtClean="0">
+                <a:solidFill>
+                  <a:schemeClr val="tx1"/>
+                </a:solidFill>
+                <a:latin typeface="Times New Roman"/>
+                <a:ea typeface="Times New Roman"/>
+                <a:cs typeface="Times New Roman"/>
+                <a:sym typeface="Times New Roman"/>
+              </a:rPr>
+              <a:t>2.1    Pasifikasyon Lemması</a:t>
+            </a:r>
+            <a:br>
+              <a:rPr lang="tr-TR" sz="4000" dirty="0" smtClean="0">
+                <a:solidFill>
+                  <a:schemeClr val="tx1"/>
+                </a:solidFill>
+                <a:latin typeface="Times New Roman"/>
+                <a:ea typeface="Times New Roman"/>
+                <a:cs typeface="Times New Roman"/>
+                <a:sym typeface="Times New Roman"/>
+              </a:rPr>
+            </a:br>
+            <a:r>
+              <a:rPr lang="tr-TR" sz="4000" dirty="0" smtClean="0">
+                <a:solidFill>
+                  <a:schemeClr val="tx1"/>
+                </a:solidFill>
+                <a:latin typeface="Times New Roman"/>
+                <a:ea typeface="Times New Roman"/>
+                <a:cs typeface="Times New Roman"/>
+                <a:sym typeface="Times New Roman"/>
+              </a:rPr>
+              <a:t>2.2    Quantizer Modeli</a:t>
+            </a:r>
+          </a:p>
+          <a:p>
+            <a:pPr marL="1200150" lvl="1" indent="-742950">
+              <a:lnSpc>
+                <a:spcPct val="150000"/>
+              </a:lnSpc>
+              <a:buFont typeface="+mj-lt"/>
+              <a:buAutoNum type="arabicPeriod"/>
+            </a:pPr>
+            <a:r>
+              <a:rPr lang="tr-TR" sz="4000" dirty="0" smtClean="0">
+                <a:solidFill>
+                  <a:schemeClr val="tx1"/>
+                </a:solidFill>
+                <a:latin typeface="Times New Roman"/>
+                <a:ea typeface="Times New Roman"/>
+                <a:cs typeface="Times New Roman"/>
+                <a:sym typeface="Times New Roman"/>
+              </a:rPr>
+              <a:t>Nihai Sınırlılık</a:t>
+            </a:r>
+            <a:endParaRPr lang="en-US" sz="4000" dirty="0">
+              <a:solidFill>
+                <a:schemeClr val="tx1"/>
+              </a:solidFill>
+              <a:latin typeface="Times New Roman"/>
+              <a:ea typeface="Times New Roman"/>
+              <a:cs typeface="Times New Roman"/>
+              <a:sym typeface="Times New Roman"/>
+            </a:endParaRPr>
+          </a:p>
+          <a:p>
+            <a:pPr marL="1200150" lvl="1" indent="-742950">
+              <a:lnSpc>
+                <a:spcPct val="150000"/>
+              </a:lnSpc>
+              <a:buFont typeface="+mj-lt"/>
+              <a:buAutoNum type="arabicPeriod"/>
+            </a:pPr>
+            <a:r>
+              <a:rPr lang="en-US" sz="4000" dirty="0" smtClean="0">
+                <a:solidFill>
+                  <a:schemeClr val="tx1"/>
+                </a:solidFill>
+                <a:latin typeface="Times New Roman"/>
+                <a:ea typeface="Times New Roman"/>
+                <a:cs typeface="Times New Roman"/>
+                <a:sym typeface="Times New Roman"/>
+              </a:rPr>
+              <a:t>Switching </a:t>
+            </a:r>
+            <a:r>
+              <a:rPr lang="tr-TR" sz="4000" dirty="0" smtClean="0">
+                <a:solidFill>
+                  <a:schemeClr val="tx1"/>
+                </a:solidFill>
+                <a:latin typeface="Times New Roman"/>
+                <a:ea typeface="Times New Roman"/>
+                <a:cs typeface="Times New Roman"/>
+                <a:sym typeface="Times New Roman"/>
+              </a:rPr>
+              <a:t>Kontrol</a:t>
+            </a:r>
+            <a:endParaRPr lang="en-US" sz="4000" dirty="0">
+              <a:solidFill>
+                <a:schemeClr val="tx1"/>
+              </a:solidFill>
+              <a:latin typeface="Times New Roman"/>
+              <a:ea typeface="Times New Roman"/>
+              <a:cs typeface="Times New Roman"/>
+              <a:sym typeface="Times New Roman"/>
+            </a:endParaRPr>
+          </a:p>
+          <a:p>
+            <a:pPr marL="1200150" lvl="1" indent="-742950">
+              <a:lnSpc>
+                <a:spcPct val="150000"/>
+              </a:lnSpc>
+              <a:buFont typeface="+mj-lt"/>
+              <a:buAutoNum type="arabicPeriod"/>
+            </a:pPr>
+            <a:r>
+              <a:rPr lang="tr-TR" sz="4000" dirty="0" smtClean="0">
+                <a:solidFill>
+                  <a:schemeClr val="tx1"/>
+                </a:solidFill>
+                <a:latin typeface="Times New Roman"/>
+                <a:ea typeface="Times New Roman"/>
+                <a:cs typeface="Times New Roman"/>
+                <a:sym typeface="Times New Roman"/>
+              </a:rPr>
+              <a:t>İmplementasyon</a:t>
+            </a:r>
+            <a:endParaRPr lang="en-US" sz="4000" dirty="0">
+              <a:solidFill>
+                <a:schemeClr val="tx1"/>
+              </a:solidFill>
+              <a:latin typeface="Times New Roman"/>
+              <a:ea typeface="Times New Roman"/>
+              <a:cs typeface="Times New Roman"/>
+              <a:sym typeface="Times New Roman"/>
+            </a:endParaRPr>
+          </a:p>
+          <a:p>
+            <a:pPr marL="1200150" lvl="1" indent="-742950">
+              <a:lnSpc>
+                <a:spcPct val="150000"/>
+              </a:lnSpc>
+              <a:buFont typeface="+mj-lt"/>
+              <a:buAutoNum type="arabicPeriod"/>
+            </a:pPr>
+            <a:r>
+              <a:rPr lang="tr-TR" sz="4000" dirty="0" smtClean="0">
+                <a:solidFill>
+                  <a:schemeClr val="tx1"/>
+                </a:solidFill>
+                <a:latin typeface="Times New Roman"/>
+                <a:ea typeface="Times New Roman"/>
+                <a:cs typeface="Times New Roman"/>
+                <a:sym typeface="Times New Roman"/>
+              </a:rPr>
+              <a:t>Sonuçlar</a:t>
+            </a:r>
+            <a:endParaRPr lang="en-US" sz="4000" dirty="0">
+              <a:solidFill>
+                <a:schemeClr val="tx1"/>
+              </a:solidFill>
+              <a:latin typeface="Times New Roman"/>
+              <a:ea typeface="Times New Roman"/>
+              <a:cs typeface="Times New Roman"/>
+              <a:sym typeface="Times New Roman"/>
+            </a:endParaRPr>
+          </a:p>
+          <a:p>
+            <a:pPr marL="457200" marR="0" lvl="1" indent="0" algn="l" rtl="0">
+              <a:spcBef>
+                <a:spcPts val="0"/>
+              </a:spcBef>
+              <a:spcAft>
+                <a:spcPts val="0"/>
+              </a:spcAft>
+              <a:buNone/>
+            </a:pPr>
+            <a:r>
+              <a:rPr lang="en-US" sz="4000" b="0" i="0" u="none" strike="noStrike" cap="none" dirty="0" smtClean="0">
+                <a:solidFill>
+                  <a:srgbClr val="002060"/>
+                </a:solidFill>
+                <a:latin typeface="Times New Roman"/>
+                <a:ea typeface="Times New Roman"/>
+                <a:cs typeface="Times New Roman"/>
+                <a:sym typeface="Times New Roman"/>
+              </a:rPr>
+              <a:t> </a:t>
+            </a:r>
+            <a:endParaRPr dirty="0" smtClean="0"/>
+          </a:p>
+          <a:p>
+            <a:pPr marL="457200" marR="0" lvl="1" indent="0" algn="l" rtl="0">
+              <a:spcBef>
+                <a:spcPts val="0"/>
+              </a:spcBef>
+              <a:spcAft>
+                <a:spcPts val="0"/>
+              </a:spcAft>
+              <a:buNone/>
+            </a:pPr>
+            <a:endParaRPr sz="4000" b="0" i="0" u="none" strike="noStrike" cap="none" dirty="0">
+              <a:solidFill>
+                <a:srgbClr val="002060"/>
+              </a:solidFill>
+              <a:latin typeface="Calibri"/>
+              <a:ea typeface="Calibri"/>
+              <a:cs typeface="Calibri"/>
+              <a:sym typeface="Calibri"/>
+            </a:endParaRPr>
+          </a:p>
+        </p:txBody>
+      </p:sp>
+      <p:sp>
+        <p:nvSpPr>
+          <p:cNvPr id="9" name="Google Shape;100;p2"/>
           <p:cNvSpPr/>
           <p:nvPr/>
         </p:nvSpPr>
@@ -14234,7 +15652,7 @@
               <a:buNone/>
             </a:pPr>
             <a:r>
-              <a:rPr lang="en-US" sz="4500" b="0" i="0" u="none" strike="noStrike" cap="none">
+              <a:rPr lang="tr-TR" sz="4500" b="0" i="0" u="none" strike="noStrike" cap="none" dirty="0" smtClean="0">
                 <a:solidFill>
                   <a:schemeClr val="lt1"/>
                 </a:solidFill>
@@ -14243,22 +15661,63 @@
                 <a:cs typeface="Times New Roman"/>
                 <a:sym typeface="Times New Roman"/>
               </a:rPr>
-              <a:t>Project Overview </a:t>
+              <a:t>İçerik</a:t>
             </a:r>
-            <a:endParaRPr/>
+            <a:endParaRPr dirty="0"/>
           </a:p>
         </p:txBody>
       </p:sp>
-      <p:sp>
-        <p:nvSpPr>
-          <p:cNvPr id="116" name="Google Shape;116;p3"/>
-          <p:cNvSpPr txBox="1"/>
-          <p:nvPr/>
-        </p:nvSpPr>
+    </p:spTree>
+    <p:extLst>
+      <p:ext uri="{BB962C8B-B14F-4D97-AF65-F5344CB8AC3E}">
+        <p14:creationId xmlns:p14="http://schemas.microsoft.com/office/powerpoint/2010/main" val="3271135715"/>
+      </p:ext>
+    </p:extLst>
+  </p:cSld>
+  <p:clrMapOvr>
+    <a:masterClrMapping/>
+  </p:clrMapOvr>
+</p:sld>
+</file>
+
+<file path=ppt/slides/slide3.xml><?xml version="1.0" encoding="utf-8"?>
+<p:sld xmlns:a="http://schemas.openxmlformats.org/drawingml/2006/main" xmlns:r="http://schemas.openxmlformats.org/officeDocument/2006/relationships" xmlns:p="http://schemas.openxmlformats.org/presentationml/2006/main">
+  <p:cSld>
+    <p:spTree>
+      <p:nvGrpSpPr>
+        <p:cNvPr id="1" name="Shape 210"/>
+        <p:cNvGrpSpPr/>
+        <p:nvPr/>
+      </p:nvGrpSpPr>
+      <p:grpSpPr>
+        <a:xfrm>
+          <a:off x="0" y="0"/>
+          <a:ext cx="0" cy="0"/>
+          <a:chOff x="0" y="0"/>
+          <a:chExt cx="0" cy="0"/>
+        </a:xfrm>
+      </p:grpSpPr>
+      <p:pic>
+        <p:nvPicPr>
+          <p:cNvPr id="211" name="Google Shape;211;p10"/>
+          <p:cNvPicPr preferRelativeResize="0">
+            <a:picLocks noGrp="1"/>
+          </p:cNvPicPr>
+          <p:nvPr>
+            <p:ph type="body" idx="1"/>
+          </p:nvPr>
+        </p:nvPicPr>
+        <p:blipFill rotWithShape="1">
+          <a:blip r:embed="rId3">
+            <a:alphaModFix/>
+          </a:blip>
+          <a:srcRect t="84370"/>
+          <a:stretch/>
+        </p:blipFill>
         <p:spPr>
           <a:xfrm>
-            <a:off x="0" y="1829843"/>
-            <a:ext cx="11530308" cy="3785652"/>
+            <a:off x="-1" y="11120423"/>
+            <a:ext cx="21855113" cy="1173177"/>
           </a:xfrm>
           <a:prstGeom prst="rect">
             <a:avLst/>
@@ -14268,119 +15727,15 @@
             <a:noFill/>
           </a:ln>
         </p:spPr>
-        <p:txBody>
-          <a:bodyPr spcFirstLastPara="1" wrap="square" lIns="91425" tIns="45700" rIns="91425" bIns="45700" anchor="t" anchorCtr="0">
-            <a:spAutoFit/>
-          </a:bodyPr>
-          <a:lstStyle/>
-          <a:p>
-            <a:pPr marL="457200" marR="0" lvl="1" indent="0" algn="l" rtl="0">
-              <a:spcBef>
-                <a:spcPts val="0"/>
-              </a:spcBef>
-              <a:spcAft>
-                <a:spcPts val="0"/>
-              </a:spcAft>
-              <a:buNone/>
-            </a:pPr>
-            <a:r>
-              <a:rPr lang="en-US" sz="4000" b="0" i="0" u="none" strike="noStrike" cap="none">
-                <a:solidFill>
-                  <a:srgbClr val="002060"/>
-                </a:solidFill>
-                <a:latin typeface="Times New Roman"/>
-                <a:ea typeface="Times New Roman"/>
-                <a:cs typeface="Times New Roman"/>
-                <a:sym typeface="Times New Roman"/>
-              </a:rPr>
-              <a:t>Project Flow </a:t>
-            </a:r>
-            <a:endParaRPr/>
-          </a:p>
-          <a:p>
-            <a:pPr marL="457200" marR="0" lvl="1" indent="0" algn="l" rtl="0">
-              <a:spcBef>
-                <a:spcPts val="0"/>
-              </a:spcBef>
-              <a:spcAft>
-                <a:spcPts val="0"/>
-              </a:spcAft>
-              <a:buNone/>
-            </a:pPr>
-            <a:endParaRPr sz="4000" b="0" i="0" u="none" strike="noStrike" cap="none">
-              <a:solidFill>
-                <a:srgbClr val="002060"/>
-              </a:solidFill>
-              <a:latin typeface="Times New Roman"/>
-              <a:ea typeface="Times New Roman"/>
-              <a:cs typeface="Times New Roman"/>
-              <a:sym typeface="Times New Roman"/>
-            </a:endParaRPr>
-          </a:p>
-          <a:p>
-            <a:pPr marL="1028700" marR="0" lvl="1" indent="-571500" algn="l" rtl="0">
-              <a:spcBef>
-                <a:spcPts val="0"/>
-              </a:spcBef>
-              <a:spcAft>
-                <a:spcPts val="0"/>
-              </a:spcAft>
-              <a:buClr>
-                <a:schemeClr val="dk1"/>
-              </a:buClr>
-              <a:buSzPts val="4000"/>
-              <a:buFont typeface="Arial"/>
-              <a:buChar char="•"/>
-            </a:pPr>
-            <a:r>
-              <a:rPr lang="en-US" sz="4000" b="0" i="0" u="none" strike="noStrike" cap="none">
-                <a:solidFill>
-                  <a:schemeClr val="dk1"/>
-                </a:solidFill>
-                <a:latin typeface="Times New Roman"/>
-                <a:ea typeface="Times New Roman"/>
-                <a:cs typeface="Times New Roman"/>
-                <a:sym typeface="Times New Roman"/>
-              </a:rPr>
-              <a:t>For a re-implementation of the journal article "PSO-Based Time Optimal Rapid Orientation for Micronano Space Robot“</a:t>
-            </a:r>
-            <a:endParaRPr/>
-          </a:p>
-          <a:p>
-            <a:pPr marL="1028700" marR="0" lvl="1" indent="-317500" algn="l" rtl="0">
-              <a:spcBef>
-                <a:spcPts val="0"/>
-              </a:spcBef>
-              <a:spcAft>
-                <a:spcPts val="0"/>
-              </a:spcAft>
-              <a:buClr>
-                <a:schemeClr val="dk1"/>
-              </a:buClr>
-              <a:buSzPts val="4000"/>
-              <a:buFont typeface="Arial"/>
-              <a:buNone/>
-            </a:pPr>
-            <a:endParaRPr sz="4000" b="0" i="0" u="none" strike="noStrike" cap="none">
-              <a:solidFill>
-                <a:schemeClr val="dk1"/>
-              </a:solidFill>
-              <a:latin typeface="Calibri"/>
-              <a:ea typeface="Calibri"/>
-              <a:cs typeface="Calibri"/>
-              <a:sym typeface="Calibri"/>
-            </a:endParaRPr>
-          </a:p>
-        </p:txBody>
-      </p:sp>
+      </p:pic>
       <p:pic>
         <p:nvPicPr>
-          <p:cNvPr id="117" name="Google Shape;117;p3" descr="A diagram of a prism&#10;&#10;Description automatically generated"/>
+          <p:cNvPr id="212" name="Google Shape;212;p10" descr="İstanbul Teknik Üniversitesi | İTÜ | İTÜ 1773"/>
           <p:cNvPicPr preferRelativeResize="0"/>
           <p:nvPr/>
         </p:nvPicPr>
         <p:blipFill rotWithShape="1">
-          <a:blip r:embed="rId6">
+          <a:blip r:embed="rId4">
             <a:alphaModFix/>
           </a:blip>
           <a:srcRect/>
@@ -14388,8 +15743,35 @@
         </p:blipFill>
         <p:spPr>
           <a:xfrm>
-            <a:off x="1089024" y="5615496"/>
-            <a:ext cx="7294140" cy="4005264"/>
+            <a:off x="0" y="11226603"/>
+            <a:ext cx="1605279" cy="978828"/>
+          </a:xfrm>
+          <a:prstGeom prst="rect">
+            <a:avLst/>
+          </a:prstGeom>
+          <a:noFill/>
+          <a:ln>
+            <a:noFill/>
+          </a:ln>
+        </p:spPr>
+      </p:pic>
+      <p:pic>
+        <p:nvPicPr>
+          <p:cNvPr id="213" name="Google Shape;213;p10"/>
+          <p:cNvPicPr preferRelativeResize="0"/>
+          <p:nvPr/>
+        </p:nvPicPr>
+        <p:blipFill rotWithShape="1">
+          <a:blip r:embed="rId3">
+            <a:alphaModFix/>
+          </a:blip>
+          <a:srcRect b="89146"/>
+          <a:stretch/>
+        </p:blipFill>
+        <p:spPr>
+          <a:xfrm>
+            <a:off x="-1" y="-80212"/>
+            <a:ext cx="21855113" cy="1334531"/>
           </a:xfrm>
           <a:prstGeom prst="rect">
             <a:avLst/>
@@ -14402,139 +15784,7 @@
       </p:pic>
       <p:sp>
         <p:nvSpPr>
-          <p:cNvPr id="119" name="Google Shape;119;p3"/>
-          <p:cNvSpPr txBox="1"/>
-          <p:nvPr/>
-        </p:nvSpPr>
-        <p:spPr>
-          <a:xfrm>
-            <a:off x="1089024" y="9436094"/>
-            <a:ext cx="7294140" cy="461665"/>
-          </a:xfrm>
-          <a:prstGeom prst="rect">
-            <a:avLst/>
-          </a:prstGeom>
-          <a:noFill/>
-          <a:ln>
-            <a:noFill/>
-          </a:ln>
-        </p:spPr>
-        <p:txBody>
-          <a:bodyPr spcFirstLastPara="1" wrap="square" lIns="91425" tIns="45700" rIns="91425" bIns="45700" anchor="t" anchorCtr="0">
-            <a:spAutoFit/>
-          </a:bodyPr>
-          <a:lstStyle/>
-          <a:p>
-            <a:pPr marL="0" marR="0" lvl="0" indent="0" algn="ctr" rtl="0">
-              <a:spcBef>
-                <a:spcPts val="0"/>
-              </a:spcBef>
-              <a:spcAft>
-                <a:spcPts val="0"/>
-              </a:spcAft>
-              <a:buNone/>
-            </a:pPr>
-            <a:r>
-              <a:rPr lang="en-US" sz="2400">
-                <a:solidFill>
-                  <a:schemeClr val="dk1"/>
-                </a:solidFill>
-                <a:latin typeface="Times New Roman"/>
-                <a:ea typeface="Times New Roman"/>
-                <a:cs typeface="Times New Roman"/>
-                <a:sym typeface="Times New Roman"/>
-              </a:rPr>
-              <a:t>Fig. 2. Simplified model of space robot.</a:t>
-            </a:r>
-            <a:endParaRPr sz="2400">
-              <a:solidFill>
-                <a:schemeClr val="dk1"/>
-              </a:solidFill>
-              <a:latin typeface="Times New Roman"/>
-              <a:ea typeface="Times New Roman"/>
-              <a:cs typeface="Times New Roman"/>
-              <a:sym typeface="Times New Roman"/>
-            </a:endParaRPr>
-          </a:p>
-        </p:txBody>
-      </p:sp>
-      <p:sp>
-        <p:nvSpPr>
-          <p:cNvPr id="120" name="Google Shape;120;p3"/>
-          <p:cNvSpPr txBox="1"/>
-          <p:nvPr/>
-        </p:nvSpPr>
-        <p:spPr>
-          <a:xfrm>
-            <a:off x="16542922" y="9124096"/>
-            <a:ext cx="5046167" cy="830997"/>
-          </a:xfrm>
-          <a:prstGeom prst="rect">
-            <a:avLst/>
-          </a:prstGeom>
-          <a:noFill/>
-          <a:ln>
-            <a:noFill/>
-          </a:ln>
-        </p:spPr>
-        <p:txBody>
-          <a:bodyPr spcFirstLastPara="1" wrap="square" lIns="91425" tIns="45700" rIns="91425" bIns="45700" anchor="t" anchorCtr="0">
-            <a:spAutoFit/>
-          </a:bodyPr>
-          <a:lstStyle/>
-          <a:p>
-            <a:pPr marL="0" marR="0" lvl="0" indent="0" algn="ctr" rtl="0">
-              <a:spcBef>
-                <a:spcPts val="0"/>
-              </a:spcBef>
-              <a:spcAft>
-                <a:spcPts val="0"/>
-              </a:spcAft>
-              <a:buNone/>
-            </a:pPr>
-            <a:r>
-              <a:rPr lang="en-US" sz="2400">
-                <a:solidFill>
-                  <a:schemeClr val="dk1"/>
-                </a:solidFill>
-                <a:latin typeface="Times New Roman"/>
-                <a:ea typeface="Times New Roman"/>
-                <a:cs typeface="Times New Roman"/>
-                <a:sym typeface="Times New Roman"/>
-              </a:rPr>
-              <a:t>Fig. 3.</a:t>
-            </a:r>
-            <a:endParaRPr/>
-          </a:p>
-          <a:p>
-            <a:pPr marL="0" marR="0" lvl="0" indent="0" algn="ctr" rtl="0">
-              <a:spcBef>
-                <a:spcPts val="0"/>
-              </a:spcBef>
-              <a:spcAft>
-                <a:spcPts val="0"/>
-              </a:spcAft>
-              <a:buNone/>
-            </a:pPr>
-            <a:r>
-              <a:rPr lang="en-US" sz="2400">
-                <a:solidFill>
-                  <a:schemeClr val="dk1"/>
-                </a:solidFill>
-                <a:latin typeface="Times New Roman"/>
-                <a:ea typeface="Times New Roman"/>
-                <a:cs typeface="Times New Roman"/>
-                <a:sym typeface="Times New Roman"/>
-              </a:rPr>
-              <a:t>Flowchart of the optimization process</a:t>
-            </a:r>
-            <a:endParaRPr/>
-          </a:p>
-        </p:txBody>
-      </p:sp>
-      <p:sp>
-        <p:nvSpPr>
-          <p:cNvPr id="14" name="Google Shape;101;p2"/>
+          <p:cNvPr id="10" name="Google Shape;101;p2"/>
           <p:cNvSpPr txBox="1"/>
           <p:nvPr/>
         </p:nvSpPr>
@@ -14596,7 +15846,7 @@
       </p:sp>
       <p:sp>
         <p:nvSpPr>
-          <p:cNvPr id="15" name="Google Shape;99;p2"/>
+          <p:cNvPr id="11" name="Google Shape;99;p2"/>
           <p:cNvSpPr txBox="1"/>
           <p:nvPr/>
         </p:nvSpPr>
@@ -14700,7 +15950,62 @@
           </a:p>
         </p:txBody>
       </p:sp>
+      <p:sp>
+        <p:nvSpPr>
+          <p:cNvPr id="9" name="Google Shape;100;p2"/>
+          <p:cNvSpPr/>
+          <p:nvPr/>
+        </p:nvSpPr>
+        <p:spPr>
+          <a:xfrm>
+            <a:off x="-1" y="246199"/>
+            <a:ext cx="11567873" cy="784830"/>
+          </a:xfrm>
+          <a:prstGeom prst="rect">
+            <a:avLst/>
+          </a:prstGeom>
+          <a:noFill/>
+          <a:ln>
+            <a:noFill/>
+          </a:ln>
+        </p:spPr>
+        <p:txBody>
+          <a:bodyPr spcFirstLastPara="1" wrap="square" lIns="91425" tIns="45700" rIns="91425" bIns="45700" anchor="t" anchorCtr="0">
+            <a:spAutoFit/>
+          </a:bodyPr>
+          <a:lstStyle/>
+          <a:p>
+            <a:pPr marL="457200" marR="0" lvl="1" indent="0" algn="l" rtl="0">
+              <a:spcBef>
+                <a:spcPts val="0"/>
+              </a:spcBef>
+              <a:spcAft>
+                <a:spcPts val="0"/>
+              </a:spcAft>
+              <a:buNone/>
+            </a:pPr>
+            <a:r>
+              <a:rPr lang="tr-TR" sz="4500" b="0" i="0" u="none" strike="noStrike" cap="none" dirty="0" smtClean="0">
+                <a:solidFill>
+                  <a:schemeClr val="lt1"/>
+                </a:solidFill>
+                <a:latin typeface="Times New Roman"/>
+                <a:ea typeface="Times New Roman"/>
+                <a:cs typeface="Times New Roman"/>
+                <a:sym typeface="Times New Roman"/>
+              </a:rPr>
+              <a:t>1. Giriş</a:t>
+            </a:r>
+            <a:endParaRPr dirty="0"/>
+          </a:p>
+        </p:txBody>
+      </p:sp>
     </p:spTree>
+    <p:extLst>
+      <p:ext uri="{BB962C8B-B14F-4D97-AF65-F5344CB8AC3E}">
+        <p14:creationId xmlns:p14="http://schemas.microsoft.com/office/powerpoint/2010/main" val="2155776725"/>
+      </p:ext>
+    </p:extLst>
   </p:cSld>
   <p:clrMapOvr>
     <a:masterClrMapping/>
@@ -14709,6 +16014,339 @@
 </file>
 
 <file path=ppt/slides/slide4.xml><?xml version="1.0" encoding="utf-8"?>
+<p:sld xmlns:a="http://schemas.openxmlformats.org/drawingml/2006/main" xmlns:r="http://schemas.openxmlformats.org/officeDocument/2006/relationships" xmlns:p="http://schemas.openxmlformats.org/presentationml/2006/main">
+  <p:cSld>
+    <p:spTree>
+      <p:nvGrpSpPr>
+        <p:cNvPr id="1" name="Shape 210"/>
+        <p:cNvGrpSpPr/>
+        <p:nvPr/>
+      </p:nvGrpSpPr>
+      <p:grpSpPr>
+        <a:xfrm>
+          <a:off x="0" y="0"/>
+          <a:ext cx="0" cy="0"/>
+          <a:chOff x="0" y="0"/>
+          <a:chExt cx="0" cy="0"/>
+        </a:xfrm>
+      </p:grpSpPr>
+      <p:pic>
+        <p:nvPicPr>
+          <p:cNvPr id="211" name="Google Shape;211;p10"/>
+          <p:cNvPicPr preferRelativeResize="0">
+            <a:picLocks noGrp="1"/>
+          </p:cNvPicPr>
+          <p:nvPr>
+            <p:ph type="body" idx="1"/>
+          </p:nvPr>
+        </p:nvPicPr>
+        <p:blipFill rotWithShape="1">
+          <a:blip r:embed="rId3">
+            <a:alphaModFix/>
+          </a:blip>
+          <a:srcRect t="84370"/>
+          <a:stretch/>
+        </p:blipFill>
+        <p:spPr>
+          <a:xfrm>
+            <a:off x="-1" y="11120423"/>
+            <a:ext cx="21855113" cy="1173177"/>
+          </a:xfrm>
+          <a:prstGeom prst="rect">
+            <a:avLst/>
+          </a:prstGeom>
+          <a:noFill/>
+          <a:ln>
+            <a:noFill/>
+          </a:ln>
+        </p:spPr>
+      </p:pic>
+      <p:pic>
+        <p:nvPicPr>
+          <p:cNvPr id="212" name="Google Shape;212;p10" descr="İstanbul Teknik Üniversitesi | İTÜ | İTÜ 1773"/>
+          <p:cNvPicPr preferRelativeResize="0"/>
+          <p:nvPr/>
+        </p:nvPicPr>
+        <p:blipFill rotWithShape="1">
+          <a:blip r:embed="rId4">
+            <a:alphaModFix/>
+          </a:blip>
+          <a:srcRect/>
+          <a:stretch/>
+        </p:blipFill>
+        <p:spPr>
+          <a:xfrm>
+            <a:off x="0" y="11226603"/>
+            <a:ext cx="1605279" cy="978828"/>
+          </a:xfrm>
+          <a:prstGeom prst="rect">
+            <a:avLst/>
+          </a:prstGeom>
+          <a:noFill/>
+          <a:ln>
+            <a:noFill/>
+          </a:ln>
+        </p:spPr>
+      </p:pic>
+      <p:pic>
+        <p:nvPicPr>
+          <p:cNvPr id="213" name="Google Shape;213;p10"/>
+          <p:cNvPicPr preferRelativeResize="0"/>
+          <p:nvPr/>
+        </p:nvPicPr>
+        <p:blipFill rotWithShape="1">
+          <a:blip r:embed="rId3">
+            <a:alphaModFix/>
+          </a:blip>
+          <a:srcRect b="89146"/>
+          <a:stretch/>
+        </p:blipFill>
+        <p:spPr>
+          <a:xfrm>
+            <a:off x="-1" y="-80212"/>
+            <a:ext cx="21855113" cy="1334531"/>
+          </a:xfrm>
+          <a:prstGeom prst="rect">
+            <a:avLst/>
+          </a:prstGeom>
+          <a:noFill/>
+          <a:ln>
+            <a:noFill/>
+          </a:ln>
+        </p:spPr>
+      </p:pic>
+      <p:sp>
+        <p:nvSpPr>
+          <p:cNvPr id="10" name="Google Shape;101;p2"/>
+          <p:cNvSpPr txBox="1"/>
+          <p:nvPr/>
+        </p:nvSpPr>
+        <p:spPr>
+          <a:xfrm>
+            <a:off x="8536191" y="11579286"/>
+            <a:ext cx="4146151" cy="584775"/>
+          </a:xfrm>
+          <a:prstGeom prst="rect">
+            <a:avLst/>
+          </a:prstGeom>
+          <a:noFill/>
+          <a:ln>
+            <a:noFill/>
+          </a:ln>
+        </p:spPr>
+        <p:txBody>
+          <a:bodyPr spcFirstLastPara="1" wrap="square" lIns="91425" tIns="45700" rIns="91425" bIns="45700" anchor="t" anchorCtr="0">
+            <a:spAutoFit/>
+          </a:bodyPr>
+          <a:lstStyle/>
+          <a:p>
+            <a:pPr marL="0" marR="0" lvl="0" indent="0" algn="l" rtl="0">
+              <a:spcBef>
+                <a:spcPts val="0"/>
+              </a:spcBef>
+              <a:spcAft>
+                <a:spcPts val="0"/>
+              </a:spcAft>
+              <a:buNone/>
+            </a:pPr>
+            <a:r>
+              <a:rPr lang="en-US" sz="3200" b="0" i="0" u="none" strike="noStrike" cap="none" dirty="0">
+                <a:solidFill>
+                  <a:schemeClr val="lt1"/>
+                </a:solidFill>
+                <a:latin typeface="Times New Roman"/>
+                <a:ea typeface="Times New Roman"/>
+                <a:cs typeface="Times New Roman"/>
+                <a:sym typeface="Times New Roman"/>
+              </a:rPr>
+              <a:t>Presenter: </a:t>
+            </a:r>
+            <a:r>
+              <a:rPr lang="tr-TR" sz="3200" b="0" i="0" u="none" strike="noStrike" cap="none" dirty="0" smtClean="0">
+                <a:solidFill>
+                  <a:schemeClr val="lt1"/>
+                </a:solidFill>
+                <a:latin typeface="Times New Roman"/>
+                <a:ea typeface="Times New Roman"/>
+                <a:cs typeface="Times New Roman"/>
+                <a:sym typeface="Times New Roman"/>
+              </a:rPr>
+              <a:t>Lorem Ipsum</a:t>
+            </a:r>
+            <a:endParaRPr dirty="0"/>
+          </a:p>
+        </p:txBody>
+      </p:sp>
+      <p:sp>
+        <p:nvSpPr>
+          <p:cNvPr id="11" name="Google Shape;99;p2"/>
+          <p:cNvSpPr txBox="1"/>
+          <p:nvPr/>
+        </p:nvSpPr>
+        <p:spPr>
+          <a:xfrm>
+            <a:off x="15801870" y="11579285"/>
+            <a:ext cx="3264136" cy="584775"/>
+          </a:xfrm>
+          <a:prstGeom prst="rect">
+            <a:avLst/>
+          </a:prstGeom>
+          <a:noFill/>
+          <a:ln>
+            <a:noFill/>
+          </a:ln>
+        </p:spPr>
+        <p:txBody>
+          <a:bodyPr spcFirstLastPara="1" wrap="square" lIns="91425" tIns="45700" rIns="91425" bIns="45700" anchor="t" anchorCtr="0">
+            <a:spAutoFit/>
+          </a:bodyPr>
+          <a:lstStyle/>
+          <a:p>
+            <a:pPr marL="0" marR="0" lvl="0" indent="0" algn="r" rtl="0">
+              <a:spcBef>
+                <a:spcPts val="0"/>
+              </a:spcBef>
+              <a:spcAft>
+                <a:spcPts val="0"/>
+              </a:spcAft>
+              <a:buNone/>
+            </a:pPr>
+            <a:r>
+              <a:rPr lang="tr-TR" sz="3200" b="0" i="0" u="none" strike="noStrike" cap="none" dirty="0" smtClean="0">
+                <a:solidFill>
+                  <a:schemeClr val="lt1"/>
+                </a:solidFill>
+                <a:latin typeface="Times New Roman"/>
+                <a:ea typeface="Times New Roman"/>
+                <a:cs typeface="Times New Roman"/>
+                <a:sym typeface="Times New Roman"/>
+              </a:rPr>
+              <a:t>XX</a:t>
+            </a:r>
+            <a:r>
+              <a:rPr lang="en-US" sz="3200" b="0" i="0" u="none" strike="noStrike" cap="none" dirty="0" smtClean="0">
+                <a:solidFill>
+                  <a:schemeClr val="lt1"/>
+                </a:solidFill>
+                <a:latin typeface="Times New Roman"/>
+                <a:ea typeface="Times New Roman"/>
+                <a:cs typeface="Times New Roman"/>
+                <a:sym typeface="Times New Roman"/>
+              </a:rPr>
+              <a:t>/</a:t>
+            </a:r>
+            <a:r>
+              <a:rPr lang="tr-TR" sz="3200" b="0" i="0" u="none" strike="noStrike" cap="none" dirty="0" smtClean="0">
+                <a:solidFill>
+                  <a:schemeClr val="lt1"/>
+                </a:solidFill>
+                <a:latin typeface="Times New Roman"/>
+                <a:ea typeface="Times New Roman"/>
+                <a:cs typeface="Times New Roman"/>
+                <a:sym typeface="Times New Roman"/>
+              </a:rPr>
+              <a:t>06</a:t>
+            </a:r>
+            <a:r>
+              <a:rPr lang="en-US" sz="3200" b="0" i="0" u="none" strike="noStrike" cap="none" dirty="0" smtClean="0">
+                <a:solidFill>
+                  <a:schemeClr val="lt1"/>
+                </a:solidFill>
+                <a:latin typeface="Times New Roman"/>
+                <a:ea typeface="Times New Roman"/>
+                <a:cs typeface="Times New Roman"/>
+                <a:sym typeface="Times New Roman"/>
+              </a:rPr>
+              <a:t>/202</a:t>
+            </a:r>
+            <a:r>
+              <a:rPr lang="tr-TR" sz="3200" b="0" i="0" u="none" strike="noStrike" cap="none" dirty="0" smtClean="0">
+                <a:solidFill>
+                  <a:schemeClr val="lt1"/>
+                </a:solidFill>
+                <a:latin typeface="Times New Roman"/>
+                <a:ea typeface="Times New Roman"/>
+                <a:cs typeface="Times New Roman"/>
+                <a:sym typeface="Times New Roman"/>
+              </a:rPr>
+              <a:t>5</a:t>
+            </a:r>
+            <a:endParaRPr sz="3200" b="0" i="0" u="none" strike="noStrike" cap="none" dirty="0">
+              <a:solidFill>
+                <a:schemeClr val="lt1"/>
+              </a:solidFill>
+              <a:latin typeface="Times New Roman"/>
+              <a:ea typeface="Times New Roman"/>
+              <a:cs typeface="Times New Roman"/>
+              <a:sym typeface="Times New Roman"/>
+            </a:endParaRPr>
+          </a:p>
+        </p:txBody>
+      </p:sp>
+      <p:sp>
+        <p:nvSpPr>
+          <p:cNvPr id="9" name="Google Shape;100;p2"/>
+          <p:cNvSpPr/>
+          <p:nvPr/>
+        </p:nvSpPr>
+        <p:spPr>
+          <a:xfrm>
+            <a:off x="-1" y="246199"/>
+            <a:ext cx="11567873" cy="784830"/>
+          </a:xfrm>
+          <a:prstGeom prst="rect">
+            <a:avLst/>
+          </a:prstGeom>
+          <a:noFill/>
+          <a:ln>
+            <a:noFill/>
+          </a:ln>
+        </p:spPr>
+        <p:txBody>
+          <a:bodyPr spcFirstLastPara="1" wrap="square" lIns="91425" tIns="45700" rIns="91425" bIns="45700" anchor="t" anchorCtr="0">
+            <a:spAutoFit/>
+          </a:bodyPr>
+          <a:lstStyle/>
+          <a:p>
+            <a:pPr marL="457200" marR="0" lvl="1" indent="0" algn="l" rtl="0">
+              <a:spcBef>
+                <a:spcPts val="0"/>
+              </a:spcBef>
+              <a:spcAft>
+                <a:spcPts val="0"/>
+              </a:spcAft>
+              <a:buNone/>
+            </a:pPr>
+            <a:r>
+              <a:rPr lang="tr-TR" sz="4500" b="0" i="0" u="none" strike="noStrike" cap="none" dirty="0" smtClean="0">
+                <a:solidFill>
+                  <a:schemeClr val="lt1"/>
+                </a:solidFill>
+                <a:latin typeface="Times New Roman"/>
+                <a:ea typeface="Times New Roman"/>
+                <a:cs typeface="Times New Roman"/>
+                <a:sym typeface="Times New Roman"/>
+              </a:rPr>
+              <a:t>2. Sistem Tanımı</a:t>
+            </a:r>
+            <a:endParaRPr dirty="0"/>
+          </a:p>
+        </p:txBody>
+      </p:sp>
+    </p:spTree>
+    <p:extLst>
+      <p:ext uri="{BB962C8B-B14F-4D97-AF65-F5344CB8AC3E}">
+        <p14:creationId xmlns:p14="http://schemas.microsoft.com/office/powerpoint/2010/main" val="3578903057"/>
+      </p:ext>
+    </p:extLst>
+  </p:cSld>
+  <p:clrMapOvr>
+    <a:masterClrMapping/>
+  </p:clrMapOvr>
+</p:sld>
+</file>
+
+<file path=ppt/slides/slide5.xml><?xml version="1.0" encoding="utf-8"?>
 <p:sld xmlns:a="http://schemas.openxmlformats.org/drawingml/2006/main" xmlns:r="http://schemas.openxmlformats.org/officeDocument/2006/relationships" xmlns:p="http://schemas.openxmlformats.org/presentationml/2006/main">
   <p:cSld>
     <p:spTree>
@@ -14916,7 +16554,7 @@
                 <a:cs typeface="Times New Roman"/>
                 <a:sym typeface="Times New Roman"/>
               </a:rPr>
-              <a:t>Subtitle</a:t>
+              <a:t>2.1 Pasifikasyon Lemması</a:t>
             </a:r>
             <a:endParaRPr dirty="0"/>
           </a:p>
@@ -15097,7 +16735,62 @@
           </a:p>
         </p:txBody>
       </p:sp>
+      <p:sp>
+        <p:nvSpPr>
+          <p:cNvPr id="10" name="Google Shape;100;p2"/>
+          <p:cNvSpPr/>
+          <p:nvPr/>
+        </p:nvSpPr>
+        <p:spPr>
+          <a:xfrm>
+            <a:off x="-1" y="246199"/>
+            <a:ext cx="11567873" cy="784830"/>
+          </a:xfrm>
+          <a:prstGeom prst="rect">
+            <a:avLst/>
+          </a:prstGeom>
+          <a:noFill/>
+          <a:ln>
+            <a:noFill/>
+          </a:ln>
+        </p:spPr>
+        <p:txBody>
+          <a:bodyPr spcFirstLastPara="1" wrap="square" lIns="91425" tIns="45700" rIns="91425" bIns="45700" anchor="t" anchorCtr="0">
+            <a:spAutoFit/>
+          </a:bodyPr>
+          <a:lstStyle/>
+          <a:p>
+            <a:pPr marL="457200" marR="0" lvl="1" indent="0" algn="l" rtl="0">
+              <a:spcBef>
+                <a:spcPts val="0"/>
+              </a:spcBef>
+              <a:spcAft>
+                <a:spcPts val="0"/>
+              </a:spcAft>
+              <a:buNone/>
+            </a:pPr>
+            <a:r>
+              <a:rPr lang="tr-TR" sz="4500" b="0" i="0" u="none" strike="noStrike" cap="none" dirty="0" smtClean="0">
+                <a:solidFill>
+                  <a:schemeClr val="lt1"/>
+                </a:solidFill>
+                <a:latin typeface="Times New Roman"/>
+                <a:ea typeface="Times New Roman"/>
+                <a:cs typeface="Times New Roman"/>
+                <a:sym typeface="Times New Roman"/>
+              </a:rPr>
+              <a:t>2. Sistem Tanımı</a:t>
+            </a:r>
+            <a:endParaRPr dirty="0"/>
+          </a:p>
+        </p:txBody>
+      </p:sp>
     </p:spTree>
+    <p:extLst>
+      <p:ext uri="{BB962C8B-B14F-4D97-AF65-F5344CB8AC3E}">
+        <p14:creationId xmlns:p14="http://schemas.microsoft.com/office/powerpoint/2010/main" val="3940427270"/>
+      </p:ext>
+    </p:extLst>
   </p:cSld>
   <p:clrMapOvr>
     <a:masterClrMapping/>
@@ -15105,7 +16798,459 @@
 </p:sld>
 </file>
 
-<file path=ppt/slides/slide5.xml><?xml version="1.0" encoding="utf-8"?>
+<file path=ppt/slides/slide6.xml><?xml version="1.0" encoding="utf-8"?>
+<p:sld xmlns:a="http://schemas.openxmlformats.org/drawingml/2006/main" xmlns:r="http://schemas.openxmlformats.org/officeDocument/2006/relationships" xmlns:p="http://schemas.openxmlformats.org/presentationml/2006/main">
+  <p:cSld>
+    <p:spTree>
+      <p:nvGrpSpPr>
+        <p:cNvPr id="1" name="Shape 125"/>
+        <p:cNvGrpSpPr/>
+        <p:nvPr/>
+      </p:nvGrpSpPr>
+      <p:grpSpPr>
+        <a:xfrm>
+          <a:off x="0" y="0"/>
+          <a:ext cx="0" cy="0"/>
+          <a:chOff x="0" y="0"/>
+          <a:chExt cx="0" cy="0"/>
+        </a:xfrm>
+      </p:grpSpPr>
+      <p:pic>
+        <p:nvPicPr>
+          <p:cNvPr id="126" name="Google Shape;126;p4"/>
+          <p:cNvPicPr preferRelativeResize="0">
+            <a:picLocks noGrp="1"/>
+          </p:cNvPicPr>
+          <p:nvPr>
+            <p:ph type="body" idx="1"/>
+          </p:nvPr>
+        </p:nvPicPr>
+        <p:blipFill rotWithShape="1">
+          <a:blip r:embed="rId3">
+            <a:alphaModFix/>
+          </a:blip>
+          <a:srcRect t="84370"/>
+          <a:stretch/>
+        </p:blipFill>
+        <p:spPr>
+          <a:xfrm>
+            <a:off x="-1" y="11120423"/>
+            <a:ext cx="21855113" cy="1173177"/>
+          </a:xfrm>
+          <a:prstGeom prst="rect">
+            <a:avLst/>
+          </a:prstGeom>
+          <a:noFill/>
+          <a:ln>
+            <a:noFill/>
+          </a:ln>
+        </p:spPr>
+      </p:pic>
+      <p:pic>
+        <p:nvPicPr>
+          <p:cNvPr id="127" name="Google Shape;127;p4" descr="İstanbul Teknik Üniversitesi | İTÜ | İTÜ 1773"/>
+          <p:cNvPicPr preferRelativeResize="0"/>
+          <p:nvPr/>
+        </p:nvPicPr>
+        <p:blipFill rotWithShape="1">
+          <a:blip r:embed="rId4">
+            <a:alphaModFix/>
+          </a:blip>
+          <a:srcRect/>
+          <a:stretch/>
+        </p:blipFill>
+        <p:spPr>
+          <a:xfrm>
+            <a:off x="0" y="11226603"/>
+            <a:ext cx="1605279" cy="978828"/>
+          </a:xfrm>
+          <a:prstGeom prst="rect">
+            <a:avLst/>
+          </a:prstGeom>
+          <a:noFill/>
+          <a:ln>
+            <a:noFill/>
+          </a:ln>
+        </p:spPr>
+      </p:pic>
+      <p:pic>
+        <p:nvPicPr>
+          <p:cNvPr id="128" name="Google Shape;128;p4"/>
+          <p:cNvPicPr preferRelativeResize="0"/>
+          <p:nvPr/>
+        </p:nvPicPr>
+        <p:blipFill rotWithShape="1">
+          <a:blip r:embed="rId3">
+            <a:alphaModFix/>
+          </a:blip>
+          <a:srcRect b="89146"/>
+          <a:stretch/>
+        </p:blipFill>
+        <p:spPr>
+          <a:xfrm>
+            <a:off x="-1" y="-80212"/>
+            <a:ext cx="21855113" cy="1334531"/>
+          </a:xfrm>
+          <a:prstGeom prst="rect">
+            <a:avLst/>
+          </a:prstGeom>
+          <a:noFill/>
+          <a:ln>
+            <a:noFill/>
+          </a:ln>
+        </p:spPr>
+      </p:pic>
+      <p:sp>
+        <p:nvSpPr>
+          <p:cNvPr id="129" name="Google Shape;129;p4"/>
+          <p:cNvSpPr txBox="1"/>
+          <p:nvPr/>
+        </p:nvSpPr>
+        <p:spPr>
+          <a:xfrm>
+            <a:off x="8536191" y="11579286"/>
+            <a:ext cx="4146151" cy="584775"/>
+          </a:xfrm>
+          <a:prstGeom prst="rect">
+            <a:avLst/>
+          </a:prstGeom>
+          <a:noFill/>
+          <a:ln>
+            <a:noFill/>
+          </a:ln>
+        </p:spPr>
+        <p:txBody>
+          <a:bodyPr spcFirstLastPara="1" wrap="square" lIns="91425" tIns="45700" rIns="91425" bIns="45700" anchor="t" anchorCtr="0">
+            <a:spAutoFit/>
+          </a:bodyPr>
+          <a:lstStyle/>
+          <a:p>
+            <a:pPr marL="0" marR="0" lvl="0" indent="0" algn="l" rtl="0">
+              <a:spcBef>
+                <a:spcPts val="0"/>
+              </a:spcBef>
+              <a:spcAft>
+                <a:spcPts val="0"/>
+              </a:spcAft>
+              <a:buNone/>
+            </a:pPr>
+            <a:r>
+              <a:rPr lang="en-US" sz="3200" dirty="0">
+                <a:solidFill>
+                  <a:schemeClr val="lt1"/>
+                </a:solidFill>
+                <a:latin typeface="Times New Roman"/>
+                <a:ea typeface="Times New Roman"/>
+                <a:cs typeface="Times New Roman"/>
+                <a:sym typeface="Times New Roman"/>
+              </a:rPr>
+              <a:t>Presenter: </a:t>
+            </a:r>
+            <a:r>
+              <a:rPr lang="tr-TR" sz="3200" dirty="0" smtClean="0">
+                <a:solidFill>
+                  <a:schemeClr val="lt1"/>
+                </a:solidFill>
+                <a:latin typeface="Times New Roman"/>
+                <a:ea typeface="Times New Roman"/>
+                <a:cs typeface="Times New Roman"/>
+                <a:sym typeface="Times New Roman"/>
+              </a:rPr>
+              <a:t>Lorem Ipsum</a:t>
+            </a:r>
+            <a:endParaRPr dirty="0"/>
+          </a:p>
+        </p:txBody>
+      </p:sp>
+      <p:sp>
+        <p:nvSpPr>
+          <p:cNvPr id="130" name="Google Shape;130;p4"/>
+          <p:cNvSpPr txBox="1"/>
+          <p:nvPr/>
+        </p:nvSpPr>
+        <p:spPr>
+          <a:xfrm>
+            <a:off x="0" y="1829843"/>
+            <a:ext cx="21183600" cy="2554545"/>
+          </a:xfrm>
+          <a:prstGeom prst="rect">
+            <a:avLst/>
+          </a:prstGeom>
+          <a:noFill/>
+          <a:ln>
+            <a:noFill/>
+          </a:ln>
+        </p:spPr>
+        <p:txBody>
+          <a:bodyPr spcFirstLastPara="1" wrap="square" lIns="91425" tIns="45700" rIns="91425" bIns="45700" anchor="t" anchorCtr="0">
+            <a:spAutoFit/>
+          </a:bodyPr>
+          <a:lstStyle/>
+          <a:p>
+            <a:pPr marL="457200" marR="0" lvl="1" indent="0" algn="l" rtl="0">
+              <a:spcBef>
+                <a:spcPts val="0"/>
+              </a:spcBef>
+              <a:spcAft>
+                <a:spcPts val="0"/>
+              </a:spcAft>
+              <a:buNone/>
+            </a:pPr>
+            <a:r>
+              <a:rPr lang="tr-TR" sz="4000" b="0" i="0" u="none" strike="noStrike" cap="none" dirty="0" smtClean="0">
+                <a:solidFill>
+                  <a:srgbClr val="002060"/>
+                </a:solidFill>
+                <a:latin typeface="Times New Roman"/>
+                <a:ea typeface="Times New Roman"/>
+                <a:cs typeface="Times New Roman"/>
+                <a:sym typeface="Times New Roman"/>
+              </a:rPr>
+              <a:t>2.2 Quantizer Model</a:t>
+            </a:r>
+            <a:endParaRPr dirty="0"/>
+          </a:p>
+          <a:p>
+            <a:pPr marL="457200" marR="0" lvl="1" indent="0" algn="l" rtl="0">
+              <a:spcBef>
+                <a:spcPts val="0"/>
+              </a:spcBef>
+              <a:spcAft>
+                <a:spcPts val="0"/>
+              </a:spcAft>
+              <a:buNone/>
+            </a:pPr>
+            <a:endParaRPr sz="4000" b="0" i="0" u="none" strike="noStrike" cap="none" dirty="0">
+              <a:solidFill>
+                <a:srgbClr val="002060"/>
+              </a:solidFill>
+              <a:latin typeface="Times New Roman"/>
+              <a:ea typeface="Times New Roman"/>
+              <a:cs typeface="Times New Roman"/>
+              <a:sym typeface="Times New Roman"/>
+            </a:endParaRPr>
+          </a:p>
+          <a:p>
+            <a:pPr marL="1028700" marR="0" lvl="1" indent="-571500" algn="l" rtl="0">
+              <a:spcBef>
+                <a:spcPts val="0"/>
+              </a:spcBef>
+              <a:spcAft>
+                <a:spcPts val="0"/>
+              </a:spcAft>
+              <a:buClr>
+                <a:schemeClr val="dk1"/>
+              </a:buClr>
+              <a:buSzPts val="4000"/>
+              <a:buFont typeface="Arial"/>
+              <a:buChar char="•"/>
+            </a:pPr>
+            <a:r>
+              <a:rPr lang="tr-TR" sz="4000" b="0" i="0" u="none" strike="noStrike" cap="none" dirty="0" smtClean="0">
+                <a:solidFill>
+                  <a:schemeClr val="dk1"/>
+                </a:solidFill>
+                <a:latin typeface="Times New Roman"/>
+                <a:ea typeface="Times New Roman"/>
+                <a:cs typeface="Times New Roman"/>
+                <a:sym typeface="Times New Roman"/>
+              </a:rPr>
+              <a:t>Lorem ipsum.</a:t>
+            </a:r>
+            <a:endParaRPr dirty="0"/>
+          </a:p>
+          <a:p>
+            <a:pPr marL="457200" marR="0" lvl="1" indent="0" algn="l" rtl="0">
+              <a:spcBef>
+                <a:spcPts val="0"/>
+              </a:spcBef>
+              <a:spcAft>
+                <a:spcPts val="0"/>
+              </a:spcAft>
+              <a:buNone/>
+            </a:pPr>
+            <a:endParaRPr sz="4000" b="0" i="0" u="none" strike="noStrike" cap="none" dirty="0">
+              <a:solidFill>
+                <a:srgbClr val="002060"/>
+              </a:solidFill>
+              <a:latin typeface="Calibri"/>
+              <a:ea typeface="Calibri"/>
+              <a:cs typeface="Calibri"/>
+              <a:sym typeface="Calibri"/>
+            </a:endParaRPr>
+          </a:p>
+        </p:txBody>
+      </p:sp>
+      <p:sp>
+        <p:nvSpPr>
+          <p:cNvPr id="137" name="Google Shape;137;p4"/>
+          <p:cNvSpPr txBox="1"/>
+          <p:nvPr/>
+        </p:nvSpPr>
+        <p:spPr>
+          <a:xfrm>
+            <a:off x="15801870" y="11579285"/>
+            <a:ext cx="3264136" cy="584775"/>
+          </a:xfrm>
+          <a:prstGeom prst="rect">
+            <a:avLst/>
+          </a:prstGeom>
+          <a:noFill/>
+          <a:ln>
+            <a:noFill/>
+          </a:ln>
+        </p:spPr>
+        <p:txBody>
+          <a:bodyPr spcFirstLastPara="1" wrap="square" lIns="91425" tIns="45700" rIns="91425" bIns="45700" anchor="t" anchorCtr="0">
+            <a:spAutoFit/>
+          </a:bodyPr>
+          <a:lstStyle/>
+          <a:p>
+            <a:pPr marL="0" marR="0" lvl="0" indent="0" algn="r" rtl="0">
+              <a:spcBef>
+                <a:spcPts val="0"/>
+              </a:spcBef>
+              <a:spcAft>
+                <a:spcPts val="0"/>
+              </a:spcAft>
+              <a:buNone/>
+            </a:pPr>
+            <a:r>
+              <a:rPr lang="tr-TR" sz="3200" dirty="0" smtClean="0">
+                <a:solidFill>
+                  <a:schemeClr val="lt1"/>
+                </a:solidFill>
+                <a:latin typeface="Times New Roman"/>
+                <a:ea typeface="Times New Roman"/>
+                <a:cs typeface="Times New Roman"/>
+                <a:sym typeface="Times New Roman"/>
+              </a:rPr>
+              <a:t>XX</a:t>
+            </a:r>
+            <a:r>
+              <a:rPr lang="en-US" sz="3200" dirty="0" smtClean="0">
+                <a:solidFill>
+                  <a:schemeClr val="lt1"/>
+                </a:solidFill>
+                <a:latin typeface="Times New Roman"/>
+                <a:ea typeface="Times New Roman"/>
+                <a:cs typeface="Times New Roman"/>
+                <a:sym typeface="Times New Roman"/>
+              </a:rPr>
+              <a:t>/</a:t>
+            </a:r>
+            <a:r>
+              <a:rPr lang="tr-TR" sz="3200" dirty="0" smtClean="0">
+                <a:solidFill>
+                  <a:schemeClr val="lt1"/>
+                </a:solidFill>
+                <a:latin typeface="Times New Roman"/>
+                <a:ea typeface="Times New Roman"/>
+                <a:cs typeface="Times New Roman"/>
+                <a:sym typeface="Times New Roman"/>
+              </a:rPr>
+              <a:t>06</a:t>
+            </a:r>
+            <a:r>
+              <a:rPr lang="en-US" sz="3200" dirty="0" smtClean="0">
+                <a:solidFill>
+                  <a:schemeClr val="lt1"/>
+                </a:solidFill>
+                <a:latin typeface="Times New Roman"/>
+                <a:ea typeface="Times New Roman"/>
+                <a:cs typeface="Times New Roman"/>
+                <a:sym typeface="Times New Roman"/>
+              </a:rPr>
+              <a:t>/202</a:t>
+            </a:r>
+            <a:r>
+              <a:rPr lang="tr-TR" sz="3200" dirty="0" smtClean="0">
+                <a:solidFill>
+                  <a:schemeClr val="lt1"/>
+                </a:solidFill>
+                <a:latin typeface="Times New Roman"/>
+                <a:ea typeface="Times New Roman"/>
+                <a:cs typeface="Times New Roman"/>
+                <a:sym typeface="Times New Roman"/>
+              </a:rPr>
+              <a:t>5</a:t>
+            </a:r>
+            <a:endParaRPr sz="3200" dirty="0">
+              <a:solidFill>
+                <a:schemeClr val="lt1"/>
+              </a:solidFill>
+              <a:latin typeface="Times New Roman"/>
+              <a:ea typeface="Times New Roman"/>
+              <a:cs typeface="Times New Roman"/>
+              <a:sym typeface="Times New Roman"/>
+            </a:endParaRPr>
+          </a:p>
+        </p:txBody>
+      </p:sp>
+      <p:sp>
+        <p:nvSpPr>
+          <p:cNvPr id="10" name="Google Shape;100;p2"/>
+          <p:cNvSpPr/>
+          <p:nvPr/>
+        </p:nvSpPr>
+        <p:spPr>
+          <a:xfrm>
+            <a:off x="-1" y="246199"/>
+            <a:ext cx="11567873" cy="784830"/>
+          </a:xfrm>
+          <a:prstGeom prst="rect">
+            <a:avLst/>
+          </a:prstGeom>
+          <a:noFill/>
+          <a:ln>
+            <a:noFill/>
+          </a:ln>
+        </p:spPr>
+        <p:txBody>
+          <a:bodyPr spcFirstLastPara="1" wrap="square" lIns="91425" tIns="45700" rIns="91425" bIns="45700" anchor="t" anchorCtr="0">
+            <a:spAutoFit/>
+          </a:bodyPr>
+          <a:lstStyle/>
+          <a:p>
+            <a:pPr marL="457200" marR="0" lvl="1" indent="0" algn="l" rtl="0">
+              <a:spcBef>
+                <a:spcPts val="0"/>
+              </a:spcBef>
+              <a:spcAft>
+                <a:spcPts val="0"/>
+              </a:spcAft>
+              <a:buNone/>
+            </a:pPr>
+            <a:r>
+              <a:rPr lang="tr-TR" sz="4500" b="0" i="0" u="none" strike="noStrike" cap="none" dirty="0" smtClean="0">
+                <a:solidFill>
+                  <a:schemeClr val="lt1"/>
+                </a:solidFill>
+                <a:latin typeface="Times New Roman"/>
+                <a:ea typeface="Times New Roman"/>
+                <a:cs typeface="Times New Roman"/>
+                <a:sym typeface="Times New Roman"/>
+              </a:rPr>
+              <a:t>2. Sistem Tanımı</a:t>
+            </a:r>
+            <a:endParaRPr dirty="0"/>
+          </a:p>
+        </p:txBody>
+      </p:sp>
+    </p:spTree>
+    <p:extLst>
+      <p:ext uri="{BB962C8B-B14F-4D97-AF65-F5344CB8AC3E}">
+        <p14:creationId xmlns:p14="http://schemas.microsoft.com/office/powerpoint/2010/main" val="4021920657"/>
+      </p:ext>
+    </p:extLst>
+  </p:cSld>
+  <p:clrMapOvr>
+    <a:masterClrMapping/>
+  </p:clrMapOvr>
+</p:sld>
+</file>
+
+<file path=ppt/slides/slide7.xml><?xml version="1.0" encoding="utf-8"?>
 <p:sld xmlns:a="http://schemas.openxmlformats.org/drawingml/2006/main" xmlns:r="http://schemas.openxmlformats.org/officeDocument/2006/relationships" xmlns:p="http://schemas.openxmlformats.org/presentationml/2006/main">
   <p:cSld>
     <p:spTree>
@@ -15209,64 +17354,6 @@
       </p:pic>
       <p:sp>
         <p:nvSpPr>
-          <p:cNvPr id="214" name="Google Shape;214;p10"/>
-          <p:cNvSpPr/>
-          <p:nvPr/>
-        </p:nvSpPr>
-        <p:spPr>
-          <a:xfrm>
-            <a:off x="0" y="145981"/>
-            <a:ext cx="15133320" cy="707886"/>
-          </a:xfrm>
-          <a:prstGeom prst="rect">
-            <a:avLst/>
-          </a:prstGeom>
-          <a:noFill/>
-          <a:ln>
-            <a:noFill/>
-          </a:ln>
-        </p:spPr>
-        <p:txBody>
-          <a:bodyPr spcFirstLastPara="1" wrap="square" lIns="91425" tIns="45700" rIns="91425" bIns="45700" anchor="t" anchorCtr="0">
-            <a:spAutoFit/>
-          </a:bodyPr>
-          <a:lstStyle/>
-          <a:p>
-            <a:pPr marL="457200" marR="0" lvl="1" indent="0" algn="l" rtl="0">
-              <a:spcBef>
-                <a:spcPts val="0"/>
-              </a:spcBef>
-              <a:spcAft>
-                <a:spcPts val="0"/>
-              </a:spcAft>
-              <a:buNone/>
-            </a:pPr>
-            <a:r>
-              <a:rPr lang="tr-TR" sz="4000" b="0" i="0" u="none" strike="noStrike" cap="none" dirty="0" smtClean="0">
-                <a:solidFill>
-                  <a:schemeClr val="lt1"/>
-                </a:solidFill>
-                <a:latin typeface="Times New Roman"/>
-                <a:ea typeface="Times New Roman"/>
-                <a:cs typeface="Times New Roman"/>
-                <a:sym typeface="Times New Roman"/>
-              </a:rPr>
-              <a:t>Title</a:t>
-            </a:r>
-            <a:endParaRPr sz="3200" b="0" i="0" u="none" strike="noStrike" cap="none" dirty="0">
-              <a:solidFill>
-                <a:schemeClr val="lt1"/>
-              </a:solidFill>
-              <a:latin typeface="Times New Roman"/>
-              <a:ea typeface="Times New Roman"/>
-              <a:cs typeface="Times New Roman"/>
-              <a:sym typeface="Times New Roman"/>
-            </a:endParaRPr>
-          </a:p>
-        </p:txBody>
-      </p:sp>
-      <p:sp>
-        <p:nvSpPr>
           <p:cNvPr id="10" name="Google Shape;101;p2"/>
           <p:cNvSpPr txBox="1"/>
           <p:nvPr/>
@@ -15433,331 +17520,16 @@
           </a:p>
         </p:txBody>
       </p:sp>
-    </p:spTree>
-  </p:cSld>
-  <p:clrMapOvr>
-    <a:masterClrMapping/>
-  </p:clrMapOvr>
-</p:sld>
-</file>
-
-<file path=ppt/slides/slide6.xml><?xml version="1.0" encoding="utf-8"?>
-<p:sld xmlns:a="http://schemas.openxmlformats.org/drawingml/2006/main" xmlns:r="http://schemas.openxmlformats.org/officeDocument/2006/relationships" xmlns:p="http://schemas.openxmlformats.org/presentationml/2006/main">
-  <p:cSld>
-    <p:spTree>
-      <p:nvGrpSpPr>
-        <p:cNvPr id="1" name="">
-          <a:extLst>
-            <a:ext uri="{FF2B5EF4-FFF2-40B4-BE49-F238E27FC236}">
-              <a16:creationId xmlns:a16="http://schemas.microsoft.com/office/drawing/2014/main" id="{C5FD5842-DFA1-8E0D-5E09-64DB157E4955}"/>
-            </a:ext>
-          </a:extLst>
-        </p:cNvPr>
-        <p:cNvGrpSpPr/>
-        <p:nvPr/>
-      </p:nvGrpSpPr>
-      <p:grpSpPr>
-        <a:xfrm>
-          <a:off x="0" y="0"/>
-          <a:ext cx="0" cy="0"/>
-          <a:chOff x="0" y="0"/>
-          <a:chExt cx="0" cy="0"/>
-        </a:xfrm>
-      </p:grpSpPr>
-      <p:pic>
-        <p:nvPicPr>
-          <p:cNvPr id="15" name="Content Placeholder 14">
-            <a:extLst>
-              <a:ext uri="{FF2B5EF4-FFF2-40B4-BE49-F238E27FC236}">
-                <a16:creationId xmlns:a16="http://schemas.microsoft.com/office/drawing/2014/main" id="{301B4E05-458D-F9B0-B3FE-015BC04A9336}"/>
-              </a:ext>
-            </a:extLst>
-          </p:cNvPr>
-          <p:cNvPicPr>
-            <a:picLocks noGrp="1" noChangeAspect="1"/>
-          </p:cNvPicPr>
-          <p:nvPr>
-            <p:ph idx="1"/>
-          </p:nvPr>
-        </p:nvPicPr>
-        <p:blipFill rotWithShape="1">
-          <a:blip r:embed="rId3">
-            <a:extLst>
-              <a:ext uri="{28A0092B-C50C-407E-A947-70E740481C1C}">
-                <a14:useLocalDpi xmlns:a14="http://schemas.microsoft.com/office/drawing/2010/main" val="0"/>
-              </a:ext>
-            </a:extLst>
-          </a:blip>
-          <a:srcRect t="84370"/>
-          <a:stretch/>
-        </p:blipFill>
-        <p:spPr>
-          <a:xfrm>
-            <a:off x="-1" y="11120423"/>
-            <a:ext cx="21855113" cy="1173177"/>
-          </a:xfrm>
-        </p:spPr>
-      </p:pic>
-      <p:pic>
-        <p:nvPicPr>
-          <p:cNvPr id="10" name="Picture 2" descr="İstanbul Teknik Üniversitesi | İTÜ | İTÜ 1773">
-            <a:extLst>
-              <a:ext uri="{FF2B5EF4-FFF2-40B4-BE49-F238E27FC236}">
-                <a16:creationId xmlns:a16="http://schemas.microsoft.com/office/drawing/2014/main" id="{E7124449-9DCA-E652-F5D9-8ADA8D3746BA}"/>
-              </a:ext>
-            </a:extLst>
-          </p:cNvPr>
-          <p:cNvPicPr>
-            <a:picLocks noChangeAspect="1" noChangeArrowheads="1"/>
-          </p:cNvPicPr>
-          <p:nvPr/>
-        </p:nvPicPr>
-        <p:blipFill>
-          <a:blip r:embed="rId4">
-            <a:extLst>
-              <a:ext uri="{28A0092B-C50C-407E-A947-70E740481C1C}">
-                <a14:useLocalDpi xmlns:a14="http://schemas.microsoft.com/office/drawing/2010/main" val="0"/>
-              </a:ext>
-            </a:extLst>
-          </a:blip>
-          <a:srcRect/>
-          <a:stretch>
-            <a:fillRect/>
-          </a:stretch>
-        </p:blipFill>
-        <p:spPr bwMode="auto">
-          <a:xfrm>
-            <a:off x="0" y="11226603"/>
-            <a:ext cx="1605279" cy="978828"/>
-          </a:xfrm>
-          <a:prstGeom prst="rect">
-            <a:avLst/>
-          </a:prstGeom>
-          <a:noFill/>
-          <a:extLst>
-            <a:ext uri="{909E8E84-426E-40DD-AFC4-6F175D3DCCD1}">
-              <a14:hiddenFill xmlns:a14="http://schemas.microsoft.com/office/drawing/2010/main">
-                <a:solidFill>
-                  <a:srgbClr val="FFFFFF"/>
-                </a:solidFill>
-              </a14:hiddenFill>
-            </a:ext>
-          </a:extLst>
-        </p:spPr>
-      </p:pic>
-      <p:pic>
-        <p:nvPicPr>
-          <p:cNvPr id="7" name="Picture 6">
-            <a:extLst>
-              <a:ext uri="{FF2B5EF4-FFF2-40B4-BE49-F238E27FC236}">
-                <a16:creationId xmlns:a16="http://schemas.microsoft.com/office/drawing/2014/main" id="{58BD64A2-36D8-FB1C-A84A-BCE8430B1E71}"/>
-              </a:ext>
-            </a:extLst>
-          </p:cNvPr>
-          <p:cNvPicPr>
-            <a:picLocks noChangeAspect="1"/>
-          </p:cNvPicPr>
-          <p:nvPr/>
-        </p:nvPicPr>
-        <p:blipFill rotWithShape="1">
-          <a:blip r:embed="rId3">
-            <a:extLst>
-              <a:ext uri="{28A0092B-C50C-407E-A947-70E740481C1C}">
-                <a14:useLocalDpi xmlns:a14="http://schemas.microsoft.com/office/drawing/2010/main" val="0"/>
-              </a:ext>
-            </a:extLst>
-          </a:blip>
-          <a:srcRect b="89146"/>
-          <a:stretch/>
-        </p:blipFill>
-        <p:spPr>
-          <a:xfrm>
-            <a:off x="-1" y="-80212"/>
-            <a:ext cx="21855113" cy="1334531"/>
-          </a:xfrm>
-          <a:prstGeom prst="rect">
-            <a:avLst/>
-          </a:prstGeom>
-        </p:spPr>
-      </p:pic>
       <p:sp>
         <p:nvSpPr>
-          <p:cNvPr id="19" name="Google Shape;101;p2"/>
-          <p:cNvSpPr txBox="1"/>
-          <p:nvPr/>
-        </p:nvSpPr>
-        <p:spPr>
-          <a:xfrm>
-            <a:off x="8536191" y="11579286"/>
-            <a:ext cx="4146151" cy="584775"/>
-          </a:xfrm>
-          <a:prstGeom prst="rect">
-            <a:avLst/>
-          </a:prstGeom>
-          <a:noFill/>
-          <a:ln>
-            <a:noFill/>
-          </a:ln>
-        </p:spPr>
-        <p:txBody>
-          <a:bodyPr spcFirstLastPara="1" wrap="square" lIns="91425" tIns="45700" rIns="91425" bIns="45700" anchor="t" anchorCtr="0">
-            <a:spAutoFit/>
-          </a:bodyPr>
-          <a:lstStyle/>
-          <a:p>
-            <a:pPr marL="0" marR="0" lvl="0" indent="0" algn="l" rtl="0">
-              <a:spcBef>
-                <a:spcPts val="0"/>
-              </a:spcBef>
-              <a:spcAft>
-                <a:spcPts val="0"/>
-              </a:spcAft>
-              <a:buNone/>
-            </a:pPr>
-            <a:r>
-              <a:rPr lang="en-US" sz="3200" b="0" i="0" u="none" strike="noStrike" cap="none" dirty="0">
-                <a:solidFill>
-                  <a:schemeClr val="lt1"/>
-                </a:solidFill>
-                <a:latin typeface="Times New Roman"/>
-                <a:ea typeface="Times New Roman"/>
-                <a:cs typeface="Times New Roman"/>
-                <a:sym typeface="Times New Roman"/>
-              </a:rPr>
-              <a:t>Presenter: </a:t>
-            </a:r>
-            <a:r>
-              <a:rPr lang="tr-TR" sz="3200" b="0" i="0" u="none" strike="noStrike" cap="none" dirty="0" smtClean="0">
-                <a:solidFill>
-                  <a:schemeClr val="lt1"/>
-                </a:solidFill>
-                <a:latin typeface="Times New Roman"/>
-                <a:ea typeface="Times New Roman"/>
-                <a:cs typeface="Times New Roman"/>
-                <a:sym typeface="Times New Roman"/>
-              </a:rPr>
-              <a:t>Lorem Ipsum</a:t>
-            </a:r>
-            <a:endParaRPr dirty="0"/>
-          </a:p>
-        </p:txBody>
-      </p:sp>
-      <p:sp>
-        <p:nvSpPr>
-          <p:cNvPr id="20" name="Google Shape;99;p2"/>
-          <p:cNvSpPr txBox="1"/>
-          <p:nvPr/>
-        </p:nvSpPr>
-        <p:spPr>
-          <a:xfrm>
-            <a:off x="15801870" y="11579285"/>
-            <a:ext cx="3264136" cy="584775"/>
-          </a:xfrm>
-          <a:prstGeom prst="rect">
-            <a:avLst/>
-          </a:prstGeom>
-          <a:noFill/>
-          <a:ln>
-            <a:noFill/>
-          </a:ln>
-        </p:spPr>
-        <p:txBody>
-          <a:bodyPr spcFirstLastPara="1" wrap="square" lIns="91425" tIns="45700" rIns="91425" bIns="45700" anchor="t" anchorCtr="0">
-            <a:spAutoFit/>
-          </a:bodyPr>
-          <a:lstStyle/>
-          <a:p>
-            <a:pPr marL="0" marR="0" lvl="0" indent="0" algn="r" rtl="0">
-              <a:spcBef>
-                <a:spcPts val="0"/>
-              </a:spcBef>
-              <a:spcAft>
-                <a:spcPts val="0"/>
-              </a:spcAft>
-              <a:buNone/>
-            </a:pPr>
-            <a:r>
-              <a:rPr lang="tr-TR" sz="3200" b="0" i="0" u="none" strike="noStrike" cap="none" dirty="0" smtClean="0">
-                <a:solidFill>
-                  <a:schemeClr val="lt1"/>
-                </a:solidFill>
-                <a:latin typeface="Times New Roman"/>
-                <a:ea typeface="Times New Roman"/>
-                <a:cs typeface="Times New Roman"/>
-                <a:sym typeface="Times New Roman"/>
-              </a:rPr>
-              <a:t>XX</a:t>
-            </a:r>
-            <a:r>
-              <a:rPr lang="en-US" sz="3200" b="0" i="0" u="none" strike="noStrike" cap="none" dirty="0" smtClean="0">
-                <a:solidFill>
-                  <a:schemeClr val="lt1"/>
-                </a:solidFill>
-                <a:latin typeface="Times New Roman"/>
-                <a:ea typeface="Times New Roman"/>
-                <a:cs typeface="Times New Roman"/>
-                <a:sym typeface="Times New Roman"/>
-              </a:rPr>
-              <a:t>/</a:t>
-            </a:r>
-            <a:r>
-              <a:rPr lang="tr-TR" sz="3200" b="0" i="0" u="none" strike="noStrike" cap="none" dirty="0" smtClean="0">
-                <a:solidFill>
-                  <a:schemeClr val="lt1"/>
-                </a:solidFill>
-                <a:latin typeface="Times New Roman"/>
-                <a:ea typeface="Times New Roman"/>
-                <a:cs typeface="Times New Roman"/>
-                <a:sym typeface="Times New Roman"/>
-              </a:rPr>
-              <a:t>06</a:t>
-            </a:r>
-            <a:r>
-              <a:rPr lang="en-US" sz="3200" b="0" i="0" u="none" strike="noStrike" cap="none" dirty="0" smtClean="0">
-                <a:solidFill>
-                  <a:schemeClr val="lt1"/>
-                </a:solidFill>
-                <a:latin typeface="Times New Roman"/>
-                <a:ea typeface="Times New Roman"/>
-                <a:cs typeface="Times New Roman"/>
-                <a:sym typeface="Times New Roman"/>
-              </a:rPr>
-              <a:t>/202</a:t>
-            </a:r>
-            <a:r>
-              <a:rPr lang="tr-TR" sz="3200" b="0" i="0" u="none" strike="noStrike" cap="none" dirty="0" smtClean="0">
-                <a:solidFill>
-                  <a:schemeClr val="lt1"/>
-                </a:solidFill>
-                <a:latin typeface="Times New Roman"/>
-                <a:ea typeface="Times New Roman"/>
-                <a:cs typeface="Times New Roman"/>
-                <a:sym typeface="Times New Roman"/>
-              </a:rPr>
-              <a:t>5</a:t>
-            </a:r>
-            <a:endParaRPr sz="3200" b="0" i="0" u="none" strike="noStrike" cap="none" dirty="0">
-              <a:solidFill>
-                <a:schemeClr val="lt1"/>
-              </a:solidFill>
-              <a:latin typeface="Times New Roman"/>
-              <a:ea typeface="Times New Roman"/>
-              <a:cs typeface="Times New Roman"/>
-              <a:sym typeface="Times New Roman"/>
-            </a:endParaRPr>
-          </a:p>
-        </p:txBody>
-      </p:sp>
-      <p:sp>
-        <p:nvSpPr>
-          <p:cNvPr id="21" name="Google Shape;214;p10"/>
+          <p:cNvPr id="9" name="Google Shape;100;p2"/>
           <p:cNvSpPr/>
           <p:nvPr/>
         </p:nvSpPr>
         <p:spPr>
           <a:xfrm>
-            <a:off x="0" y="145981"/>
-            <a:ext cx="15133320" cy="707886"/>
+            <a:off x="-1" y="246199"/>
+            <a:ext cx="11567873" cy="784830"/>
           </a:xfrm>
           <a:prstGeom prst="rect">
             <a:avLst/>
@@ -15783,7 +17555,7 @@
               <a:buNone/>
             </a:pPr>
             <a:r>
-              <a:rPr lang="tr-TR" sz="4000" b="0" i="0" u="none" strike="noStrike" cap="none" dirty="0" smtClean="0">
+              <a:rPr lang="tr-TR" sz="4500" b="0" i="0" u="none" strike="noStrike" cap="none" dirty="0" smtClean="0">
                 <a:solidFill>
                   <a:schemeClr val="lt1"/>
                 </a:solidFill>
@@ -15792,46 +17564,31 @@
                 <a:cs typeface="Times New Roman"/>
                 <a:sym typeface="Times New Roman"/>
               </a:rPr>
-              <a:t>Simulation Results</a:t>
+              <a:t>3. Nihai Sınırlılık</a:t>
             </a:r>
-            <a:endParaRPr sz="3200" b="0" i="0" u="none" strike="noStrike" cap="none" dirty="0">
-              <a:solidFill>
-                <a:schemeClr val="lt1"/>
-              </a:solidFill>
-              <a:latin typeface="Times New Roman"/>
-              <a:ea typeface="Times New Roman"/>
-              <a:cs typeface="Times New Roman"/>
-              <a:sym typeface="Times New Roman"/>
-            </a:endParaRPr>
+            <a:endParaRPr dirty="0"/>
           </a:p>
         </p:txBody>
       </p:sp>
     </p:spTree>
     <p:extLst>
       <p:ext uri="{BB962C8B-B14F-4D97-AF65-F5344CB8AC3E}">
-        <p14:creationId xmlns:p14="http://schemas.microsoft.com/office/powerpoint/2010/main" val="3657620825"/>
+        <p14:creationId xmlns:p14="http://schemas.microsoft.com/office/powerpoint/2010/main" val="2607822955"/>
       </p:ext>
     </p:extLst>
   </p:cSld>
   <p:clrMapOvr>
     <a:masterClrMapping/>
   </p:clrMapOvr>
-  <p:timing>
-    <p:tnLst>
-      <p:par>
-        <p:cTn id="1" dur="indefinite" restart="never" nodeType="tmRoot"/>
-      </p:par>
-    </p:tnLst>
-  </p:timing>
 </p:sld>
 </file>
 
-<file path=ppt/slides/slide7.xml><?xml version="1.0" encoding="utf-8"?>
+<file path=ppt/slides/slide8.xml><?xml version="1.0" encoding="utf-8"?>
 <p:sld xmlns:a="http://schemas.openxmlformats.org/drawingml/2006/main" xmlns:r="http://schemas.openxmlformats.org/officeDocument/2006/relationships" xmlns:p="http://schemas.openxmlformats.org/presentationml/2006/main">
   <p:cSld>
     <p:spTree>
       <p:nvGrpSpPr>
-        <p:cNvPr id="1" name="Shape 302"/>
+        <p:cNvPr id="1" name="Shape 210"/>
         <p:cNvGrpSpPr/>
         <p:nvPr/>
       </p:nvGrpSpPr>
@@ -15845,7 +17602,7 @@
       </p:grpSpPr>
       <p:pic>
         <p:nvPicPr>
-          <p:cNvPr id="303" name="Google Shape;303;p15"/>
+          <p:cNvPr id="211" name="Google Shape;211;p10"/>
           <p:cNvPicPr preferRelativeResize="0">
             <a:picLocks noGrp="1"/>
           </p:cNvPicPr>
@@ -15862,8 +17619,8 @@
         </p:blipFill>
         <p:spPr>
           <a:xfrm>
-            <a:off x="0" y="11196656"/>
-            <a:ext cx="21943420" cy="1173177"/>
+            <a:off x="-1" y="11120423"/>
+            <a:ext cx="21855113" cy="1173177"/>
           </a:xfrm>
           <a:prstGeom prst="rect">
             <a:avLst/>
@@ -15876,7 +17633,7 @@
       </p:pic>
       <p:pic>
         <p:nvPicPr>
-          <p:cNvPr id="304" name="Google Shape;304;p15" descr="İstanbul Teknik Üniversitesi | İTÜ | İTÜ 1773"/>
+          <p:cNvPr id="212" name="Google Shape;212;p10" descr="İstanbul Teknik Üniversitesi | İTÜ | İTÜ 1773"/>
           <p:cNvPicPr preferRelativeResize="0"/>
           <p:nvPr/>
         </p:nvPicPr>
@@ -15889,7 +17646,7 @@
         </p:blipFill>
         <p:spPr>
           <a:xfrm>
-            <a:off x="-22615" y="11196656"/>
+            <a:off x="0" y="11226603"/>
             <a:ext cx="1605279" cy="978828"/>
           </a:xfrm>
           <a:prstGeom prst="rect">
@@ -15903,7 +17660,7 @@
       </p:pic>
       <p:pic>
         <p:nvPicPr>
-          <p:cNvPr id="305" name="Google Shape;305;p15"/>
+          <p:cNvPr id="213" name="Google Shape;213;p10"/>
           <p:cNvPicPr preferRelativeResize="0"/>
           <p:nvPr/>
         </p:nvPicPr>
@@ -15930,372 +17687,7 @@
       </p:pic>
       <p:sp>
         <p:nvSpPr>
-          <p:cNvPr id="306" name="Google Shape;306;p15"/>
-          <p:cNvSpPr/>
-          <p:nvPr/>
-        </p:nvSpPr>
-        <p:spPr>
-          <a:xfrm>
-            <a:off x="0" y="233110"/>
-            <a:ext cx="11567873" cy="707886"/>
-          </a:xfrm>
-          <a:prstGeom prst="rect">
-            <a:avLst/>
-          </a:prstGeom>
-          <a:noFill/>
-          <a:ln>
-            <a:noFill/>
-          </a:ln>
-        </p:spPr>
-        <p:txBody>
-          <a:bodyPr spcFirstLastPara="1" wrap="square" lIns="91425" tIns="45700" rIns="91425" bIns="45700" anchor="t" anchorCtr="0">
-            <a:spAutoFit/>
-          </a:bodyPr>
-          <a:lstStyle/>
-          <a:p>
-            <a:pPr marL="457200" marR="0" lvl="1" indent="0" algn="l" rtl="0">
-              <a:spcBef>
-                <a:spcPts val="0"/>
-              </a:spcBef>
-              <a:spcAft>
-                <a:spcPts val="0"/>
-              </a:spcAft>
-              <a:buNone/>
-            </a:pPr>
-            <a:r>
-              <a:rPr lang="en-US" sz="4000" b="0" i="0" u="none" strike="noStrike" cap="none">
-                <a:solidFill>
-                  <a:schemeClr val="lt1"/>
-                </a:solidFill>
-                <a:latin typeface="Times New Roman"/>
-                <a:ea typeface="Times New Roman"/>
-                <a:cs typeface="Times New Roman"/>
-                <a:sym typeface="Times New Roman"/>
-              </a:rPr>
-              <a:t>References </a:t>
-            </a:r>
-            <a:endParaRPr sz="3200" b="0" i="0" u="none" strike="noStrike" cap="none">
-              <a:solidFill>
-                <a:schemeClr val="lt1"/>
-              </a:solidFill>
-              <a:latin typeface="Times New Roman"/>
-              <a:ea typeface="Times New Roman"/>
-              <a:cs typeface="Times New Roman"/>
-              <a:sym typeface="Times New Roman"/>
-            </a:endParaRPr>
-          </a:p>
-        </p:txBody>
-      </p:sp>
-      <p:sp>
-        <p:nvSpPr>
-          <p:cNvPr id="308" name="Google Shape;308;p15"/>
-          <p:cNvSpPr txBox="1"/>
-          <p:nvPr/>
-        </p:nvSpPr>
-        <p:spPr>
-          <a:xfrm>
-            <a:off x="321087" y="1906373"/>
-            <a:ext cx="20975359" cy="6247864"/>
-          </a:xfrm>
-          <a:prstGeom prst="rect">
-            <a:avLst/>
-          </a:prstGeom>
-          <a:noFill/>
-          <a:ln>
-            <a:noFill/>
-          </a:ln>
-        </p:spPr>
-        <p:txBody>
-          <a:bodyPr spcFirstLastPara="1" wrap="square" lIns="91425" tIns="45700" rIns="91425" bIns="45700" anchor="t" anchorCtr="0">
-            <a:spAutoFit/>
-          </a:bodyPr>
-          <a:lstStyle/>
-          <a:p>
-            <a:pPr marL="0" marR="0" lvl="0" indent="0" algn="l" rtl="0">
-              <a:spcBef>
-                <a:spcPts val="0"/>
-              </a:spcBef>
-              <a:spcAft>
-                <a:spcPts val="0"/>
-              </a:spcAft>
-              <a:buNone/>
-            </a:pPr>
-            <a:r>
-              <a:rPr lang="en-US" sz="3200">
-                <a:solidFill>
-                  <a:schemeClr val="dk1"/>
-                </a:solidFill>
-                <a:latin typeface="Calibri"/>
-                <a:ea typeface="Calibri"/>
-                <a:cs typeface="Calibri"/>
-                <a:sym typeface="Calibri"/>
-              </a:rPr>
-              <a:t>[1] S. Kalaycioglu and A. De Ruiter, "Passivity based nonlinear model predictive control (PNMPC) of multi-robot systems for space applications," </a:t>
-            </a:r>
-            <a:r>
-              <a:rPr lang="en-US" sz="3200" i="1">
-                <a:solidFill>
-                  <a:schemeClr val="dk1"/>
-                </a:solidFill>
-                <a:latin typeface="Calibri"/>
-                <a:ea typeface="Calibri"/>
-                <a:cs typeface="Calibri"/>
-                <a:sym typeface="Calibri"/>
-              </a:rPr>
-              <a:t>Frontiers in Robotics and AI</a:t>
-            </a:r>
-            <a:r>
-              <a:rPr lang="en-US" sz="3200">
-                <a:solidFill>
-                  <a:schemeClr val="dk1"/>
-                </a:solidFill>
-                <a:latin typeface="Calibri"/>
-                <a:ea typeface="Calibri"/>
-                <a:cs typeface="Calibri"/>
-                <a:sym typeface="Calibri"/>
-              </a:rPr>
-              <a:t>, vol. 10, Jun. 2023, doi: 10.3389/frobt.2023.1181128. </a:t>
-            </a:r>
-            <a:r>
-              <a:rPr lang="en-US" sz="3200" u="sng">
-                <a:solidFill>
-                  <a:schemeClr val="dk1"/>
-                </a:solidFill>
-                <a:latin typeface="Calibri"/>
-                <a:ea typeface="Calibri"/>
-                <a:cs typeface="Calibri"/>
-                <a:sym typeface="Calibri"/>
-                <a:hlinkClick r:id="rId5">
-                  <a:extLst>
-                    <a:ext uri="{A12FA001-AC4F-418D-AE19-62706E023703}">
-                      <ahyp:hlinkClr xmlns="" xmlns:mc="http://schemas.openxmlformats.org/markup-compatibility/2006" xmlns:mv="urn:schemas-microsoft-com:mac:vml" xmlns:c="http://schemas.openxmlformats.org/drawingml/2006/chart" xmlns:dgm="http://schemas.openxmlformats.org/drawingml/2006/diagram" xmlns:o="urn:schemas-microsoft-com:office:office" xmlns:v="urn:schemas-microsoft-com:vml" xmlns:pvml="urn:schemas-microsoft-com:office:powerpoint" xmlns:com="http://schemas.openxmlformats.org/drawingml/2006/compatibility" xmlns:p14="http://schemas.microsoft.com/office/powerpoint/2010/main" xmlns:p15="http://schemas.microsoft.com/office/powerpoint/2012/main" xmlns:ahyp="http://schemas.microsoft.com/office/drawing/2018/hyperlinkcolor" val="tx"/>
-                    </a:ext>
-                  </a:extLst>
-                </a:hlinkClick>
-              </a:rPr>
-              <a:t>Frontiers</a:t>
-            </a:r>
-            <a:endParaRPr sz="3200">
-              <a:solidFill>
-                <a:schemeClr val="dk1"/>
-              </a:solidFill>
-              <a:latin typeface="Calibri"/>
-              <a:ea typeface="Calibri"/>
-              <a:cs typeface="Calibri"/>
-              <a:sym typeface="Calibri"/>
-            </a:endParaRPr>
-          </a:p>
-          <a:p>
-            <a:pPr marL="457200" marR="0" lvl="1" indent="0" algn="l" rtl="0">
-              <a:lnSpc>
-                <a:spcPct val="457142"/>
-              </a:lnSpc>
-              <a:spcBef>
-                <a:spcPts val="0"/>
-              </a:spcBef>
-              <a:spcAft>
-                <a:spcPts val="0"/>
-              </a:spcAft>
-              <a:buNone/>
-            </a:pPr>
-            <a:endParaRPr sz="1050" b="0" i="0" u="none" strike="noStrike" cap="none">
-              <a:solidFill>
-                <a:schemeClr val="dk1"/>
-              </a:solidFill>
-              <a:latin typeface="Calibri"/>
-              <a:ea typeface="Calibri"/>
-              <a:cs typeface="Calibri"/>
-              <a:sym typeface="Calibri"/>
-            </a:endParaRPr>
-          </a:p>
-          <a:p>
-            <a:pPr marL="0" marR="0" lvl="0" indent="0" algn="l" rtl="0">
-              <a:spcBef>
-                <a:spcPts val="0"/>
-              </a:spcBef>
-              <a:spcAft>
-                <a:spcPts val="0"/>
-              </a:spcAft>
-              <a:buNone/>
-            </a:pPr>
-            <a:r>
-              <a:rPr lang="en-US" sz="3200" b="0" i="0" u="none" strike="noStrike">
-                <a:solidFill>
-                  <a:schemeClr val="dk1"/>
-                </a:solidFill>
-                <a:latin typeface="Calibri"/>
-                <a:ea typeface="Calibri"/>
-                <a:cs typeface="Calibri"/>
-                <a:sym typeface="Calibri"/>
-              </a:rPr>
-              <a:t>[2] J. Virgili-Llop et al., “SPART: an open-source modeling and controltoolkit for mobile-base robotic multibody systems with kinematic tree topologies,” https://github.com/NPS-SRL/SPART, accessed: 2024-12-23.</a:t>
-            </a:r>
-            <a:endParaRPr/>
-          </a:p>
-          <a:p>
-            <a:pPr marL="0" marR="0" lvl="0" indent="0" algn="l" rtl="0">
-              <a:spcBef>
-                <a:spcPts val="0"/>
-              </a:spcBef>
-              <a:spcAft>
-                <a:spcPts val="0"/>
-              </a:spcAft>
-              <a:buNone/>
-            </a:pPr>
-            <a:endParaRPr sz="3200" b="0" i="0" u="none" strike="noStrike">
-              <a:solidFill>
-                <a:schemeClr val="dk1"/>
-              </a:solidFill>
-              <a:latin typeface="Calibri"/>
-              <a:ea typeface="Calibri"/>
-              <a:cs typeface="Calibri"/>
-              <a:sym typeface="Calibri"/>
-            </a:endParaRPr>
-          </a:p>
-          <a:p>
-            <a:pPr marL="0" marR="0" lvl="0" indent="0" algn="l" rtl="0">
-              <a:spcBef>
-                <a:spcPts val="0"/>
-              </a:spcBef>
-              <a:spcAft>
-                <a:spcPts val="0"/>
-              </a:spcAft>
-              <a:buNone/>
-            </a:pPr>
-            <a:r>
-              <a:rPr lang="en-US" sz="3200" b="0" i="0" u="none" strike="noStrike">
-                <a:solidFill>
-                  <a:schemeClr val="dk1"/>
-                </a:solidFill>
-                <a:latin typeface="Calibri"/>
-                <a:ea typeface="Calibri"/>
-                <a:cs typeface="Calibri"/>
-                <a:sym typeface="Calibri"/>
-              </a:rPr>
-              <a:t>[3] Particle swarm optimization algorithm. MathWorks. Accessed: 2024-12-22. [Online]. Available: https://www.mathworks.</a:t>
-            </a:r>
-            <a:endParaRPr/>
-          </a:p>
-          <a:p>
-            <a:pPr marL="0" marR="0" lvl="0" indent="0" algn="l" rtl="0">
-              <a:spcBef>
-                <a:spcPts val="0"/>
-              </a:spcBef>
-              <a:spcAft>
-                <a:spcPts val="0"/>
-              </a:spcAft>
-              <a:buNone/>
-            </a:pPr>
-            <a:r>
-              <a:rPr lang="en-US" sz="3200" b="0" i="0" u="none" strike="noStrike">
-                <a:solidFill>
-                  <a:schemeClr val="dk1"/>
-                </a:solidFill>
-                <a:latin typeface="Calibri"/>
-                <a:ea typeface="Calibri"/>
-                <a:cs typeface="Calibri"/>
-                <a:sym typeface="Calibri"/>
-              </a:rPr>
-              <a:t>com/help/gads/particle-swarm-optimization-algorithm.html#mw2863346e-1472-40fc-96d8-af5b3085962b</a:t>
-            </a:r>
-            <a:r>
-              <a:rPr lang="en-US" sz="3200">
-                <a:solidFill>
-                  <a:schemeClr val="dk1"/>
-                </a:solidFill>
-                <a:latin typeface="Calibri"/>
-                <a:ea typeface="Calibri"/>
-                <a:cs typeface="Calibri"/>
-                <a:sym typeface="Calibri"/>
-              </a:rPr>
-              <a:t> </a:t>
-            </a:r>
-            <a:endParaRPr/>
-          </a:p>
-          <a:p>
-            <a:pPr marL="0" marR="0" lvl="0" indent="0" algn="l" rtl="0">
-              <a:spcBef>
-                <a:spcPts val="0"/>
-              </a:spcBef>
-              <a:spcAft>
-                <a:spcPts val="0"/>
-              </a:spcAft>
-              <a:buNone/>
-            </a:pPr>
-            <a:endParaRPr sz="3200">
-              <a:solidFill>
-                <a:schemeClr val="dk1"/>
-              </a:solidFill>
-              <a:latin typeface="Calibri"/>
-              <a:ea typeface="Calibri"/>
-              <a:cs typeface="Calibri"/>
-              <a:sym typeface="Calibri"/>
-            </a:endParaRPr>
-          </a:p>
-          <a:p>
-            <a:pPr marL="0" marR="0" lvl="0" indent="0" algn="l" rtl="0">
-              <a:spcBef>
-                <a:spcPts val="0"/>
-              </a:spcBef>
-              <a:spcAft>
-                <a:spcPts val="0"/>
-              </a:spcAft>
-              <a:buNone/>
-            </a:pPr>
-            <a:r>
-              <a:rPr lang="en-US" sz="3200">
-                <a:solidFill>
-                  <a:schemeClr val="dk1"/>
-                </a:solidFill>
-                <a:latin typeface="Calibri"/>
-                <a:ea typeface="Calibri"/>
-                <a:cs typeface="Calibri"/>
-                <a:sym typeface="Calibri"/>
-              </a:rPr>
-              <a:t>[4] </a:t>
-            </a:r>
-            <a:r>
-              <a:rPr lang="en-US" sz="3200" b="0" i="0" u="none" strike="noStrike">
-                <a:solidFill>
-                  <a:schemeClr val="dk1"/>
-                </a:solidFill>
-                <a:latin typeface="Calibri"/>
-                <a:ea typeface="Calibri"/>
-                <a:cs typeface="Calibri"/>
-                <a:sym typeface="Calibri"/>
-              </a:rPr>
-              <a:t>Y. Liu, Z. Jin, and L. Teng, “Pso-based time optimal rapid orientation for micronano space robot,” IEEE Transactions on Aerospace and Electronic Systems, vol. 59, no. 2, pp. 1921–1934, 2023.</a:t>
-            </a:r>
-            <a:endParaRPr/>
-          </a:p>
-          <a:p>
-            <a:pPr marL="685239" marR="0" lvl="1" indent="0" algn="l" rtl="0">
-              <a:lnSpc>
-                <a:spcPct val="457142"/>
-              </a:lnSpc>
-              <a:spcBef>
-                <a:spcPts val="0"/>
-              </a:spcBef>
-              <a:spcAft>
-                <a:spcPts val="0"/>
-              </a:spcAft>
-              <a:buNone/>
-            </a:pPr>
-            <a:endParaRPr sz="1050" b="0" i="0" u="none" strike="noStrike" cap="none">
-              <a:solidFill>
-                <a:schemeClr val="dk1"/>
-              </a:solidFill>
-              <a:latin typeface="Times New Roman"/>
-              <a:ea typeface="Times New Roman"/>
-              <a:cs typeface="Times New Roman"/>
-              <a:sym typeface="Times New Roman"/>
-            </a:endParaRPr>
-          </a:p>
-        </p:txBody>
-      </p:sp>
-      <p:sp>
-        <p:nvSpPr>
-          <p:cNvPr id="9" name="Google Shape;101;p2"/>
+          <p:cNvPr id="10" name="Google Shape;101;p2"/>
           <p:cNvSpPr txBox="1"/>
           <p:nvPr/>
         </p:nvSpPr>
@@ -16357,7 +17749,7 @@
       </p:sp>
       <p:sp>
         <p:nvSpPr>
-          <p:cNvPr id="10" name="Google Shape;99;p2"/>
+          <p:cNvPr id="11" name="Google Shape;99;p2"/>
           <p:cNvSpPr txBox="1"/>
           <p:nvPr/>
         </p:nvSpPr>
@@ -16461,81 +17853,16 @@
           </a:p>
         </p:txBody>
       </p:sp>
-    </p:spTree>
-  </p:cSld>
-  <p:clrMapOvr>
-    <a:masterClrMapping/>
-  </p:clrMapOvr>
-</p:sld>
-</file>
-
-<file path=ppt/slides/slide8.xml><?xml version="1.0" encoding="utf-8"?>
-<p:sld xmlns:a="http://schemas.openxmlformats.org/drawingml/2006/main" xmlns:r="http://schemas.openxmlformats.org/officeDocument/2006/relationships" xmlns:p="http://schemas.openxmlformats.org/presentationml/2006/main">
-  <p:cSld>
-    <p:bg>
-      <p:bgPr>
-        <a:blipFill>
-          <a:blip r:embed="rId3">
-            <a:alphaModFix/>
-          </a:blip>
-          <a:stretch>
-            <a:fillRect/>
-          </a:stretch>
-        </a:blipFill>
-        <a:effectLst/>
-      </p:bgPr>
-    </p:bg>
-    <p:spTree>
-      <p:nvGrpSpPr>
-        <p:cNvPr id="1" name="Shape 313"/>
-        <p:cNvGrpSpPr/>
-        <p:nvPr/>
-      </p:nvGrpSpPr>
-      <p:grpSpPr>
-        <a:xfrm>
-          <a:off x="0" y="0"/>
-          <a:ext cx="0" cy="0"/>
-          <a:chOff x="0" y="0"/>
-          <a:chExt cx="0" cy="0"/>
-        </a:xfrm>
-      </p:grpSpPr>
-      <p:pic>
-        <p:nvPicPr>
-          <p:cNvPr id="314" name="Google Shape;314;p16" descr="İstanbul Teknik Üniversitesi | İTÜ | İTÜ 1773"/>
-          <p:cNvPicPr preferRelativeResize="0"/>
-          <p:nvPr/>
-        </p:nvPicPr>
-        <p:blipFill rotWithShape="1">
-          <a:blip r:embed="rId4">
-            <a:alphaModFix/>
-          </a:blip>
-          <a:srcRect/>
-          <a:stretch/>
-        </p:blipFill>
-        <p:spPr>
-          <a:xfrm>
-            <a:off x="9028282" y="479248"/>
-            <a:ext cx="4823497" cy="2941157"/>
-          </a:xfrm>
-          <a:prstGeom prst="rect">
-            <a:avLst/>
-          </a:prstGeom>
-          <a:noFill/>
-          <a:ln>
-            <a:noFill/>
-          </a:ln>
-        </p:spPr>
-      </p:pic>
       <p:sp>
         <p:nvSpPr>
-          <p:cNvPr id="315" name="Google Shape;315;p16"/>
-          <p:cNvSpPr txBox="1"/>
+          <p:cNvPr id="9" name="Google Shape;100;p2"/>
+          <p:cNvSpPr/>
           <p:nvPr/>
         </p:nvSpPr>
         <p:spPr>
           <a:xfrm>
-            <a:off x="3294071" y="4855403"/>
-            <a:ext cx="15001103" cy="1092566"/>
+            <a:off x="-1" y="246199"/>
+            <a:ext cx="11567873" cy="784830"/>
           </a:xfrm>
           <a:prstGeom prst="rect">
             <a:avLst/>
@@ -16551,7 +17878,7 @@
           </a:bodyPr>
           <a:lstStyle/>
           <a:p>
-            <a:pPr marL="0" marR="0" lvl="0" indent="0" algn="ctr" rtl="0">
+            <a:pPr marL="457200" marR="0" lvl="1" indent="0" algn="l" rtl="0">
               <a:spcBef>
                 <a:spcPts val="0"/>
               </a:spcBef>
@@ -16561,7 +17888,7 @@
               <a:buNone/>
             </a:pPr>
             <a:r>
-              <a:rPr lang="en-US" sz="6500" dirty="0" smtClean="0">
+              <a:rPr lang="tr-TR" sz="4500" b="0" i="0" u="none" strike="noStrike" cap="none" dirty="0" smtClean="0">
                 <a:solidFill>
                   <a:schemeClr val="lt1"/>
                 </a:solidFill>
@@ -16570,10 +17897,163 @@
                 <a:cs typeface="Times New Roman"/>
                 <a:sym typeface="Times New Roman"/>
               </a:rPr>
-              <a:t>Thank</a:t>
+              <a:t>4. Switching Control</a:t>
             </a:r>
+            <a:endParaRPr dirty="0"/>
+          </a:p>
+        </p:txBody>
+      </p:sp>
+    </p:spTree>
+    <p:extLst>
+      <p:ext uri="{BB962C8B-B14F-4D97-AF65-F5344CB8AC3E}">
+        <p14:creationId xmlns:p14="http://schemas.microsoft.com/office/powerpoint/2010/main" val="1867360743"/>
+      </p:ext>
+    </p:extLst>
+  </p:cSld>
+  <p:clrMapOvr>
+    <a:masterClrMapping/>
+  </p:clrMapOvr>
+</p:sld>
+</file>
+
+<file path=ppt/slides/slide9.xml><?xml version="1.0" encoding="utf-8"?>
+<p:sld xmlns:a="http://schemas.openxmlformats.org/drawingml/2006/main" xmlns:r="http://schemas.openxmlformats.org/officeDocument/2006/relationships" xmlns:p="http://schemas.openxmlformats.org/presentationml/2006/main">
+  <p:cSld>
+    <p:spTree>
+      <p:nvGrpSpPr>
+        <p:cNvPr id="1" name="Shape 210"/>
+        <p:cNvGrpSpPr/>
+        <p:nvPr/>
+      </p:nvGrpSpPr>
+      <p:grpSpPr>
+        <a:xfrm>
+          <a:off x="0" y="0"/>
+          <a:ext cx="0" cy="0"/>
+          <a:chOff x="0" y="0"/>
+          <a:chExt cx="0" cy="0"/>
+        </a:xfrm>
+      </p:grpSpPr>
+      <p:pic>
+        <p:nvPicPr>
+          <p:cNvPr id="211" name="Google Shape;211;p10"/>
+          <p:cNvPicPr preferRelativeResize="0">
+            <a:picLocks noGrp="1"/>
+          </p:cNvPicPr>
+          <p:nvPr>
+            <p:ph type="body" idx="1"/>
+          </p:nvPr>
+        </p:nvPicPr>
+        <p:blipFill rotWithShape="1">
+          <a:blip r:embed="rId3">
+            <a:alphaModFix/>
+          </a:blip>
+          <a:srcRect t="84370"/>
+          <a:stretch/>
+        </p:blipFill>
+        <p:spPr>
+          <a:xfrm>
+            <a:off x="-1" y="11120423"/>
+            <a:ext cx="21855113" cy="1173177"/>
+          </a:xfrm>
+          <a:prstGeom prst="rect">
+            <a:avLst/>
+          </a:prstGeom>
+          <a:noFill/>
+          <a:ln>
+            <a:noFill/>
+          </a:ln>
+        </p:spPr>
+      </p:pic>
+      <p:pic>
+        <p:nvPicPr>
+          <p:cNvPr id="212" name="Google Shape;212;p10" descr="İstanbul Teknik Üniversitesi | İTÜ | İTÜ 1773"/>
+          <p:cNvPicPr preferRelativeResize="0"/>
+          <p:nvPr/>
+        </p:nvPicPr>
+        <p:blipFill rotWithShape="1">
+          <a:blip r:embed="rId4">
+            <a:alphaModFix/>
+          </a:blip>
+          <a:srcRect/>
+          <a:stretch/>
+        </p:blipFill>
+        <p:spPr>
+          <a:xfrm>
+            <a:off x="0" y="11226603"/>
+            <a:ext cx="1605279" cy="978828"/>
+          </a:xfrm>
+          <a:prstGeom prst="rect">
+            <a:avLst/>
+          </a:prstGeom>
+          <a:noFill/>
+          <a:ln>
+            <a:noFill/>
+          </a:ln>
+        </p:spPr>
+      </p:pic>
+      <p:pic>
+        <p:nvPicPr>
+          <p:cNvPr id="213" name="Google Shape;213;p10"/>
+          <p:cNvPicPr preferRelativeResize="0"/>
+          <p:nvPr/>
+        </p:nvPicPr>
+        <p:blipFill rotWithShape="1">
+          <a:blip r:embed="rId3">
+            <a:alphaModFix/>
+          </a:blip>
+          <a:srcRect b="89146"/>
+          <a:stretch/>
+        </p:blipFill>
+        <p:spPr>
+          <a:xfrm>
+            <a:off x="-1" y="-80212"/>
+            <a:ext cx="21855113" cy="1334531"/>
+          </a:xfrm>
+          <a:prstGeom prst="rect">
+            <a:avLst/>
+          </a:prstGeom>
+          <a:noFill/>
+          <a:ln>
+            <a:noFill/>
+          </a:ln>
+        </p:spPr>
+      </p:pic>
+      <p:sp>
+        <p:nvSpPr>
+          <p:cNvPr id="10" name="Google Shape;101;p2"/>
+          <p:cNvSpPr txBox="1"/>
+          <p:nvPr/>
+        </p:nvSpPr>
+        <p:spPr>
+          <a:xfrm>
+            <a:off x="8536191" y="11579286"/>
+            <a:ext cx="4146151" cy="584775"/>
+          </a:xfrm>
+          <a:prstGeom prst="rect">
+            <a:avLst/>
+          </a:prstGeom>
+          <a:noFill/>
+          <a:ln>
+            <a:noFill/>
+          </a:ln>
+        </p:spPr>
+        <p:txBody>
+          <a:bodyPr spcFirstLastPara="1" wrap="square" lIns="91425" tIns="45700" rIns="91425" bIns="45700" anchor="t" anchorCtr="0">
+            <a:spAutoFit/>
+          </a:bodyPr>
+          <a:lstStyle/>
+          <a:p>
+            <a:pPr marL="0" marR="0" lvl="0" indent="0" algn="l" rtl="0">
+              <a:spcBef>
+                <a:spcPts val="0"/>
+              </a:spcBef>
+              <a:spcAft>
+                <a:spcPts val="0"/>
+              </a:spcAft>
+              <a:buNone/>
+            </a:pPr>
             <a:r>
-              <a:rPr lang="tr-TR" sz="6500" dirty="0" smtClean="0">
+              <a:rPr lang="en-US" sz="3200" b="0" i="0" u="none" strike="noStrike" cap="none" dirty="0">
                 <a:solidFill>
                   <a:schemeClr val="lt1"/>
                 </a:solidFill>
@@ -16582,9 +18062,119 @@
                 <a:cs typeface="Times New Roman"/>
                 <a:sym typeface="Times New Roman"/>
               </a:rPr>
-              <a:t> You for Listening!</a:t>
+              <a:t>Presenter: </a:t>
             </a:r>
-            <a:endParaRPr sz="4800" b="1" dirty="0">
+            <a:r>
+              <a:rPr lang="tr-TR" sz="3200" b="0" i="0" u="none" strike="noStrike" cap="none" dirty="0" smtClean="0">
+                <a:solidFill>
+                  <a:schemeClr val="lt1"/>
+                </a:solidFill>
+                <a:latin typeface="Times New Roman"/>
+                <a:ea typeface="Times New Roman"/>
+                <a:cs typeface="Times New Roman"/>
+                <a:sym typeface="Times New Roman"/>
+              </a:rPr>
+              <a:t>Lorem Ipsum</a:t>
+            </a:r>
+            <a:endParaRPr dirty="0"/>
+          </a:p>
+        </p:txBody>
+      </p:sp>
+      <p:sp>
+        <p:nvSpPr>
+          <p:cNvPr id="11" name="Google Shape;99;p2"/>
+          <p:cNvSpPr txBox="1"/>
+          <p:nvPr/>
+        </p:nvSpPr>
+        <p:spPr>
+          <a:xfrm>
+            <a:off x="15801870" y="11579285"/>
+            <a:ext cx="3264136" cy="584775"/>
+          </a:xfrm>
+          <a:prstGeom prst="rect">
+            <a:avLst/>
+          </a:prstGeom>
+          <a:noFill/>
+          <a:ln>
+            <a:noFill/>
+          </a:ln>
+        </p:spPr>
+        <p:txBody>
+          <a:bodyPr spcFirstLastPara="1" wrap="square" lIns="91425" tIns="45700" rIns="91425" bIns="45700" anchor="t" anchorCtr="0">
+            <a:spAutoFit/>
+          </a:bodyPr>
+          <a:lstStyle/>
+          <a:p>
+            <a:pPr marL="0" marR="0" lvl="0" indent="0" algn="r" rtl="0">
+              <a:spcBef>
+                <a:spcPts val="0"/>
+              </a:spcBef>
+              <a:spcAft>
+                <a:spcPts val="0"/>
+              </a:spcAft>
+              <a:buNone/>
+            </a:pPr>
+            <a:r>
+              <a:rPr lang="tr-TR" sz="3200" b="0" i="0" u="none" strike="noStrike" cap="none" dirty="0" smtClean="0">
+                <a:solidFill>
+                  <a:schemeClr val="lt1"/>
+                </a:solidFill>
+                <a:latin typeface="Times New Roman"/>
+                <a:ea typeface="Times New Roman"/>
+                <a:cs typeface="Times New Roman"/>
+                <a:sym typeface="Times New Roman"/>
+              </a:rPr>
+              <a:t>XX</a:t>
+            </a:r>
+            <a:r>
+              <a:rPr lang="en-US" sz="3200" b="0" i="0" u="none" strike="noStrike" cap="none" dirty="0" smtClean="0">
+                <a:solidFill>
+                  <a:schemeClr val="lt1"/>
+                </a:solidFill>
+                <a:latin typeface="Times New Roman"/>
+                <a:ea typeface="Times New Roman"/>
+                <a:cs typeface="Times New Roman"/>
+                <a:sym typeface="Times New Roman"/>
+              </a:rPr>
+              <a:t>/</a:t>
+            </a:r>
+            <a:r>
+              <a:rPr lang="tr-TR" sz="3200" b="0" i="0" u="none" strike="noStrike" cap="none" dirty="0" smtClean="0">
+                <a:solidFill>
+                  <a:schemeClr val="lt1"/>
+                </a:solidFill>
+                <a:latin typeface="Times New Roman"/>
+                <a:ea typeface="Times New Roman"/>
+                <a:cs typeface="Times New Roman"/>
+                <a:sym typeface="Times New Roman"/>
+              </a:rPr>
+              <a:t>06</a:t>
+            </a:r>
+            <a:r>
+              <a:rPr lang="en-US" sz="3200" b="0" i="0" u="none" strike="noStrike" cap="none" dirty="0" smtClean="0">
+                <a:solidFill>
+                  <a:schemeClr val="lt1"/>
+                </a:solidFill>
+                <a:latin typeface="Times New Roman"/>
+                <a:ea typeface="Times New Roman"/>
+                <a:cs typeface="Times New Roman"/>
+                <a:sym typeface="Times New Roman"/>
+              </a:rPr>
+              <a:t>/202</a:t>
+            </a:r>
+            <a:r>
+              <a:rPr lang="tr-TR" sz="3200" b="0" i="0" u="none" strike="noStrike" cap="none" dirty="0" smtClean="0">
+                <a:solidFill>
+                  <a:schemeClr val="lt1"/>
+                </a:solidFill>
+                <a:latin typeface="Times New Roman"/>
+                <a:ea typeface="Times New Roman"/>
+                <a:cs typeface="Times New Roman"/>
+                <a:sym typeface="Times New Roman"/>
+              </a:rPr>
+              <a:t>5</a:t>
+            </a:r>
+            <a:endParaRPr sz="3200" b="0" i="0" u="none" strike="noStrike" cap="none" dirty="0">
               <a:solidFill>
                 <a:schemeClr val="lt1"/>
               </a:solidFill>
@@ -16596,7 +18186,74 @@
           </a:p>
         </p:txBody>
       </p:sp>
+      <p:sp>
+        <p:nvSpPr>
+          <p:cNvPr id="9" name="Google Shape;100;p2"/>
+          <p:cNvSpPr/>
+          <p:nvPr/>
+        </p:nvSpPr>
+        <p:spPr>
+          <a:xfrm>
+            <a:off x="-1" y="246199"/>
+            <a:ext cx="11567873" cy="784830"/>
+          </a:xfrm>
+          <a:prstGeom prst="rect">
+            <a:avLst/>
+          </a:prstGeom>
+          <a:noFill/>
+          <a:ln>
+            <a:noFill/>
+          </a:ln>
+        </p:spPr>
+        <p:txBody>
+          <a:bodyPr spcFirstLastPara="1" wrap="square" lIns="91425" tIns="45700" rIns="91425" bIns="45700" anchor="t" anchorCtr="0">
+            <a:spAutoFit/>
+          </a:bodyPr>
+          <a:lstStyle/>
+          <a:p>
+            <a:pPr marL="457200" marR="0" lvl="1" indent="0" algn="l" rtl="0">
+              <a:spcBef>
+                <a:spcPts val="0"/>
+              </a:spcBef>
+              <a:spcAft>
+                <a:spcPts val="0"/>
+              </a:spcAft>
+              <a:buNone/>
+            </a:pPr>
+            <a:r>
+              <a:rPr lang="tr-TR" sz="4500" b="0" i="0" u="none" strike="noStrike" cap="none" dirty="0" smtClean="0">
+                <a:solidFill>
+                  <a:schemeClr val="lt1"/>
+                </a:solidFill>
+                <a:latin typeface="Times New Roman"/>
+                <a:ea typeface="Times New Roman"/>
+                <a:cs typeface="Times New Roman"/>
+                <a:sym typeface="Times New Roman"/>
+              </a:rPr>
+              <a:t>5. </a:t>
+            </a:r>
+            <a:r>
+              <a:rPr lang="tr-TR" sz="4500" dirty="0" smtClean="0">
+                <a:solidFill>
+                  <a:schemeClr val="lt1"/>
+                </a:solidFill>
+                <a:latin typeface="Times New Roman"/>
+                <a:ea typeface="Times New Roman"/>
+                <a:cs typeface="Times New Roman"/>
+                <a:sym typeface="Times New Roman"/>
+              </a:rPr>
+              <a:t>İmplementasyon</a:t>
+            </a:r>
+            <a:endParaRPr dirty="0"/>
+          </a:p>
+        </p:txBody>
+      </p:sp>
     </p:spTree>
+    <p:extLst>
+      <p:ext uri="{BB962C8B-B14F-4D97-AF65-F5344CB8AC3E}">
+        <p14:creationId xmlns:p14="http://schemas.microsoft.com/office/powerpoint/2010/main" val="3566480307"/>
+      </p:ext>
+    </p:extLst>
   </p:cSld>
   <p:clrMapOvr>
     <a:masterClrMapping/>
